--- a/기술사/PE/그림.pptx
+++ b/기술사/PE/그림.pptx
@@ -8,6 +8,11 @@
     <p:sldId id="257" r:id="rId2"/>
     <p:sldId id="256" r:id="rId3"/>
     <p:sldId id="258" r:id="rId4"/>
+    <p:sldId id="259" r:id="rId5"/>
+    <p:sldId id="260" r:id="rId6"/>
+    <p:sldId id="261" r:id="rId7"/>
+    <p:sldId id="262" r:id="rId8"/>
+    <p:sldId id="263" r:id="rId9"/>
   </p:sldIdLst>
   <p:sldSz cx="12192000" cy="6858000"/>
   <p:notesSz cx="6858000" cy="9144000"/>
@@ -106,6 +111,11 @@
       </a:defRPr>
     </a:lvl9pPr>
   </p:defaultTextStyle>
+  <p:extLst>
+    <p:ext uri="{EFAFB233-063F-42B5-8137-9DF3F51BA10A}">
+      <p15:sldGuideLst xmlns:p15="http://schemas.microsoft.com/office/powerpoint/2012/main"/>
+    </p:ext>
+  </p:extLst>
 </p:presentation>
 </file>
 
@@ -256,7 +266,7 @@
           <a:p>
             <a:fld id="{D3FBE6FA-6C13-41E0-98BC-71515A569F0D}" type="datetimeFigureOut">
               <a:rPr lang="ko-KR" altLang="en-US" smtClean="0"/>
-              <a:t>2021-03-10</a:t>
+              <a:t>2021-03-15</a:t>
             </a:fld>
             <a:endParaRPr lang="ko-KR" altLang="en-US"/>
           </a:p>
@@ -454,7 +464,7 @@
           <a:p>
             <a:fld id="{D3FBE6FA-6C13-41E0-98BC-71515A569F0D}" type="datetimeFigureOut">
               <a:rPr lang="ko-KR" altLang="en-US" smtClean="0"/>
-              <a:t>2021-03-10</a:t>
+              <a:t>2021-03-15</a:t>
             </a:fld>
             <a:endParaRPr lang="ko-KR" altLang="en-US"/>
           </a:p>
@@ -662,7 +672,7 @@
           <a:p>
             <a:fld id="{D3FBE6FA-6C13-41E0-98BC-71515A569F0D}" type="datetimeFigureOut">
               <a:rPr lang="ko-KR" altLang="en-US" smtClean="0"/>
-              <a:t>2021-03-10</a:t>
+              <a:t>2021-03-15</a:t>
             </a:fld>
             <a:endParaRPr lang="ko-KR" altLang="en-US"/>
           </a:p>
@@ -860,7 +870,7 @@
           <a:p>
             <a:fld id="{D3FBE6FA-6C13-41E0-98BC-71515A569F0D}" type="datetimeFigureOut">
               <a:rPr lang="ko-KR" altLang="en-US" smtClean="0"/>
-              <a:t>2021-03-10</a:t>
+              <a:t>2021-03-15</a:t>
             </a:fld>
             <a:endParaRPr lang="ko-KR" altLang="en-US"/>
           </a:p>
@@ -1135,7 +1145,7 @@
           <a:p>
             <a:fld id="{D3FBE6FA-6C13-41E0-98BC-71515A569F0D}" type="datetimeFigureOut">
               <a:rPr lang="ko-KR" altLang="en-US" smtClean="0"/>
-              <a:t>2021-03-10</a:t>
+              <a:t>2021-03-15</a:t>
             </a:fld>
             <a:endParaRPr lang="ko-KR" altLang="en-US"/>
           </a:p>
@@ -1400,7 +1410,7 @@
           <a:p>
             <a:fld id="{D3FBE6FA-6C13-41E0-98BC-71515A569F0D}" type="datetimeFigureOut">
               <a:rPr lang="ko-KR" altLang="en-US" smtClean="0"/>
-              <a:t>2021-03-10</a:t>
+              <a:t>2021-03-15</a:t>
             </a:fld>
             <a:endParaRPr lang="ko-KR" altLang="en-US"/>
           </a:p>
@@ -1812,7 +1822,7 @@
           <a:p>
             <a:fld id="{D3FBE6FA-6C13-41E0-98BC-71515A569F0D}" type="datetimeFigureOut">
               <a:rPr lang="ko-KR" altLang="en-US" smtClean="0"/>
-              <a:t>2021-03-10</a:t>
+              <a:t>2021-03-15</a:t>
             </a:fld>
             <a:endParaRPr lang="ko-KR" altLang="en-US"/>
           </a:p>
@@ -1953,7 +1963,7 @@
           <a:p>
             <a:fld id="{D3FBE6FA-6C13-41E0-98BC-71515A569F0D}" type="datetimeFigureOut">
               <a:rPr lang="ko-KR" altLang="en-US" smtClean="0"/>
-              <a:t>2021-03-10</a:t>
+              <a:t>2021-03-15</a:t>
             </a:fld>
             <a:endParaRPr lang="ko-KR" altLang="en-US"/>
           </a:p>
@@ -2066,7 +2076,7 @@
           <a:p>
             <a:fld id="{D3FBE6FA-6C13-41E0-98BC-71515A569F0D}" type="datetimeFigureOut">
               <a:rPr lang="ko-KR" altLang="en-US" smtClean="0"/>
-              <a:t>2021-03-10</a:t>
+              <a:t>2021-03-15</a:t>
             </a:fld>
             <a:endParaRPr lang="ko-KR" altLang="en-US"/>
           </a:p>
@@ -2377,7 +2387,7 @@
           <a:p>
             <a:fld id="{D3FBE6FA-6C13-41E0-98BC-71515A569F0D}" type="datetimeFigureOut">
               <a:rPr lang="ko-KR" altLang="en-US" smtClean="0"/>
-              <a:t>2021-03-10</a:t>
+              <a:t>2021-03-15</a:t>
             </a:fld>
             <a:endParaRPr lang="ko-KR" altLang="en-US"/>
           </a:p>
@@ -2665,7 +2675,7 @@
           <a:p>
             <a:fld id="{D3FBE6FA-6C13-41E0-98BC-71515A569F0D}" type="datetimeFigureOut">
               <a:rPr lang="ko-KR" altLang="en-US" smtClean="0"/>
-              <a:t>2021-03-10</a:t>
+              <a:t>2021-03-15</a:t>
             </a:fld>
             <a:endParaRPr lang="ko-KR" altLang="en-US"/>
           </a:p>
@@ -2906,7 +2916,7 @@
           <a:p>
             <a:fld id="{D3FBE6FA-6C13-41E0-98BC-71515A569F0D}" type="datetimeFigureOut">
               <a:rPr lang="ko-KR" altLang="en-US" smtClean="0"/>
-              <a:t>2021-03-10</a:t>
+              <a:t>2021-03-15</a:t>
             </a:fld>
             <a:endParaRPr lang="ko-KR" altLang="en-US"/>
           </a:p>
@@ -3517,8 +3527,8 @@
           </a:fontRef>
         </p:style>
       </p:cxnSp>
-      <mc:AlternateContent xmlns:mc="http://schemas.openxmlformats.org/markup-compatibility/2006">
-        <mc:Choice xmlns:a14="http://schemas.microsoft.com/office/drawing/2010/main" Requires="a14">
+      <mc:AlternateContent xmlns:mc="http://schemas.openxmlformats.org/markup-compatibility/2006" xmlns:a14="http://schemas.microsoft.com/office/drawing/2010/main">
+        <mc:Choice Requires="a14">
           <p:sp>
             <p:nvSpPr>
               <p:cNvPr id="10" name="TextBox 9">
@@ -3547,6 +3557,7 @@
               </a:bodyPr>
               <a:lstStyle/>
               <a:p>
+                <a:pPr/>
                 <a14:m>
                   <m:oMathPara xmlns:m="http://schemas.openxmlformats.org/officeDocument/2006/math">
                     <m:oMathParaPr>
@@ -3570,7 +3581,7 @@
             </p:txBody>
           </p:sp>
         </mc:Choice>
-        <mc:Fallback>
+        <mc:Fallback xmlns="">
           <p:sp>
             <p:nvSpPr>
               <p:cNvPr id="10" name="TextBox 9">
@@ -3615,8 +3626,8 @@
           </p:sp>
         </mc:Fallback>
       </mc:AlternateContent>
-      <mc:AlternateContent xmlns:mc="http://schemas.openxmlformats.org/markup-compatibility/2006">
-        <mc:Choice xmlns:a14="http://schemas.microsoft.com/office/drawing/2010/main" Requires="a14">
+      <mc:AlternateContent xmlns:mc="http://schemas.openxmlformats.org/markup-compatibility/2006" xmlns:a14="http://schemas.microsoft.com/office/drawing/2010/main">
+        <mc:Choice Requires="a14">
           <p:sp>
             <p:nvSpPr>
               <p:cNvPr id="11" name="TextBox 10">
@@ -3645,6 +3656,7 @@
               </a:bodyPr>
               <a:lstStyle/>
               <a:p>
+                <a:pPr/>
                 <a14:m>
                   <m:oMathPara xmlns:m="http://schemas.openxmlformats.org/officeDocument/2006/math">
                     <m:oMathParaPr>
@@ -3668,7 +3680,7 @@
             </p:txBody>
           </p:sp>
         </mc:Choice>
-        <mc:Fallback>
+        <mc:Fallback xmlns="">
           <p:sp>
             <p:nvSpPr>
               <p:cNvPr id="11" name="TextBox 10">
@@ -3713,8 +3725,8 @@
           </p:sp>
         </mc:Fallback>
       </mc:AlternateContent>
-      <mc:AlternateContent xmlns:mc="http://schemas.openxmlformats.org/markup-compatibility/2006">
-        <mc:Choice xmlns:a14="http://schemas.microsoft.com/office/drawing/2010/main" Requires="a14">
+      <mc:AlternateContent xmlns:mc="http://schemas.openxmlformats.org/markup-compatibility/2006" xmlns:a14="http://schemas.microsoft.com/office/drawing/2010/main">
+        <mc:Choice Requires="a14">
           <p:sp>
             <p:nvSpPr>
               <p:cNvPr id="12" name="TextBox 11">
@@ -3743,6 +3755,7 @@
               </a:bodyPr>
               <a:lstStyle/>
               <a:p>
+                <a:pPr/>
                 <a14:m>
                   <m:oMathPara xmlns:m="http://schemas.openxmlformats.org/officeDocument/2006/math">
                     <m:oMathParaPr>
@@ -3766,7 +3779,7 @@
             </p:txBody>
           </p:sp>
         </mc:Choice>
-        <mc:Fallback>
+        <mc:Fallback xmlns="">
           <p:sp>
             <p:nvSpPr>
               <p:cNvPr id="12" name="TextBox 11">
@@ -3853,8 +3866,8 @@
           </a:fontRef>
         </p:style>
       </p:cxnSp>
-      <mc:AlternateContent xmlns:mc="http://schemas.openxmlformats.org/markup-compatibility/2006">
-        <mc:Choice xmlns:a14="http://schemas.microsoft.com/office/drawing/2010/main" Requires="a14">
+      <mc:AlternateContent xmlns:mc="http://schemas.openxmlformats.org/markup-compatibility/2006" xmlns:a14="http://schemas.microsoft.com/office/drawing/2010/main">
+        <mc:Choice Requires="a14">
           <p:sp>
             <p:nvSpPr>
               <p:cNvPr id="15" name="TextBox 14">
@@ -3883,6 +3896,7 @@
               </a:bodyPr>
               <a:lstStyle/>
               <a:p>
+                <a:pPr/>
                 <a14:m>
                   <m:oMathPara xmlns:m="http://schemas.openxmlformats.org/officeDocument/2006/math">
                     <m:oMathParaPr>
@@ -3906,7 +3920,7 @@
             </p:txBody>
           </p:sp>
         </mc:Choice>
-        <mc:Fallback>
+        <mc:Fallback xmlns="">
           <p:sp>
             <p:nvSpPr>
               <p:cNvPr id="15" name="TextBox 14">
@@ -3951,8 +3965,8 @@
           </p:sp>
         </mc:Fallback>
       </mc:AlternateContent>
-      <mc:AlternateContent xmlns:mc="http://schemas.openxmlformats.org/markup-compatibility/2006">
-        <mc:Choice xmlns:a14="http://schemas.microsoft.com/office/drawing/2010/main" Requires="a14">
+      <mc:AlternateContent xmlns:mc="http://schemas.openxmlformats.org/markup-compatibility/2006" xmlns:a14="http://schemas.microsoft.com/office/drawing/2010/main">
+        <mc:Choice Requires="a14">
           <p:sp>
             <p:nvSpPr>
               <p:cNvPr id="16" name="TextBox 15">
@@ -4006,7 +4020,7 @@
                       <m:f>
                         <m:fPr>
                           <m:ctrlPr>
-                            <a:rPr lang="en-US" altLang="ko-KR" b="0" smtClean="0">
+                            <a:rPr lang="en-US" altLang="ko-KR" b="0" i="1" smtClean="0">
                               <a:latin typeface="Cambria Math" panose="02040503050406030204" pitchFamily="18" charset="0"/>
                             </a:rPr>
                           </m:ctrlPr>
@@ -4043,7 +4057,7 @@
                       <m:d>
                         <m:dPr>
                           <m:ctrlPr>
-                            <a:rPr lang="en-US" altLang="ko-KR" b="0" smtClean="0">
+                            <a:rPr lang="en-US" altLang="ko-KR" b="0" i="1" smtClean="0">
                               <a:latin typeface="Cambria Math" panose="02040503050406030204" pitchFamily="18" charset="0"/>
                             </a:rPr>
                           </m:ctrlPr>
@@ -4052,7 +4066,7 @@
                           <m:sSup>
                             <m:sSupPr>
                               <m:ctrlPr>
-                                <a:rPr lang="en-US" altLang="ko-KR" b="0" smtClean="0">
+                                <a:rPr lang="en-US" altLang="ko-KR" b="0" i="1" smtClean="0">
                                   <a:latin typeface="Cambria Math" panose="02040503050406030204" pitchFamily="18" charset="0"/>
                                 </a:rPr>
                               </m:ctrlPr>
@@ -4095,7 +4109,7 @@
                           <m:sSup>
                             <m:sSupPr>
                               <m:ctrlPr>
-                                <a:rPr lang="en-US" altLang="ko-KR" b="0" smtClean="0">
+                                <a:rPr lang="en-US" altLang="ko-KR" b="0" i="1" smtClean="0">
                                   <a:latin typeface="Cambria Math" panose="02040503050406030204" pitchFamily="18" charset="0"/>
                                 </a:rPr>
                               </m:ctrlPr>
@@ -4138,7 +4152,7 @@
                           <m:sSup>
                             <m:sSupPr>
                               <m:ctrlPr>
-                                <a:rPr lang="en-US" altLang="ko-KR" b="0" smtClean="0">
+                                <a:rPr lang="en-US" altLang="ko-KR" b="0" i="1" smtClean="0">
                                   <a:latin typeface="Cambria Math" panose="02040503050406030204" pitchFamily="18" charset="0"/>
                                 </a:rPr>
                               </m:ctrlPr>
@@ -4253,7 +4267,7 @@
                           <m:sSup>
                             <m:sSupPr>
                               <m:ctrlPr>
-                                <a:rPr lang="en-US" altLang="ko-KR" b="0" i="0" smtClean="0">
+                                <a:rPr lang="en-US" altLang="ko-KR" b="0" i="1" smtClean="0">
                                   <a:latin typeface="Cambria Math" panose="02040503050406030204" pitchFamily="18" charset="0"/>
                                 </a:rPr>
                               </m:ctrlPr>
@@ -4266,16 +4280,7 @@
                                 <a:rPr lang="en-US" altLang="ko-KR" b="0" i="0" smtClean="0">
                                   <a:latin typeface="Cambria Math" panose="02040503050406030204" pitchFamily="18" charset="0"/>
                                 </a:rPr>
-                                <m:t>P</m:t>
-                              </m:r>
-                              <m:r>
-                                <m:rPr>
-                                  <m:sty m:val="p"/>
-                                </m:rPr>
-                                <a:rPr lang="en-US" altLang="ko-KR" b="0" i="0" smtClean="0">
-                                  <a:latin typeface="Cambria Math" panose="02040503050406030204" pitchFamily="18" charset="0"/>
-                                </a:rPr>
-                                <m:t>a</m:t>
+                                <m:t>Pa</m:t>
                               </m:r>
                             </m:e>
                             <m:sup>
@@ -4290,7 +4295,7 @@
                           <m:sSup>
                             <m:sSupPr>
                               <m:ctrlPr>
-                                <a:rPr lang="en-US" altLang="ko-KR" b="0" i="0" smtClean="0">
+                                <a:rPr lang="en-US" altLang="ko-KR" b="0" i="1" smtClean="0">
                                   <a:latin typeface="Cambria Math" panose="02040503050406030204" pitchFamily="18" charset="0"/>
                                 </a:rPr>
                               </m:ctrlPr>
@@ -4390,7 +4395,7 @@
             </p:txBody>
           </p:sp>
         </mc:Choice>
-        <mc:Fallback>
+        <mc:Fallback xmlns="">
           <p:sp>
             <p:nvSpPr>
               <p:cNvPr id="16" name="TextBox 15">
@@ -4671,8 +4676,8 @@
           </a:fontRef>
         </p:style>
       </p:cxnSp>
-      <mc:AlternateContent xmlns:mc="http://schemas.openxmlformats.org/markup-compatibility/2006">
-        <mc:Choice xmlns:a14="http://schemas.microsoft.com/office/drawing/2010/main" Requires="a14">
+      <mc:AlternateContent xmlns:mc="http://schemas.openxmlformats.org/markup-compatibility/2006" xmlns:a14="http://schemas.microsoft.com/office/drawing/2010/main">
+        <mc:Choice Requires="a14">
           <p:sp>
             <p:nvSpPr>
               <p:cNvPr id="29" name="TextBox 28">
@@ -4701,6 +4706,7 @@
               </a:bodyPr>
               <a:lstStyle/>
               <a:p>
+                <a:pPr/>
                 <a14:m>
                   <m:oMathPara xmlns:m="http://schemas.openxmlformats.org/officeDocument/2006/math">
                     <m:oMathParaPr>
@@ -4724,7 +4730,7 @@
             </p:txBody>
           </p:sp>
         </mc:Choice>
-        <mc:Fallback>
+        <mc:Fallback xmlns="">
           <p:sp>
             <p:nvSpPr>
               <p:cNvPr id="29" name="TextBox 28">
@@ -4769,8 +4775,8 @@
           </p:sp>
         </mc:Fallback>
       </mc:AlternateContent>
-      <mc:AlternateContent xmlns:mc="http://schemas.openxmlformats.org/markup-compatibility/2006">
-        <mc:Choice xmlns:a14="http://schemas.microsoft.com/office/drawing/2010/main" Requires="a14">
+      <mc:AlternateContent xmlns:mc="http://schemas.openxmlformats.org/markup-compatibility/2006" xmlns:a14="http://schemas.microsoft.com/office/drawing/2010/main">
+        <mc:Choice Requires="a14">
           <p:sp>
             <p:nvSpPr>
               <p:cNvPr id="30" name="TextBox 29">
@@ -4824,7 +4830,7 @@
                       <m:f>
                         <m:fPr>
                           <m:ctrlPr>
-                            <a:rPr lang="en-US" altLang="ko-KR" b="0" smtClean="0">
+                            <a:rPr lang="en-US" altLang="ko-KR" b="0" i="1" smtClean="0">
                               <a:latin typeface="Cambria Math" panose="02040503050406030204" pitchFamily="18" charset="0"/>
                             </a:rPr>
                           </m:ctrlPr>
@@ -4867,7 +4873,7 @@
                       <m:sSup>
                         <m:sSupPr>
                           <m:ctrlPr>
-                            <a:rPr lang="en-US" altLang="ko-KR" b="0" smtClean="0">
+                            <a:rPr lang="en-US" altLang="ko-KR" b="0" i="1" smtClean="0">
                               <a:latin typeface="Cambria Math" panose="02040503050406030204" pitchFamily="18" charset="0"/>
                             </a:rPr>
                           </m:ctrlPr>
@@ -4919,7 +4925,7 @@
                       <m:sSup>
                         <m:sSupPr>
                           <m:ctrlPr>
-                            <a:rPr lang="en-US" altLang="ko-KR" b="0" smtClean="0">
+                            <a:rPr lang="en-US" altLang="ko-KR" b="0" i="1" smtClean="0">
                               <a:latin typeface="Cambria Math" panose="02040503050406030204" pitchFamily="18" charset="0"/>
                             </a:rPr>
                           </m:ctrlPr>
@@ -4953,7 +4959,7 @@
                       <m:sSup>
                         <m:sSupPr>
                           <m:ctrlPr>
-                            <a:rPr lang="en-US" altLang="ko-KR" b="0" smtClean="0">
+                            <a:rPr lang="en-US" altLang="ko-KR" b="0" i="1" smtClean="0">
                               <a:latin typeface="Cambria Math" panose="02040503050406030204" pitchFamily="18" charset="0"/>
                             </a:rPr>
                           </m:ctrlPr>
@@ -4992,7 +4998,7 @@
             </p:txBody>
           </p:sp>
         </mc:Choice>
-        <mc:Fallback>
+        <mc:Fallback xmlns="">
           <p:sp>
             <p:nvSpPr>
               <p:cNvPr id="30" name="TextBox 29">
@@ -5650,8 +5656,8 @@
           </a:fontRef>
         </p:style>
       </p:cxnSp>
-      <mc:AlternateContent xmlns:mc="http://schemas.openxmlformats.org/markup-compatibility/2006">
-        <mc:Choice xmlns:a14="http://schemas.microsoft.com/office/drawing/2010/main" Requires="a14">
+      <mc:AlternateContent xmlns:mc="http://schemas.openxmlformats.org/markup-compatibility/2006" xmlns:a14="http://schemas.microsoft.com/office/drawing/2010/main">
+        <mc:Choice Requires="a14">
           <p:sp>
             <p:nvSpPr>
               <p:cNvPr id="47" name="TextBox 46">
@@ -5680,6 +5686,7 @@
               </a:bodyPr>
               <a:lstStyle/>
               <a:p>
+                <a:pPr/>
                 <a14:m>
                   <m:oMathPara xmlns:m="http://schemas.openxmlformats.org/officeDocument/2006/math">
                     <m:oMathParaPr>
@@ -5703,7 +5710,7 @@
             </p:txBody>
           </p:sp>
         </mc:Choice>
-        <mc:Fallback>
+        <mc:Fallback xmlns="">
           <p:sp>
             <p:nvSpPr>
               <p:cNvPr id="47" name="TextBox 46">
@@ -5918,8 +5925,8 @@
           </a:p>
         </p:txBody>
       </p:sp>
-      <mc:AlternateContent xmlns:mc="http://schemas.openxmlformats.org/markup-compatibility/2006">
-        <mc:Choice xmlns:a14="http://schemas.microsoft.com/office/drawing/2010/main" Requires="a14">
+      <mc:AlternateContent xmlns:mc="http://schemas.openxmlformats.org/markup-compatibility/2006" xmlns:a14="http://schemas.microsoft.com/office/drawing/2010/main">
+        <mc:Choice Requires="a14">
           <p:sp>
             <p:nvSpPr>
               <p:cNvPr id="10" name="TextBox 9">
@@ -5948,6 +5955,7 @@
               </a:bodyPr>
               <a:lstStyle/>
               <a:p>
+                <a:pPr/>
                 <a14:m>
                   <m:oMathPara xmlns:m="http://schemas.openxmlformats.org/officeDocument/2006/math">
                     <m:oMathParaPr>
@@ -5957,7 +5965,7 @@
                       <m:sSub>
                         <m:sSubPr>
                           <m:ctrlPr>
-                            <a:rPr lang="en-US" altLang="ko-KR" b="0" smtClean="0">
+                            <a:rPr lang="en-US" altLang="ko-KR" b="0" i="1" smtClean="0">
                               <a:latin typeface="Cambria Math" panose="02040503050406030204" pitchFamily="18" charset="0"/>
                             </a:rPr>
                           </m:ctrlPr>
@@ -5990,7 +5998,7 @@
             </p:txBody>
           </p:sp>
         </mc:Choice>
-        <mc:Fallback>
+        <mc:Fallback xmlns="">
           <p:sp>
             <p:nvSpPr>
               <p:cNvPr id="10" name="TextBox 9">
@@ -6035,8 +6043,8 @@
           </p:sp>
         </mc:Fallback>
       </mc:AlternateContent>
-      <mc:AlternateContent xmlns:mc="http://schemas.openxmlformats.org/markup-compatibility/2006">
-        <mc:Choice xmlns:a14="http://schemas.microsoft.com/office/drawing/2010/main" Requires="a14">
+      <mc:AlternateContent xmlns:mc="http://schemas.openxmlformats.org/markup-compatibility/2006" xmlns:a14="http://schemas.microsoft.com/office/drawing/2010/main">
+        <mc:Choice Requires="a14">
           <p:sp>
             <p:nvSpPr>
               <p:cNvPr id="11" name="TextBox 10">
@@ -6065,6 +6073,7 @@
               </a:bodyPr>
               <a:lstStyle/>
               <a:p>
+                <a:pPr/>
                 <a14:m>
                   <m:oMathPara xmlns:m="http://schemas.openxmlformats.org/officeDocument/2006/math">
                     <m:oMathParaPr>
@@ -6074,7 +6083,7 @@
                       <m:sSub>
                         <m:sSubPr>
                           <m:ctrlPr>
-                            <a:rPr lang="en-US" altLang="ko-KR" b="0" smtClean="0">
+                            <a:rPr lang="en-US" altLang="ko-KR" b="0" i="1" smtClean="0">
                               <a:latin typeface="Cambria Math" panose="02040503050406030204" pitchFamily="18" charset="0"/>
                             </a:rPr>
                           </m:ctrlPr>
@@ -6107,7 +6116,7 @@
             </p:txBody>
           </p:sp>
         </mc:Choice>
-        <mc:Fallback>
+        <mc:Fallback xmlns="">
           <p:sp>
             <p:nvSpPr>
               <p:cNvPr id="11" name="TextBox 10">
@@ -6283,8 +6292,8 @@
           </a:fontRef>
         </p:style>
       </p:cxnSp>
-      <mc:AlternateContent xmlns:mc="http://schemas.openxmlformats.org/markup-compatibility/2006">
-        <mc:Choice xmlns:a14="http://schemas.microsoft.com/office/drawing/2010/main" Requires="a14">
+      <mc:AlternateContent xmlns:mc="http://schemas.openxmlformats.org/markup-compatibility/2006" xmlns:a14="http://schemas.microsoft.com/office/drawing/2010/main">
+        <mc:Choice Requires="a14">
           <p:sp>
             <p:nvSpPr>
               <p:cNvPr id="19" name="TextBox 18">
@@ -6313,6 +6322,7 @@
               </a:bodyPr>
               <a:lstStyle/>
               <a:p>
+                <a:pPr/>
                 <a14:m>
                   <m:oMathPara xmlns:m="http://schemas.openxmlformats.org/officeDocument/2006/math">
                     <m:oMathParaPr>
@@ -6322,7 +6332,7 @@
                       <m:sSub>
                         <m:sSubPr>
                           <m:ctrlPr>
-                            <a:rPr lang="en-US" altLang="ko-KR" b="0" smtClean="0">
+                            <a:rPr lang="en-US" altLang="ko-KR" b="0" i="1" smtClean="0">
                               <a:latin typeface="Cambria Math" panose="02040503050406030204" pitchFamily="18" charset="0"/>
                             </a:rPr>
                           </m:ctrlPr>
@@ -6358,7 +6368,7 @@
             </p:txBody>
           </p:sp>
         </mc:Choice>
-        <mc:Fallback>
+        <mc:Fallback xmlns="">
           <p:sp>
             <p:nvSpPr>
               <p:cNvPr id="19" name="TextBox 18">
@@ -6403,8 +6413,8 @@
           </p:sp>
         </mc:Fallback>
       </mc:AlternateContent>
-      <mc:AlternateContent xmlns:mc="http://schemas.openxmlformats.org/markup-compatibility/2006">
-        <mc:Choice xmlns:a14="http://schemas.microsoft.com/office/drawing/2010/main" Requires="a14">
+      <mc:AlternateContent xmlns:mc="http://schemas.openxmlformats.org/markup-compatibility/2006" xmlns:a14="http://schemas.microsoft.com/office/drawing/2010/main">
+        <mc:Choice Requires="a14">
           <p:sp>
             <p:nvSpPr>
               <p:cNvPr id="20" name="TextBox 19">
@@ -6433,6 +6443,7 @@
               </a:bodyPr>
               <a:lstStyle/>
               <a:p>
+                <a:pPr/>
                 <a14:m>
                   <m:oMathPara xmlns:m="http://schemas.openxmlformats.org/officeDocument/2006/math">
                     <m:oMathParaPr>
@@ -6442,7 +6453,7 @@
                       <m:sSub>
                         <m:sSubPr>
                           <m:ctrlPr>
-                            <a:rPr lang="en-US" altLang="ko-KR" b="0" smtClean="0">
+                            <a:rPr lang="en-US" altLang="ko-KR" b="0" i="1" smtClean="0">
                               <a:latin typeface="Cambria Math" panose="02040503050406030204" pitchFamily="18" charset="0"/>
                             </a:rPr>
                           </m:ctrlPr>
@@ -6478,7 +6489,7 @@
             </p:txBody>
           </p:sp>
         </mc:Choice>
-        <mc:Fallback>
+        <mc:Fallback xmlns="">
           <p:sp>
             <p:nvSpPr>
               <p:cNvPr id="20" name="TextBox 19">
@@ -6523,8 +6534,8 @@
           </p:sp>
         </mc:Fallback>
       </mc:AlternateContent>
-      <mc:AlternateContent xmlns:mc="http://schemas.openxmlformats.org/markup-compatibility/2006">
-        <mc:Choice xmlns:a14="http://schemas.microsoft.com/office/drawing/2010/main" Requires="a14">
+      <mc:AlternateContent xmlns:mc="http://schemas.openxmlformats.org/markup-compatibility/2006" xmlns:a14="http://schemas.microsoft.com/office/drawing/2010/main">
+        <mc:Choice Requires="a14">
           <p:sp>
             <p:nvSpPr>
               <p:cNvPr id="22" name="TextBox 21">
@@ -6553,6 +6564,7 @@
               </a:bodyPr>
               <a:lstStyle/>
               <a:p>
+                <a:pPr/>
                 <a14:m>
                   <m:oMathPara xmlns:m="http://schemas.openxmlformats.org/officeDocument/2006/math">
                     <m:oMathParaPr>
@@ -6576,7 +6588,7 @@
             </p:txBody>
           </p:sp>
         </mc:Choice>
-        <mc:Fallback>
+        <mc:Fallback xmlns="">
           <p:sp>
             <p:nvSpPr>
               <p:cNvPr id="22" name="TextBox 21">
@@ -6621,8 +6633,8 @@
           </p:sp>
         </mc:Fallback>
       </mc:AlternateContent>
-      <mc:AlternateContent xmlns:mc="http://schemas.openxmlformats.org/markup-compatibility/2006">
-        <mc:Choice xmlns:a14="http://schemas.microsoft.com/office/drawing/2010/main" Requires="a14">
+      <mc:AlternateContent xmlns:mc="http://schemas.openxmlformats.org/markup-compatibility/2006" xmlns:a14="http://schemas.microsoft.com/office/drawing/2010/main">
+        <mc:Choice Requires="a14">
           <p:sp>
             <p:nvSpPr>
               <p:cNvPr id="23" name="TextBox 22">
@@ -6651,6 +6663,7 @@
               </a:bodyPr>
               <a:lstStyle/>
               <a:p>
+                <a:pPr/>
                 <a14:m>
                   <m:oMathPara xmlns:m="http://schemas.openxmlformats.org/officeDocument/2006/math">
                     <m:oMathParaPr>
@@ -6674,7 +6687,7 @@
             </p:txBody>
           </p:sp>
         </mc:Choice>
-        <mc:Fallback>
+        <mc:Fallback xmlns="">
           <p:sp>
             <p:nvSpPr>
               <p:cNvPr id="23" name="TextBox 22">
@@ -6762,8 +6775,8 @@
           </a:fontRef>
         </p:style>
       </p:cxnSp>
-      <mc:AlternateContent xmlns:mc="http://schemas.openxmlformats.org/markup-compatibility/2006">
-        <mc:Choice xmlns:a14="http://schemas.microsoft.com/office/drawing/2010/main" Requires="a14">
+      <mc:AlternateContent xmlns:mc="http://schemas.openxmlformats.org/markup-compatibility/2006" xmlns:a14="http://schemas.microsoft.com/office/drawing/2010/main">
+        <mc:Choice Requires="a14">
           <p:sp>
             <p:nvSpPr>
               <p:cNvPr id="26" name="TextBox 25">
@@ -6792,6 +6805,7 @@
               </a:bodyPr>
               <a:lstStyle/>
               <a:p>
+                <a:pPr/>
                 <a14:m>
                   <m:oMathPara xmlns:m="http://schemas.openxmlformats.org/officeDocument/2006/math">
                     <m:oMathParaPr>
@@ -6801,7 +6815,7 @@
                       <m:sSub>
                         <m:sSubPr>
                           <m:ctrlPr>
-                            <a:rPr lang="en-US" altLang="ko-KR" b="0" smtClean="0">
+                            <a:rPr lang="en-US" altLang="ko-KR" b="0" i="1" smtClean="0">
                               <a:latin typeface="Cambria Math" panose="02040503050406030204" pitchFamily="18" charset="0"/>
                             </a:rPr>
                           </m:ctrlPr>
@@ -6837,7 +6851,7 @@
             </p:txBody>
           </p:sp>
         </mc:Choice>
-        <mc:Fallback>
+        <mc:Fallback xmlns="">
           <p:sp>
             <p:nvSpPr>
               <p:cNvPr id="26" name="TextBox 25">
@@ -7286,8 +7300,8 @@
           </a:fontRef>
         </p:style>
       </p:cxnSp>
-      <mc:AlternateContent xmlns:mc="http://schemas.openxmlformats.org/markup-compatibility/2006">
-        <mc:Choice xmlns:a14="http://schemas.microsoft.com/office/drawing/2010/main" Requires="a14">
+      <mc:AlternateContent xmlns:mc="http://schemas.openxmlformats.org/markup-compatibility/2006" xmlns:a14="http://schemas.microsoft.com/office/drawing/2010/main">
+        <mc:Choice Requires="a14">
           <p:sp>
             <p:nvSpPr>
               <p:cNvPr id="39" name="TextBox 38">
@@ -7316,6 +7330,7 @@
               </a:bodyPr>
               <a:lstStyle/>
               <a:p>
+                <a:pPr/>
                 <a14:m>
                   <m:oMathPara xmlns:m="http://schemas.openxmlformats.org/officeDocument/2006/math">
                     <m:oMathParaPr>
@@ -7325,7 +7340,7 @@
                       <m:sSub>
                         <m:sSubPr>
                           <m:ctrlPr>
-                            <a:rPr lang="en-US" altLang="ko-KR" b="0" smtClean="0">
+                            <a:rPr lang="en-US" altLang="ko-KR" b="0" i="1" smtClean="0">
                               <a:latin typeface="Cambria Math" panose="02040503050406030204" pitchFamily="18" charset="0"/>
                             </a:rPr>
                           </m:ctrlPr>
@@ -7361,7 +7376,7 @@
             </p:txBody>
           </p:sp>
         </mc:Choice>
-        <mc:Fallback>
+        <mc:Fallback xmlns="">
           <p:sp>
             <p:nvSpPr>
               <p:cNvPr id="39" name="TextBox 38">
@@ -7406,8 +7421,8 @@
           </p:sp>
         </mc:Fallback>
       </mc:AlternateContent>
-      <mc:AlternateContent xmlns:mc="http://schemas.openxmlformats.org/markup-compatibility/2006">
-        <mc:Choice xmlns:a14="http://schemas.microsoft.com/office/drawing/2010/main" Requires="a14">
+      <mc:AlternateContent xmlns:mc="http://schemas.openxmlformats.org/markup-compatibility/2006" xmlns:a14="http://schemas.microsoft.com/office/drawing/2010/main">
+        <mc:Choice Requires="a14">
           <p:sp>
             <p:nvSpPr>
               <p:cNvPr id="40" name="TextBox 39">
@@ -7436,6 +7451,7 @@
               </a:bodyPr>
               <a:lstStyle/>
               <a:p>
+                <a:pPr/>
                 <a14:m>
                   <m:oMathPara xmlns:m="http://schemas.openxmlformats.org/officeDocument/2006/math">
                     <m:oMathParaPr>
@@ -7445,7 +7461,7 @@
                       <m:sSub>
                         <m:sSubPr>
                           <m:ctrlPr>
-                            <a:rPr lang="en-US" altLang="ko-KR" b="0" smtClean="0">
+                            <a:rPr lang="en-US" altLang="ko-KR" b="0" i="1" smtClean="0">
                               <a:latin typeface="Cambria Math" panose="02040503050406030204" pitchFamily="18" charset="0"/>
                             </a:rPr>
                           </m:ctrlPr>
@@ -7481,7 +7497,7 @@
             </p:txBody>
           </p:sp>
         </mc:Choice>
-        <mc:Fallback>
+        <mc:Fallback xmlns="">
           <p:sp>
             <p:nvSpPr>
               <p:cNvPr id="40" name="TextBox 39">
@@ -7543,6 +7559,248 @@
             <p:spPr>
               <a:xfrm>
                 <a:off x="7562660" y="1883946"/>
+                <a:ext cx="315214" cy="302519"/>
+              </a:xfrm>
+              <a:prstGeom prst="rect">
+                <a:avLst/>
+              </a:prstGeom>
+              <a:noFill/>
+            </p:spPr>
+            <p:txBody>
+              <a:bodyPr wrap="square" lIns="0" tIns="0" rIns="0" bIns="0" rtlCol="0">
+                <a:spAutoFit/>
+              </a:bodyPr>
+              <a:lstStyle/>
+              <a:p>
+                <a:pPr/>
+                <a14:m>
+                  <m:oMathPara xmlns:m="http://schemas.openxmlformats.org/officeDocument/2006/math">
+                    <m:oMathParaPr>
+                      <m:jc m:val="centerGroup"/>
+                    </m:oMathParaPr>
+                    <m:oMath xmlns:m="http://schemas.openxmlformats.org/officeDocument/2006/math">
+                      <m:sSub>
+                        <m:sSubPr>
+                          <m:ctrlPr>
+                            <a:rPr lang="en-US" altLang="ko-KR" b="0" i="1" smtClean="0">
+                              <a:latin typeface="Cambria Math" panose="02040503050406030204" pitchFamily="18" charset="0"/>
+                            </a:rPr>
+                          </m:ctrlPr>
+                        </m:sSubPr>
+                        <m:e>
+                          <m:r>
+                            <m:rPr>
+                              <m:sty m:val="p"/>
+                            </m:rPr>
+                            <a:rPr lang="en-US" altLang="ko-KR" b="0" i="0" smtClean="0">
+                              <a:latin typeface="Cambria Math" panose="02040503050406030204" pitchFamily="18" charset="0"/>
+                            </a:rPr>
+                            <m:t>σ</m:t>
+                          </m:r>
+                        </m:e>
+                        <m:sub>
+                          <m:r>
+                            <m:rPr>
+                              <m:sty m:val="p"/>
+                            </m:rPr>
+                            <a:rPr lang="en-US" altLang="ko-KR" b="0" i="0" smtClean="0">
+                              <a:latin typeface="Cambria Math" panose="02040503050406030204" pitchFamily="18" charset="0"/>
+                            </a:rPr>
+                            <m:t>y</m:t>
+                          </m:r>
+                        </m:sub>
+                      </m:sSub>
+                    </m:oMath>
+                  </m:oMathPara>
+                </a14:m>
+                <a:endParaRPr lang="ko-KR" altLang="en-US" dirty="0"/>
+              </a:p>
+            </p:txBody>
+          </p:sp>
+        </mc:Choice>
+        <mc:Fallback>
+          <p:sp>
+            <p:nvSpPr>
+              <p:cNvPr id="41" name="TextBox 40">
+                <a:extLst>
+                  <a:ext uri="{FF2B5EF4-FFF2-40B4-BE49-F238E27FC236}">
+                    <a16:creationId xmlns:a16="http://schemas.microsoft.com/office/drawing/2014/main" id="{26CB0431-96B6-49DB-81C4-25387A24EB9D}"/>
+                  </a:ext>
+                </a:extLst>
+              </p:cNvPr>
+              <p:cNvSpPr txBox="1">
+                <a:spLocks noRot="1" noChangeAspect="1" noMove="1" noResize="1" noEditPoints="1" noAdjustHandles="1" noChangeArrowheads="1" noChangeShapeType="1" noTextEdit="1"/>
+              </p:cNvSpPr>
+              <p:nvPr/>
+            </p:nvSpPr>
+            <p:spPr>
+              <a:xfrm>
+                <a:off x="7562660" y="1883946"/>
+                <a:ext cx="315214" cy="302519"/>
+              </a:xfrm>
+              <a:prstGeom prst="rect">
+                <a:avLst/>
+              </a:prstGeom>
+              <a:blipFill>
+                <a:blip r:embed="rId11"/>
+                <a:stretch>
+                  <a:fillRect l="-7843" r="-5882" b="-22000"/>
+                </a:stretch>
+              </a:blipFill>
+            </p:spPr>
+            <p:txBody>
+              <a:bodyPr/>
+              <a:lstStyle/>
+              <a:p>
+                <a:r>
+                  <a:rPr lang="ko-KR" altLang="en-US">
+                    <a:noFill/>
+                  </a:rPr>
+                  <a:t> </a:t>
+                </a:r>
+              </a:p>
+            </p:txBody>
+          </p:sp>
+        </mc:Fallback>
+      </mc:AlternateContent>
+      <mc:AlternateContent xmlns:mc="http://schemas.openxmlformats.org/markup-compatibility/2006">
+        <mc:Choice xmlns:a14="http://schemas.microsoft.com/office/drawing/2010/main" Requires="a14">
+          <p:sp>
+            <p:nvSpPr>
+              <p:cNvPr id="42" name="TextBox 41">
+                <a:extLst>
+                  <a:ext uri="{FF2B5EF4-FFF2-40B4-BE49-F238E27FC236}">
+                    <a16:creationId xmlns:a16="http://schemas.microsoft.com/office/drawing/2014/main" id="{BD7DD929-25C1-4159-BF1A-B7ECBCFC4086}"/>
+                  </a:ext>
+                </a:extLst>
+              </p:cNvPr>
+              <p:cNvSpPr txBox="1"/>
+              <p:nvPr/>
+            </p:nvSpPr>
+            <p:spPr>
+              <a:xfrm>
+                <a:off x="7572447" y="4536266"/>
+                <a:ext cx="315214" cy="302519"/>
+              </a:xfrm>
+              <a:prstGeom prst="rect">
+                <a:avLst/>
+              </a:prstGeom>
+              <a:noFill/>
+            </p:spPr>
+            <p:txBody>
+              <a:bodyPr wrap="square" lIns="0" tIns="0" rIns="0" bIns="0" rtlCol="0">
+                <a:spAutoFit/>
+              </a:bodyPr>
+              <a:lstStyle/>
+              <a:p>
+                <a:pPr/>
+                <a14:m>
+                  <m:oMathPara xmlns:m="http://schemas.openxmlformats.org/officeDocument/2006/math">
+                    <m:oMathParaPr>
+                      <m:jc m:val="centerGroup"/>
+                    </m:oMathParaPr>
+                    <m:oMath xmlns:m="http://schemas.openxmlformats.org/officeDocument/2006/math">
+                      <m:sSub>
+                        <m:sSubPr>
+                          <m:ctrlPr>
+                            <a:rPr lang="en-US" altLang="ko-KR" b="0" i="1" smtClean="0">
+                              <a:latin typeface="Cambria Math" panose="02040503050406030204" pitchFamily="18" charset="0"/>
+                            </a:rPr>
+                          </m:ctrlPr>
+                        </m:sSubPr>
+                        <m:e>
+                          <m:r>
+                            <m:rPr>
+                              <m:sty m:val="p"/>
+                            </m:rPr>
+                            <a:rPr lang="en-US" altLang="ko-KR" b="0" i="0" smtClean="0">
+                              <a:latin typeface="Cambria Math" panose="02040503050406030204" pitchFamily="18" charset="0"/>
+                            </a:rPr>
+                            <m:t>σ</m:t>
+                          </m:r>
+                        </m:e>
+                        <m:sub>
+                          <m:r>
+                            <m:rPr>
+                              <m:sty m:val="p"/>
+                            </m:rPr>
+                            <a:rPr lang="en-US" altLang="ko-KR" b="0" i="0" smtClean="0">
+                              <a:latin typeface="Cambria Math" panose="02040503050406030204" pitchFamily="18" charset="0"/>
+                            </a:rPr>
+                            <m:t>y</m:t>
+                          </m:r>
+                        </m:sub>
+                      </m:sSub>
+                    </m:oMath>
+                  </m:oMathPara>
+                </a14:m>
+                <a:endParaRPr lang="ko-KR" altLang="en-US" dirty="0"/>
+              </a:p>
+            </p:txBody>
+          </p:sp>
+        </mc:Choice>
+        <mc:Fallback>
+          <p:sp>
+            <p:nvSpPr>
+              <p:cNvPr id="42" name="TextBox 41">
+                <a:extLst>
+                  <a:ext uri="{FF2B5EF4-FFF2-40B4-BE49-F238E27FC236}">
+                    <a16:creationId xmlns:a16="http://schemas.microsoft.com/office/drawing/2014/main" id="{BD7DD929-25C1-4159-BF1A-B7ECBCFC4086}"/>
+                  </a:ext>
+                </a:extLst>
+              </p:cNvPr>
+              <p:cNvSpPr txBox="1">
+                <a:spLocks noRot="1" noChangeAspect="1" noMove="1" noResize="1" noEditPoints="1" noAdjustHandles="1" noChangeArrowheads="1" noChangeShapeType="1" noTextEdit="1"/>
+              </p:cNvSpPr>
+              <p:nvPr/>
+            </p:nvSpPr>
+            <p:spPr>
+              <a:xfrm>
+                <a:off x="7572447" y="4536266"/>
+                <a:ext cx="315214" cy="302519"/>
+              </a:xfrm>
+              <a:prstGeom prst="rect">
+                <a:avLst/>
+              </a:prstGeom>
+              <a:blipFill>
+                <a:blip r:embed="rId12"/>
+                <a:stretch>
+                  <a:fillRect l="-7692" r="-5769" b="-22000"/>
+                </a:stretch>
+              </a:blipFill>
+            </p:spPr>
+            <p:txBody>
+              <a:bodyPr/>
+              <a:lstStyle/>
+              <a:p>
+                <a:r>
+                  <a:rPr lang="ko-KR" altLang="en-US">
+                    <a:noFill/>
+                  </a:rPr>
+                  <a:t> </a:t>
+                </a:r>
+              </a:p>
+            </p:txBody>
+          </p:sp>
+        </mc:Fallback>
+      </mc:AlternateContent>
+      <mc:AlternateContent xmlns:mc="http://schemas.openxmlformats.org/markup-compatibility/2006">
+        <mc:Choice xmlns:a14="http://schemas.microsoft.com/office/drawing/2010/main" Requires="a14">
+          <p:sp>
+            <p:nvSpPr>
+              <p:cNvPr id="43" name="TextBox 42">
+                <a:extLst>
+                  <a:ext uri="{FF2B5EF4-FFF2-40B4-BE49-F238E27FC236}">
+                    <a16:creationId xmlns:a16="http://schemas.microsoft.com/office/drawing/2014/main" id="{A532338C-A417-4B26-9DC7-B3A944D517D7}"/>
+                  </a:ext>
+                </a:extLst>
+              </p:cNvPr>
+              <p:cNvSpPr txBox="1"/>
+              <p:nvPr/>
+            </p:nvSpPr>
+            <p:spPr>
+              <a:xfrm>
+                <a:off x="8906295" y="3244360"/>
                 <a:ext cx="315214" cy="276999"/>
               </a:xfrm>
               <a:prstGeom prst="rect">
@@ -7556,6 +7814,7 @@
               </a:bodyPr>
               <a:lstStyle/>
               <a:p>
+                <a:pPr/>
                 <a14:m>
                   <m:oMathPara xmlns:m="http://schemas.openxmlformats.org/officeDocument/2006/math">
                     <m:oMathParaPr>
@@ -7565,7 +7824,7 @@
                       <m:sSub>
                         <m:sSubPr>
                           <m:ctrlPr>
-                            <a:rPr lang="en-US" altLang="ko-KR" b="0" smtClean="0">
+                            <a:rPr lang="en-US" altLang="ko-KR" b="0" i="1" smtClean="0">
                               <a:latin typeface="Cambria Math" panose="02040503050406030204" pitchFamily="18" charset="0"/>
                             </a:rPr>
                           </m:ctrlPr>
@@ -7604,10 +7863,10 @@
         <mc:Fallback>
           <p:sp>
             <p:nvSpPr>
-              <p:cNvPr id="41" name="TextBox 40">
+              <p:cNvPr id="43" name="TextBox 42">
                 <a:extLst>
                   <a:ext uri="{FF2B5EF4-FFF2-40B4-BE49-F238E27FC236}">
-                    <a16:creationId xmlns:a16="http://schemas.microsoft.com/office/drawing/2014/main" id="{26CB0431-96B6-49DB-81C4-25387A24EB9D}"/>
+                    <a16:creationId xmlns:a16="http://schemas.microsoft.com/office/drawing/2014/main" id="{A532338C-A417-4B26-9DC7-B3A944D517D7}"/>
                   </a:ext>
                 </a:extLst>
               </p:cNvPr>
@@ -7618,16 +7877,16 @@
             </p:nvSpPr>
             <p:spPr>
               <a:xfrm>
-                <a:off x="7562660" y="1883946"/>
+                <a:off x="8906295" y="3244360"/>
                 <a:ext cx="315214" cy="276999"/>
               </a:xfrm>
               <a:prstGeom prst="rect">
                 <a:avLst/>
               </a:prstGeom>
               <a:blipFill>
-                <a:blip r:embed="rId11"/>
+                <a:blip r:embed="rId13"/>
                 <a:stretch>
-                  <a:fillRect l="-5882" b="-17778"/>
+                  <a:fillRect l="-5769" b="-15217"/>
                 </a:stretch>
               </a:blipFill>
             </p:spPr>
@@ -7650,10 +7909,10 @@
         <mc:Choice xmlns:a14="http://schemas.microsoft.com/office/drawing/2010/main" Requires="a14">
           <p:sp>
             <p:nvSpPr>
-              <p:cNvPr id="42" name="TextBox 41">
+              <p:cNvPr id="44" name="TextBox 43">
                 <a:extLst>
                   <a:ext uri="{FF2B5EF4-FFF2-40B4-BE49-F238E27FC236}">
-                    <a16:creationId xmlns:a16="http://schemas.microsoft.com/office/drawing/2014/main" id="{BD7DD929-25C1-4159-BF1A-B7ECBCFC4086}"/>
+                    <a16:creationId xmlns:a16="http://schemas.microsoft.com/office/drawing/2014/main" id="{F267EAA0-6831-4D67-88AB-F5D5BD423AFD}"/>
                   </a:ext>
                 </a:extLst>
               </p:cNvPr>
@@ -7662,7 +7921,7 @@
             </p:nvSpPr>
             <p:spPr>
               <a:xfrm>
-                <a:off x="7572447" y="4536266"/>
+                <a:off x="6239994" y="3212202"/>
                 <a:ext cx="315214" cy="276999"/>
               </a:xfrm>
               <a:prstGeom prst="rect">
@@ -7676,6 +7935,7 @@
               </a:bodyPr>
               <a:lstStyle/>
               <a:p>
+                <a:pPr/>
                 <a14:m>
                   <m:oMathPara xmlns:m="http://schemas.openxmlformats.org/officeDocument/2006/math">
                     <m:oMathParaPr>
@@ -7685,7 +7945,7 @@
                       <m:sSub>
                         <m:sSubPr>
                           <m:ctrlPr>
-                            <a:rPr lang="en-US" altLang="ko-KR" b="0" smtClean="0">
+                            <a:rPr lang="en-US" altLang="ko-KR" b="0" i="1" smtClean="0">
                               <a:latin typeface="Cambria Math" panose="02040503050406030204" pitchFamily="18" charset="0"/>
                             </a:rPr>
                           </m:ctrlPr>
@@ -7724,246 +7984,6 @@
         <mc:Fallback>
           <p:sp>
             <p:nvSpPr>
-              <p:cNvPr id="42" name="TextBox 41">
-                <a:extLst>
-                  <a:ext uri="{FF2B5EF4-FFF2-40B4-BE49-F238E27FC236}">
-                    <a16:creationId xmlns:a16="http://schemas.microsoft.com/office/drawing/2014/main" id="{BD7DD929-25C1-4159-BF1A-B7ECBCFC4086}"/>
-                  </a:ext>
-                </a:extLst>
-              </p:cNvPr>
-              <p:cNvSpPr txBox="1">
-                <a:spLocks noRot="1" noChangeAspect="1" noMove="1" noResize="1" noEditPoints="1" noAdjustHandles="1" noChangeArrowheads="1" noChangeShapeType="1" noTextEdit="1"/>
-              </p:cNvSpPr>
-              <p:nvPr/>
-            </p:nvSpPr>
-            <p:spPr>
-              <a:xfrm>
-                <a:off x="7572447" y="4536266"/>
-                <a:ext cx="315214" cy="276999"/>
-              </a:xfrm>
-              <a:prstGeom prst="rect">
-                <a:avLst/>
-              </a:prstGeom>
-              <a:blipFill>
-                <a:blip r:embed="rId12"/>
-                <a:stretch>
-                  <a:fillRect l="-5769" b="-15217"/>
-                </a:stretch>
-              </a:blipFill>
-            </p:spPr>
-            <p:txBody>
-              <a:bodyPr/>
-              <a:lstStyle/>
-              <a:p>
-                <a:r>
-                  <a:rPr lang="ko-KR" altLang="en-US">
-                    <a:noFill/>
-                  </a:rPr>
-                  <a:t> </a:t>
-                </a:r>
-              </a:p>
-            </p:txBody>
-          </p:sp>
-        </mc:Fallback>
-      </mc:AlternateContent>
-      <mc:AlternateContent xmlns:mc="http://schemas.openxmlformats.org/markup-compatibility/2006">
-        <mc:Choice xmlns:a14="http://schemas.microsoft.com/office/drawing/2010/main" Requires="a14">
-          <p:sp>
-            <p:nvSpPr>
-              <p:cNvPr id="43" name="TextBox 42">
-                <a:extLst>
-                  <a:ext uri="{FF2B5EF4-FFF2-40B4-BE49-F238E27FC236}">
-                    <a16:creationId xmlns:a16="http://schemas.microsoft.com/office/drawing/2014/main" id="{A532338C-A417-4B26-9DC7-B3A944D517D7}"/>
-                  </a:ext>
-                </a:extLst>
-              </p:cNvPr>
-              <p:cNvSpPr txBox="1"/>
-              <p:nvPr/>
-            </p:nvSpPr>
-            <p:spPr>
-              <a:xfrm>
-                <a:off x="8906295" y="3244360"/>
-                <a:ext cx="315214" cy="302519"/>
-              </a:xfrm>
-              <a:prstGeom prst="rect">
-                <a:avLst/>
-              </a:prstGeom>
-              <a:noFill/>
-            </p:spPr>
-            <p:txBody>
-              <a:bodyPr wrap="square" lIns="0" tIns="0" rIns="0" bIns="0" rtlCol="0">
-                <a:spAutoFit/>
-              </a:bodyPr>
-              <a:lstStyle/>
-              <a:p>
-                <a14:m>
-                  <m:oMathPara xmlns:m="http://schemas.openxmlformats.org/officeDocument/2006/math">
-                    <m:oMathParaPr>
-                      <m:jc m:val="centerGroup"/>
-                    </m:oMathParaPr>
-                    <m:oMath xmlns:m="http://schemas.openxmlformats.org/officeDocument/2006/math">
-                      <m:sSub>
-                        <m:sSubPr>
-                          <m:ctrlPr>
-                            <a:rPr lang="en-US" altLang="ko-KR" b="0" smtClean="0">
-                              <a:latin typeface="Cambria Math" panose="02040503050406030204" pitchFamily="18" charset="0"/>
-                            </a:rPr>
-                          </m:ctrlPr>
-                        </m:sSubPr>
-                        <m:e>
-                          <m:r>
-                            <m:rPr>
-                              <m:sty m:val="p"/>
-                            </m:rPr>
-                            <a:rPr lang="en-US" altLang="ko-KR" b="0" i="0" smtClean="0">
-                              <a:latin typeface="Cambria Math" panose="02040503050406030204" pitchFamily="18" charset="0"/>
-                            </a:rPr>
-                            <m:t>σ</m:t>
-                          </m:r>
-                        </m:e>
-                        <m:sub>
-                          <m:r>
-                            <m:rPr>
-                              <m:sty m:val="p"/>
-                            </m:rPr>
-                            <a:rPr lang="en-US" altLang="ko-KR" b="0" i="0" smtClean="0">
-                              <a:latin typeface="Cambria Math" panose="02040503050406030204" pitchFamily="18" charset="0"/>
-                            </a:rPr>
-                            <m:t>y</m:t>
-                          </m:r>
-                        </m:sub>
-                      </m:sSub>
-                    </m:oMath>
-                  </m:oMathPara>
-                </a14:m>
-                <a:endParaRPr lang="ko-KR" altLang="en-US" dirty="0"/>
-              </a:p>
-            </p:txBody>
-          </p:sp>
-        </mc:Choice>
-        <mc:Fallback>
-          <p:sp>
-            <p:nvSpPr>
-              <p:cNvPr id="43" name="TextBox 42">
-                <a:extLst>
-                  <a:ext uri="{FF2B5EF4-FFF2-40B4-BE49-F238E27FC236}">
-                    <a16:creationId xmlns:a16="http://schemas.microsoft.com/office/drawing/2014/main" id="{A532338C-A417-4B26-9DC7-B3A944D517D7}"/>
-                  </a:ext>
-                </a:extLst>
-              </p:cNvPr>
-              <p:cNvSpPr txBox="1">
-                <a:spLocks noRot="1" noChangeAspect="1" noMove="1" noResize="1" noEditPoints="1" noAdjustHandles="1" noChangeArrowheads="1" noChangeShapeType="1" noTextEdit="1"/>
-              </p:cNvSpPr>
-              <p:nvPr/>
-            </p:nvSpPr>
-            <p:spPr>
-              <a:xfrm>
-                <a:off x="8906295" y="3244360"/>
-                <a:ext cx="315214" cy="302519"/>
-              </a:xfrm>
-              <a:prstGeom prst="rect">
-                <a:avLst/>
-              </a:prstGeom>
-              <a:blipFill>
-                <a:blip r:embed="rId13"/>
-                <a:stretch>
-                  <a:fillRect l="-7692" r="-5769" b="-22000"/>
-                </a:stretch>
-              </a:blipFill>
-            </p:spPr>
-            <p:txBody>
-              <a:bodyPr/>
-              <a:lstStyle/>
-              <a:p>
-                <a:r>
-                  <a:rPr lang="ko-KR" altLang="en-US">
-                    <a:noFill/>
-                  </a:rPr>
-                  <a:t> </a:t>
-                </a:r>
-              </a:p>
-            </p:txBody>
-          </p:sp>
-        </mc:Fallback>
-      </mc:AlternateContent>
-      <mc:AlternateContent xmlns:mc="http://schemas.openxmlformats.org/markup-compatibility/2006">
-        <mc:Choice xmlns:a14="http://schemas.microsoft.com/office/drawing/2010/main" Requires="a14">
-          <p:sp>
-            <p:nvSpPr>
-              <p:cNvPr id="44" name="TextBox 43">
-                <a:extLst>
-                  <a:ext uri="{FF2B5EF4-FFF2-40B4-BE49-F238E27FC236}">
-                    <a16:creationId xmlns:a16="http://schemas.microsoft.com/office/drawing/2014/main" id="{F267EAA0-6831-4D67-88AB-F5D5BD423AFD}"/>
-                  </a:ext>
-                </a:extLst>
-              </p:cNvPr>
-              <p:cNvSpPr txBox="1"/>
-              <p:nvPr/>
-            </p:nvSpPr>
-            <p:spPr>
-              <a:xfrm>
-                <a:off x="6239994" y="3212202"/>
-                <a:ext cx="315214" cy="302519"/>
-              </a:xfrm>
-              <a:prstGeom prst="rect">
-                <a:avLst/>
-              </a:prstGeom>
-              <a:noFill/>
-            </p:spPr>
-            <p:txBody>
-              <a:bodyPr wrap="square" lIns="0" tIns="0" rIns="0" bIns="0" rtlCol="0">
-                <a:spAutoFit/>
-              </a:bodyPr>
-              <a:lstStyle/>
-              <a:p>
-                <a14:m>
-                  <m:oMathPara xmlns:m="http://schemas.openxmlformats.org/officeDocument/2006/math">
-                    <m:oMathParaPr>
-                      <m:jc m:val="centerGroup"/>
-                    </m:oMathParaPr>
-                    <m:oMath xmlns:m="http://schemas.openxmlformats.org/officeDocument/2006/math">
-                      <m:sSub>
-                        <m:sSubPr>
-                          <m:ctrlPr>
-                            <a:rPr lang="en-US" altLang="ko-KR" b="0" smtClean="0">
-                              <a:latin typeface="Cambria Math" panose="02040503050406030204" pitchFamily="18" charset="0"/>
-                            </a:rPr>
-                          </m:ctrlPr>
-                        </m:sSubPr>
-                        <m:e>
-                          <m:r>
-                            <m:rPr>
-                              <m:sty m:val="p"/>
-                            </m:rPr>
-                            <a:rPr lang="en-US" altLang="ko-KR" b="0" i="0" smtClean="0">
-                              <a:latin typeface="Cambria Math" panose="02040503050406030204" pitchFamily="18" charset="0"/>
-                            </a:rPr>
-                            <m:t>σ</m:t>
-                          </m:r>
-                        </m:e>
-                        <m:sub>
-                          <m:r>
-                            <m:rPr>
-                              <m:sty m:val="p"/>
-                            </m:rPr>
-                            <a:rPr lang="en-US" altLang="ko-KR" b="0" i="0" smtClean="0">
-                              <a:latin typeface="Cambria Math" panose="02040503050406030204" pitchFamily="18" charset="0"/>
-                            </a:rPr>
-                            <m:t>y</m:t>
-                          </m:r>
-                        </m:sub>
-                      </m:sSub>
-                    </m:oMath>
-                  </m:oMathPara>
-                </a14:m>
-                <a:endParaRPr lang="ko-KR" altLang="en-US" dirty="0"/>
-              </a:p>
-            </p:txBody>
-          </p:sp>
-        </mc:Choice>
-        <mc:Fallback>
-          <p:sp>
-            <p:nvSpPr>
               <p:cNvPr id="44" name="TextBox 43">
                 <a:extLst>
                   <a:ext uri="{FF2B5EF4-FFF2-40B4-BE49-F238E27FC236}">
@@ -7979,7 +7999,7 @@
             <p:spPr>
               <a:xfrm>
                 <a:off x="6239994" y="3212202"/>
-                <a:ext cx="315214" cy="302519"/>
+                <a:ext cx="315214" cy="276999"/>
               </a:xfrm>
               <a:prstGeom prst="rect">
                 <a:avLst/>
@@ -7987,7 +8007,7 @@
               <a:blipFill>
                 <a:blip r:embed="rId14"/>
                 <a:stretch>
-                  <a:fillRect l="-7843" r="-5882" b="-20000"/>
+                  <a:fillRect l="-5882" b="-15556"/>
                 </a:stretch>
               </a:blipFill>
             </p:spPr>
@@ -8022,8 +8042,8 @@
         </p:nvCxnSpPr>
         <p:spPr>
           <a:xfrm flipV="1">
-            <a:off x="7737616" y="2331811"/>
-            <a:ext cx="381231" cy="1099287"/>
+            <a:off x="7737616" y="2845308"/>
+            <a:ext cx="1168679" cy="585791"/>
           </a:xfrm>
           <a:prstGeom prst="straightConnector1">
             <a:avLst/>
@@ -8066,7 +8086,7 @@
             </p:nvSpPr>
             <p:spPr>
               <a:xfrm>
-                <a:off x="8118847" y="1994385"/>
+                <a:off x="8904999" y="2568309"/>
                 <a:ext cx="315214" cy="276999"/>
               </a:xfrm>
               <a:prstGeom prst="rect">
@@ -8080,6 +8100,7 @@
               </a:bodyPr>
               <a:lstStyle/>
               <a:p>
+                <a:pPr/>
                 <a14:m>
                   <m:oMathPara xmlns:m="http://schemas.openxmlformats.org/officeDocument/2006/math">
                     <m:oMathParaPr>
@@ -8089,7 +8110,7 @@
                       <m:sSubSup>
                         <m:sSubSupPr>
                           <m:ctrlPr>
-                            <a:rPr lang="en-US" altLang="ko-KR" b="0" i="0" smtClean="0">
+                            <a:rPr lang="en-US" altLang="ko-KR" b="0" i="1" smtClean="0">
                               <a:latin typeface="Cambria Math" panose="02040503050406030204" pitchFamily="18" charset="0"/>
                             </a:rPr>
                           </m:ctrlPr>
@@ -8150,7 +8171,7 @@
             </p:nvSpPr>
             <p:spPr>
               <a:xfrm>
-                <a:off x="8118847" y="1994385"/>
+                <a:off x="8904999" y="2568309"/>
                 <a:ext cx="315214" cy="276999"/>
               </a:xfrm>
               <a:prstGeom prst="rect">
@@ -8194,7 +8215,7 @@
             </p:nvSpPr>
             <p:spPr>
               <a:xfrm>
-                <a:off x="7776597" y="2344722"/>
+                <a:off x="9457777" y="2862482"/>
                 <a:ext cx="208390" cy="276999"/>
               </a:xfrm>
               <a:prstGeom prst="rect">
@@ -8208,6 +8229,7 @@
               </a:bodyPr>
               <a:lstStyle/>
               <a:p>
+                <a:pPr/>
                 <a14:m>
                   <m:oMathPara xmlns:m="http://schemas.openxmlformats.org/officeDocument/2006/math">
                     <m:oMathParaPr>
@@ -8248,7 +8270,7 @@
             </p:nvSpPr>
             <p:spPr>
               <a:xfrm>
-                <a:off x="7776597" y="2344722"/>
+                <a:off x="9457777" y="2862482"/>
                 <a:ext cx="208390" cy="276999"/>
               </a:xfrm>
               <a:prstGeom prst="rect">
@@ -8257,7 +8279,7 @@
               <a:blipFill>
                 <a:blip r:embed="rId16"/>
                 <a:stretch>
-                  <a:fillRect l="-20588" r="-23529" b="-13333"/>
+                  <a:fillRect l="-20000" r="-20000" b="-13333"/>
                 </a:stretch>
               </a:blipFill>
             </p:spPr>
@@ -8292,7 +8314,7 @@
             </p:nvSpPr>
             <p:spPr>
               <a:xfrm>
-                <a:off x="3999540" y="4225445"/>
+                <a:off x="4119654" y="3663957"/>
                 <a:ext cx="336631" cy="276999"/>
               </a:xfrm>
               <a:prstGeom prst="rect">
@@ -8306,6 +8328,7 @@
               </a:bodyPr>
               <a:lstStyle/>
               <a:p>
+                <a:pPr/>
                 <a14:m>
                   <m:oMathPara xmlns:m="http://schemas.openxmlformats.org/officeDocument/2006/math">
                     <m:oMathParaPr>
@@ -8352,7 +8375,7 @@
             </p:nvSpPr>
             <p:spPr>
               <a:xfrm>
-                <a:off x="3999540" y="4225445"/>
+                <a:off x="4119654" y="3663957"/>
                 <a:ext cx="336631" cy="276999"/>
               </a:xfrm>
               <a:prstGeom prst="rect">
@@ -8361,7 +8384,7 @@
               <a:blipFill>
                 <a:blip r:embed="rId17"/>
                 <a:stretch>
-                  <a:fillRect l="-12727" r="-14545" b="-10870"/>
+                  <a:fillRect l="-12727" r="-14545" b="-13333"/>
                 </a:stretch>
               </a:blipFill>
             </p:spPr>
@@ -8395,9 +8418,9 @@
           <p:nvPr/>
         </p:nvCxnSpPr>
         <p:spPr>
-          <a:xfrm>
-            <a:off x="3565208" y="2234811"/>
-            <a:ext cx="383546" cy="2869034"/>
+          <a:xfrm flipV="1">
+            <a:off x="2373805" y="3244360"/>
+            <a:ext cx="2795584" cy="744570"/>
           </a:xfrm>
           <a:prstGeom prst="line">
             <a:avLst/>
@@ -8439,8 +8462,8 @@
         </p:nvCxnSpPr>
         <p:spPr>
           <a:xfrm>
-            <a:off x="3950442" y="3624044"/>
-            <a:ext cx="0" cy="1462481"/>
+            <a:off x="5158456" y="3246540"/>
+            <a:ext cx="0" cy="377504"/>
           </a:xfrm>
           <a:prstGeom prst="line">
             <a:avLst/>
@@ -8482,7 +8505,7 @@
             </p:nvSpPr>
             <p:spPr>
               <a:xfrm>
-                <a:off x="3858638" y="3312855"/>
+                <a:off x="4882095" y="3598081"/>
                 <a:ext cx="315214" cy="276999"/>
               </a:xfrm>
               <a:prstGeom prst="rect">
@@ -8496,6 +8519,7 @@
               </a:bodyPr>
               <a:lstStyle/>
               <a:p>
+                <a:pPr/>
                 <a14:m>
                   <m:oMathPara xmlns:m="http://schemas.openxmlformats.org/officeDocument/2006/math">
                     <m:oMathParaPr>
@@ -8505,7 +8529,7 @@
                       <m:sSubSup>
                         <m:sSubSupPr>
                           <m:ctrlPr>
-                            <a:rPr lang="en-US" altLang="ko-KR" b="0" i="0" smtClean="0">
+                            <a:rPr lang="en-US" altLang="ko-KR" b="0" i="1" smtClean="0">
                               <a:latin typeface="Cambria Math" panose="02040503050406030204" pitchFamily="18" charset="0"/>
                             </a:rPr>
                           </m:ctrlPr>
@@ -8566,7 +8590,7 @@
             </p:nvSpPr>
             <p:spPr>
               <a:xfrm>
-                <a:off x="3858638" y="3312855"/>
+                <a:off x="4882095" y="3598081"/>
                 <a:ext cx="315214" cy="276999"/>
               </a:xfrm>
               <a:prstGeom prst="rect">
@@ -8607,8 +8631,8 @@
           <p:nvPr/>
         </p:nvSpPr>
         <p:spPr>
-          <a:xfrm>
-            <a:off x="7489525" y="1607091"/>
+          <a:xfrm rot="3385366">
+            <a:off x="8687210" y="2742100"/>
             <a:ext cx="726860" cy="737613"/>
           </a:xfrm>
           <a:prstGeom prst="arc">
@@ -8621,8 +8645,8 @@
             <a:solidFill>
               <a:srgbClr val="0000FF"/>
             </a:solidFill>
-            <a:headEnd type="none" w="med" len="med"/>
-            <a:tailEnd type="triangle" w="med" len="med"/>
+            <a:headEnd type="triangle" w="med" len="med"/>
+            <a:tailEnd type="none" w="med" len="med"/>
           </a:ln>
         </p:spPr>
         <p:style>
@@ -8645,325 +8669,6 @@
           <a:p>
             <a:pPr algn="ctr"/>
             <a:endParaRPr lang="ko-KR" altLang="en-US"/>
-          </a:p>
-        </p:txBody>
-      </p:sp>
-      <mc:AlternateContent xmlns:mc="http://schemas.openxmlformats.org/markup-compatibility/2006">
-        <mc:Choice xmlns:a14="http://schemas.microsoft.com/office/drawing/2010/main" Requires="a14">
-          <p:sp>
-            <p:nvSpPr>
-              <p:cNvPr id="60" name="TextBox 59">
-                <a:extLst>
-                  <a:ext uri="{FF2B5EF4-FFF2-40B4-BE49-F238E27FC236}">
-                    <a16:creationId xmlns:a16="http://schemas.microsoft.com/office/drawing/2014/main" id="{9E3768D8-D8D5-460A-AEA7-F418ECC9AB44}"/>
-                  </a:ext>
-                </a:extLst>
-              </p:cNvPr>
-              <p:cNvSpPr txBox="1"/>
-              <p:nvPr/>
-            </p:nvSpPr>
-            <p:spPr>
-              <a:xfrm>
-                <a:off x="7984987" y="1325155"/>
-                <a:ext cx="208390" cy="276999"/>
-              </a:xfrm>
-              <a:prstGeom prst="rect">
-                <a:avLst/>
-              </a:prstGeom>
-              <a:noFill/>
-            </p:spPr>
-            <p:txBody>
-              <a:bodyPr wrap="none" lIns="0" tIns="0" rIns="0" bIns="0" rtlCol="0">
-                <a:spAutoFit/>
-              </a:bodyPr>
-              <a:lstStyle/>
-              <a:p>
-                <a14:m>
-                  <m:oMathPara xmlns:m="http://schemas.openxmlformats.org/officeDocument/2006/math">
-                    <m:oMathParaPr>
-                      <m:jc m:val="centerGroup"/>
-                    </m:oMathParaPr>
-                    <m:oMath xmlns:m="http://schemas.openxmlformats.org/officeDocument/2006/math">
-                      <m:r>
-                        <m:rPr>
-                          <m:sty m:val="p"/>
-                        </m:rPr>
-                        <a:rPr lang="en-US" altLang="ko-KR" b="0" i="0" smtClean="0">
-                          <a:latin typeface="Cambria Math" panose="02040503050406030204" pitchFamily="18" charset="0"/>
-                        </a:rPr>
-                        <m:t>θ</m:t>
-                      </m:r>
-                    </m:oMath>
-                  </m:oMathPara>
-                </a14:m>
-                <a:endParaRPr lang="ko-KR" altLang="en-US" dirty="0"/>
-              </a:p>
-            </p:txBody>
-          </p:sp>
-        </mc:Choice>
-        <mc:Fallback>
-          <p:sp>
-            <p:nvSpPr>
-              <p:cNvPr id="60" name="TextBox 59">
-                <a:extLst>
-                  <a:ext uri="{FF2B5EF4-FFF2-40B4-BE49-F238E27FC236}">
-                    <a16:creationId xmlns:a16="http://schemas.microsoft.com/office/drawing/2014/main" id="{9E3768D8-D8D5-460A-AEA7-F418ECC9AB44}"/>
-                  </a:ext>
-                </a:extLst>
-              </p:cNvPr>
-              <p:cNvSpPr txBox="1">
-                <a:spLocks noRot="1" noChangeAspect="1" noMove="1" noResize="1" noEditPoints="1" noAdjustHandles="1" noChangeArrowheads="1" noChangeShapeType="1" noTextEdit="1"/>
-              </p:cNvSpPr>
-              <p:nvPr/>
-            </p:nvSpPr>
-            <p:spPr>
-              <a:xfrm>
-                <a:off x="7984987" y="1325155"/>
-                <a:ext cx="208390" cy="276999"/>
-              </a:xfrm>
-              <a:prstGeom prst="rect">
-                <a:avLst/>
-              </a:prstGeom>
-              <a:blipFill>
-                <a:blip r:embed="rId19"/>
-                <a:stretch>
-                  <a:fillRect l="-20588" r="-23529" b="-10870"/>
-                </a:stretch>
-              </a:blipFill>
-            </p:spPr>
-            <p:txBody>
-              <a:bodyPr/>
-              <a:lstStyle/>
-              <a:p>
-                <a:r>
-                  <a:rPr lang="ko-KR" altLang="en-US">
-                    <a:noFill/>
-                  </a:rPr>
-                  <a:t> </a:t>
-                </a:r>
-              </a:p>
-            </p:txBody>
-          </p:sp>
-        </mc:Fallback>
-      </mc:AlternateContent>
-      <p:sp>
-        <p:nvSpPr>
-          <p:cNvPr id="61" name="TextBox 60">
-            <a:extLst>
-              <a:ext uri="{FF2B5EF4-FFF2-40B4-BE49-F238E27FC236}">
-                <a16:creationId xmlns:a16="http://schemas.microsoft.com/office/drawing/2014/main" id="{1CF0C9D9-9EA0-4EB9-86EE-73C75BAFD93D}"/>
-              </a:ext>
-            </a:extLst>
-          </p:cNvPr>
-          <p:cNvSpPr txBox="1"/>
-          <p:nvPr/>
-        </p:nvSpPr>
-        <p:spPr>
-          <a:xfrm>
-            <a:off x="7273255" y="914400"/>
-            <a:ext cx="1107996" cy="369332"/>
-          </a:xfrm>
-          <a:prstGeom prst="rect">
-            <a:avLst/>
-          </a:prstGeom>
-          <a:noFill/>
-        </p:spPr>
-        <p:txBody>
-          <a:bodyPr wrap="none" rtlCol="0">
-            <a:spAutoFit/>
-          </a:bodyPr>
-          <a:lstStyle/>
-          <a:p>
-            <a:r>
-              <a:rPr lang="ko-KR" altLang="en-US"/>
-              <a:t>시계방향</a:t>
-            </a:r>
-          </a:p>
-        </p:txBody>
-      </p:sp>
-      <p:sp>
-        <p:nvSpPr>
-          <p:cNvPr id="62" name="원호 61">
-            <a:extLst>
-              <a:ext uri="{FF2B5EF4-FFF2-40B4-BE49-F238E27FC236}">
-                <a16:creationId xmlns:a16="http://schemas.microsoft.com/office/drawing/2014/main" id="{AC00F560-1FC6-428C-8D54-3451CE58D712}"/>
-              </a:ext>
-            </a:extLst>
-          </p:cNvPr>
-          <p:cNvSpPr/>
-          <p:nvPr/>
-        </p:nvSpPr>
-        <p:spPr>
-          <a:xfrm>
-            <a:off x="3699747" y="1755718"/>
-            <a:ext cx="726860" cy="737613"/>
-          </a:xfrm>
-          <a:prstGeom prst="arc">
-            <a:avLst>
-              <a:gd name="adj1" fmla="val 14829536"/>
-              <a:gd name="adj2" fmla="val 20527836"/>
-            </a:avLst>
-          </a:prstGeom>
-          <a:ln>
-            <a:solidFill>
-              <a:srgbClr val="0000FF"/>
-            </a:solidFill>
-            <a:headEnd type="none" w="med" len="med"/>
-            <a:tailEnd type="triangle" w="med" len="med"/>
-          </a:ln>
-        </p:spPr>
-        <p:style>
-          <a:lnRef idx="1">
-            <a:schemeClr val="accent1"/>
-          </a:lnRef>
-          <a:fillRef idx="0">
-            <a:schemeClr val="accent1"/>
-          </a:fillRef>
-          <a:effectRef idx="0">
-            <a:schemeClr val="accent1"/>
-          </a:effectRef>
-          <a:fontRef idx="minor">
-            <a:schemeClr val="tx1"/>
-          </a:fontRef>
-        </p:style>
-        <p:txBody>
-          <a:bodyPr rtlCol="0" anchor="ctr"/>
-          <a:lstStyle/>
-          <a:p>
-            <a:pPr algn="ctr"/>
-            <a:endParaRPr lang="ko-KR" altLang="en-US"/>
-          </a:p>
-        </p:txBody>
-      </p:sp>
-      <mc:AlternateContent xmlns:mc="http://schemas.openxmlformats.org/markup-compatibility/2006">
-        <mc:Choice xmlns:a14="http://schemas.microsoft.com/office/drawing/2010/main" Requires="a14">
-          <p:sp>
-            <p:nvSpPr>
-              <p:cNvPr id="63" name="TextBox 62">
-                <a:extLst>
-                  <a:ext uri="{FF2B5EF4-FFF2-40B4-BE49-F238E27FC236}">
-                    <a16:creationId xmlns:a16="http://schemas.microsoft.com/office/drawing/2014/main" id="{F831F96B-6E02-4879-96BB-E31F7C5633C9}"/>
-                  </a:ext>
-                </a:extLst>
-              </p:cNvPr>
-              <p:cNvSpPr txBox="1"/>
-              <p:nvPr/>
-            </p:nvSpPr>
-            <p:spPr>
-              <a:xfrm>
-                <a:off x="4195209" y="1473782"/>
-                <a:ext cx="253274" cy="276999"/>
-              </a:xfrm>
-              <a:prstGeom prst="rect">
-                <a:avLst/>
-              </a:prstGeom>
-              <a:noFill/>
-            </p:spPr>
-            <p:txBody>
-              <a:bodyPr wrap="none" lIns="0" tIns="0" rIns="0" bIns="0" rtlCol="0">
-                <a:spAutoFit/>
-              </a:bodyPr>
-              <a:lstStyle/>
-              <a:p>
-                <a:r>
-                  <a:rPr lang="en-US" altLang="ko-KR" b="0" dirty="0"/>
-                  <a:t>2</a:t>
-                </a:r>
-                <a14:m>
-                  <m:oMath xmlns:m="http://schemas.openxmlformats.org/officeDocument/2006/math">
-                    <m:r>
-                      <m:rPr>
-                        <m:sty m:val="p"/>
-                      </m:rPr>
-                      <a:rPr lang="en-US" altLang="ko-KR" b="0" i="0" smtClean="0">
-                        <a:latin typeface="Cambria Math" panose="02040503050406030204" pitchFamily="18" charset="0"/>
-                      </a:rPr>
-                      <m:t>θ</m:t>
-                    </m:r>
-                  </m:oMath>
-                </a14:m>
-                <a:endParaRPr lang="ko-KR" altLang="en-US" dirty="0"/>
-              </a:p>
-            </p:txBody>
-          </p:sp>
-        </mc:Choice>
-        <mc:Fallback>
-          <p:sp>
-            <p:nvSpPr>
-              <p:cNvPr id="63" name="TextBox 62">
-                <a:extLst>
-                  <a:ext uri="{FF2B5EF4-FFF2-40B4-BE49-F238E27FC236}">
-                    <a16:creationId xmlns:a16="http://schemas.microsoft.com/office/drawing/2014/main" id="{F831F96B-6E02-4879-96BB-E31F7C5633C9}"/>
-                  </a:ext>
-                </a:extLst>
-              </p:cNvPr>
-              <p:cNvSpPr txBox="1">
-                <a:spLocks noRot="1" noChangeAspect="1" noMove="1" noResize="1" noEditPoints="1" noAdjustHandles="1" noChangeArrowheads="1" noChangeShapeType="1" noTextEdit="1"/>
-              </p:cNvSpPr>
-              <p:nvPr/>
-            </p:nvSpPr>
-            <p:spPr>
-              <a:xfrm>
-                <a:off x="4195209" y="1473782"/>
-                <a:ext cx="253274" cy="276999"/>
-              </a:xfrm>
-              <a:prstGeom prst="rect">
-                <a:avLst/>
-              </a:prstGeom>
-              <a:blipFill>
-                <a:blip r:embed="rId20"/>
-                <a:stretch>
-                  <a:fillRect l="-54762" t="-28889" r="-33333" b="-51111"/>
-                </a:stretch>
-              </a:blipFill>
-            </p:spPr>
-            <p:txBody>
-              <a:bodyPr/>
-              <a:lstStyle/>
-              <a:p>
-                <a:r>
-                  <a:rPr lang="ko-KR" altLang="en-US">
-                    <a:noFill/>
-                  </a:rPr>
-                  <a:t> </a:t>
-                </a:r>
-              </a:p>
-            </p:txBody>
-          </p:sp>
-        </mc:Fallback>
-      </mc:AlternateContent>
-      <p:sp>
-        <p:nvSpPr>
-          <p:cNvPr id="64" name="TextBox 63">
-            <a:extLst>
-              <a:ext uri="{FF2B5EF4-FFF2-40B4-BE49-F238E27FC236}">
-                <a16:creationId xmlns:a16="http://schemas.microsoft.com/office/drawing/2014/main" id="{64D8EFE6-8D20-4AE1-BA0D-506F31C21B2B}"/>
-              </a:ext>
-            </a:extLst>
-          </p:cNvPr>
-          <p:cNvSpPr txBox="1"/>
-          <p:nvPr/>
-        </p:nvSpPr>
-        <p:spPr>
-          <a:xfrm>
-            <a:off x="3483477" y="1063027"/>
-            <a:ext cx="1107996" cy="369332"/>
-          </a:xfrm>
-          <a:prstGeom prst="rect">
-            <a:avLst/>
-          </a:prstGeom>
-          <a:noFill/>
-        </p:spPr>
-        <p:txBody>
-          <a:bodyPr wrap="none" rtlCol="0">
-            <a:spAutoFit/>
-          </a:bodyPr>
-          <a:lstStyle/>
-          <a:p>
-            <a:r>
-              <a:rPr lang="ko-KR" altLang="en-US"/>
-              <a:t>시계방향</a:t>
-            </a:r>
           </a:p>
         </p:txBody>
       </p:sp>
@@ -9003,6 +8708,60 @@
               <a:rPr lang="ko-KR" altLang="en-US" dirty="0"/>
               <a:t>응력 방향</a:t>
             </a:r>
+          </a:p>
+        </p:txBody>
+      </p:sp>
+      <p:sp>
+        <p:nvSpPr>
+          <p:cNvPr id="53" name="원호 52">
+            <a:extLst>
+              <a:ext uri="{FF2B5EF4-FFF2-40B4-BE49-F238E27FC236}">
+                <a16:creationId xmlns:a16="http://schemas.microsoft.com/office/drawing/2014/main" id="{66EE73EA-B477-413C-81B5-685CB60FC579}"/>
+              </a:ext>
+            </a:extLst>
+          </p:cNvPr>
+          <p:cNvSpPr/>
+          <p:nvPr/>
+        </p:nvSpPr>
+        <p:spPr>
+          <a:xfrm rot="4698948">
+            <a:off x="3328045" y="3272004"/>
+            <a:ext cx="726860" cy="737613"/>
+          </a:xfrm>
+          <a:prstGeom prst="arc">
+            <a:avLst>
+              <a:gd name="adj1" fmla="val 14829536"/>
+              <a:gd name="adj2" fmla="val 20527836"/>
+            </a:avLst>
+          </a:prstGeom>
+          <a:ln>
+            <a:solidFill>
+              <a:srgbClr val="0000FF"/>
+            </a:solidFill>
+            <a:headEnd type="triangle" w="med" len="med"/>
+            <a:tailEnd type="none" w="med" len="med"/>
+          </a:ln>
+        </p:spPr>
+        <p:style>
+          <a:lnRef idx="1">
+            <a:schemeClr val="accent1"/>
+          </a:lnRef>
+          <a:fillRef idx="0">
+            <a:schemeClr val="accent1"/>
+          </a:fillRef>
+          <a:effectRef idx="0">
+            <a:schemeClr val="accent1"/>
+          </a:effectRef>
+          <a:fontRef idx="minor">
+            <a:schemeClr val="tx1"/>
+          </a:fontRef>
+        </p:style>
+        <p:txBody>
+          <a:bodyPr rtlCol="0" anchor="ctr"/>
+          <a:lstStyle/>
+          <a:p>
+            <a:pPr algn="ctr"/>
+            <a:endParaRPr lang="ko-KR" altLang="en-US"/>
           </a:p>
         </p:txBody>
       </p:sp>
@@ -9598,8 +9357,8 @@
           </a:fontRef>
         </p:style>
       </p:cxnSp>
-      <mc:AlternateContent xmlns:mc="http://schemas.openxmlformats.org/markup-compatibility/2006">
-        <mc:Choice xmlns:a14="http://schemas.microsoft.com/office/drawing/2010/main" Requires="a14">
+      <mc:AlternateContent xmlns:mc="http://schemas.openxmlformats.org/markup-compatibility/2006" xmlns:a14="http://schemas.microsoft.com/office/drawing/2010/main">
+        <mc:Choice Requires="a14">
           <p:sp>
             <p:nvSpPr>
               <p:cNvPr id="27" name="TextBox 26">
@@ -9628,6 +9387,7 @@
               </a:bodyPr>
               <a:lstStyle/>
               <a:p>
+                <a:pPr/>
                 <a14:m>
                   <m:oMathPara xmlns:m="http://schemas.openxmlformats.org/officeDocument/2006/math">
                     <m:oMathParaPr>
@@ -9637,7 +9397,7 @@
                       <m:sSub>
                         <m:sSubPr>
                           <m:ctrlPr>
-                            <a:rPr lang="en-US" altLang="ko-KR" b="0" smtClean="0">
+                            <a:rPr lang="en-US" altLang="ko-KR" b="0" i="1" smtClean="0">
                               <a:latin typeface="Cambria Math" panose="02040503050406030204" pitchFamily="18" charset="0"/>
                             </a:rPr>
                           </m:ctrlPr>
@@ -9673,7 +9433,7 @@
             </p:txBody>
           </p:sp>
         </mc:Choice>
-        <mc:Fallback>
+        <mc:Fallback xmlns="">
           <p:sp>
             <p:nvSpPr>
               <p:cNvPr id="27" name="TextBox 26">
@@ -9718,8 +9478,8 @@
           </p:sp>
         </mc:Fallback>
       </mc:AlternateContent>
-      <mc:AlternateContent xmlns:mc="http://schemas.openxmlformats.org/markup-compatibility/2006">
-        <mc:Choice xmlns:a14="http://schemas.microsoft.com/office/drawing/2010/main" Requires="a14">
+      <mc:AlternateContent xmlns:mc="http://schemas.openxmlformats.org/markup-compatibility/2006" xmlns:a14="http://schemas.microsoft.com/office/drawing/2010/main">
+        <mc:Choice Requires="a14">
           <p:sp>
             <p:nvSpPr>
               <p:cNvPr id="28" name="TextBox 27">
@@ -9748,6 +9508,7 @@
               </a:bodyPr>
               <a:lstStyle/>
               <a:p>
+                <a:pPr/>
                 <a14:m>
                   <m:oMathPara xmlns:m="http://schemas.openxmlformats.org/officeDocument/2006/math">
                     <m:oMathParaPr>
@@ -9757,7 +9518,7 @@
                       <m:sSub>
                         <m:sSubPr>
                           <m:ctrlPr>
-                            <a:rPr lang="en-US" altLang="ko-KR" b="0" smtClean="0">
+                            <a:rPr lang="en-US" altLang="ko-KR" b="0" i="1" smtClean="0">
                               <a:latin typeface="Cambria Math" panose="02040503050406030204" pitchFamily="18" charset="0"/>
                             </a:rPr>
                           </m:ctrlPr>
@@ -9793,7 +9554,7 @@
             </p:txBody>
           </p:sp>
         </mc:Choice>
-        <mc:Fallback>
+        <mc:Fallback xmlns="">
           <p:sp>
             <p:nvSpPr>
               <p:cNvPr id="28" name="TextBox 27">
@@ -9842,6 +9603,4110 @@
     <p:extLst>
       <p:ext uri="{BB962C8B-B14F-4D97-AF65-F5344CB8AC3E}">
         <p14:creationId xmlns:p14="http://schemas.microsoft.com/office/powerpoint/2010/main" val="3834517813"/>
+      </p:ext>
+    </p:extLst>
+  </p:cSld>
+  <p:clrMapOvr>
+    <a:masterClrMapping/>
+  </p:clrMapOvr>
+</p:sld>
+</file>
+
+<file path=ppt/slides/slide4.xml><?xml version="1.0" encoding="utf-8"?>
+<p:sld xmlns:a="http://schemas.openxmlformats.org/drawingml/2006/main" xmlns:r="http://schemas.openxmlformats.org/officeDocument/2006/relationships" xmlns:p="http://schemas.openxmlformats.org/presentationml/2006/main">
+  <p:cSld>
+    <p:spTree>
+      <p:nvGrpSpPr>
+        <p:cNvPr id="1" name=""/>
+        <p:cNvGrpSpPr/>
+        <p:nvPr/>
+      </p:nvGrpSpPr>
+      <p:grpSpPr>
+        <a:xfrm>
+          <a:off x="0" y="0"/>
+          <a:ext cx="0" cy="0"/>
+          <a:chOff x="0" y="0"/>
+          <a:chExt cx="0" cy="0"/>
+        </a:xfrm>
+      </p:grpSpPr>
+      <p:sp>
+        <p:nvSpPr>
+          <p:cNvPr id="5" name="직사각형 4">
+            <a:extLst>
+              <a:ext uri="{FF2B5EF4-FFF2-40B4-BE49-F238E27FC236}">
+                <a16:creationId xmlns:a16="http://schemas.microsoft.com/office/drawing/2014/main" id="{290FFDCB-604A-4969-805A-BE147D74C1B8}"/>
+              </a:ext>
+            </a:extLst>
+          </p:cNvPr>
+          <p:cNvSpPr/>
+          <p:nvPr/>
+        </p:nvSpPr>
+        <p:spPr>
+          <a:xfrm>
+            <a:off x="2718034" y="1809363"/>
+            <a:ext cx="2457974" cy="156321"/>
+          </a:xfrm>
+          <a:prstGeom prst="rect">
+            <a:avLst/>
+          </a:prstGeom>
+          <a:noFill/>
+          <a:ln>
+            <a:solidFill>
+              <a:schemeClr val="tx1"/>
+            </a:solidFill>
+          </a:ln>
+        </p:spPr>
+        <p:style>
+          <a:lnRef idx="2">
+            <a:schemeClr val="accent1">
+              <a:shade val="50000"/>
+            </a:schemeClr>
+          </a:lnRef>
+          <a:fillRef idx="1">
+            <a:schemeClr val="accent1"/>
+          </a:fillRef>
+          <a:effectRef idx="0">
+            <a:schemeClr val="accent1"/>
+          </a:effectRef>
+          <a:fontRef idx="minor">
+            <a:schemeClr val="lt1"/>
+          </a:fontRef>
+        </p:style>
+        <p:txBody>
+          <a:bodyPr rtlCol="0" anchor="ctr"/>
+          <a:lstStyle/>
+          <a:p>
+            <a:pPr algn="ctr"/>
+            <a:endParaRPr lang="ko-KR" altLang="en-US"/>
+          </a:p>
+        </p:txBody>
+      </p:sp>
+      <p:cxnSp>
+        <p:nvCxnSpPr>
+          <p:cNvPr id="7" name="직선 화살표 연결선 6">
+            <a:extLst>
+              <a:ext uri="{FF2B5EF4-FFF2-40B4-BE49-F238E27FC236}">
+                <a16:creationId xmlns:a16="http://schemas.microsoft.com/office/drawing/2014/main" id="{D8112BAF-7E22-47AC-A0DE-20D4B5DADA18}"/>
+              </a:ext>
+            </a:extLst>
+          </p:cNvPr>
+          <p:cNvCxnSpPr>
+            <a:cxnSpLocks/>
+          </p:cNvCxnSpPr>
+          <p:nvPr/>
+        </p:nvCxnSpPr>
+        <p:spPr>
+          <a:xfrm flipV="1">
+            <a:off x="2718034" y="964735"/>
+            <a:ext cx="0" cy="3867324"/>
+          </a:xfrm>
+          <a:prstGeom prst="straightConnector1">
+            <a:avLst/>
+          </a:prstGeom>
+          <a:ln w="19050">
+            <a:solidFill>
+              <a:schemeClr val="tx1"/>
+            </a:solidFill>
+            <a:tailEnd type="triangle"/>
+          </a:ln>
+        </p:spPr>
+        <p:style>
+          <a:lnRef idx="1">
+            <a:schemeClr val="accent1"/>
+          </a:lnRef>
+          <a:fillRef idx="0">
+            <a:schemeClr val="accent1"/>
+          </a:fillRef>
+          <a:effectRef idx="0">
+            <a:schemeClr val="accent1"/>
+          </a:effectRef>
+          <a:fontRef idx="minor">
+            <a:schemeClr val="tx1"/>
+          </a:fontRef>
+        </p:style>
+      </p:cxnSp>
+      <p:sp>
+        <p:nvSpPr>
+          <p:cNvPr id="9" name="타원 8">
+            <a:extLst>
+              <a:ext uri="{FF2B5EF4-FFF2-40B4-BE49-F238E27FC236}">
+                <a16:creationId xmlns:a16="http://schemas.microsoft.com/office/drawing/2014/main" id="{2B7D1AB8-9941-4BF8-9803-B431AB17BC7D}"/>
+              </a:ext>
+            </a:extLst>
+          </p:cNvPr>
+          <p:cNvSpPr/>
+          <p:nvPr/>
+        </p:nvSpPr>
+        <p:spPr>
+          <a:xfrm>
+            <a:off x="4890782" y="2558642"/>
+            <a:ext cx="553673" cy="553673"/>
+          </a:xfrm>
+          <a:prstGeom prst="ellipse">
+            <a:avLst/>
+          </a:prstGeom>
+          <a:noFill/>
+          <a:ln>
+            <a:solidFill>
+              <a:schemeClr val="tx1"/>
+            </a:solidFill>
+          </a:ln>
+        </p:spPr>
+        <p:style>
+          <a:lnRef idx="2">
+            <a:schemeClr val="accent1">
+              <a:shade val="50000"/>
+            </a:schemeClr>
+          </a:lnRef>
+          <a:fillRef idx="1">
+            <a:schemeClr val="accent1"/>
+          </a:fillRef>
+          <a:effectRef idx="0">
+            <a:schemeClr val="accent1"/>
+          </a:effectRef>
+          <a:fontRef idx="minor">
+            <a:schemeClr val="lt1"/>
+          </a:fontRef>
+        </p:style>
+        <p:txBody>
+          <a:bodyPr rtlCol="0" anchor="ctr"/>
+          <a:lstStyle/>
+          <a:p>
+            <a:pPr algn="ctr"/>
+            <a:endParaRPr lang="ko-KR" altLang="en-US"/>
+          </a:p>
+        </p:txBody>
+      </p:sp>
+      <p:cxnSp>
+        <p:nvCxnSpPr>
+          <p:cNvPr id="11" name="직선 연결선 10">
+            <a:extLst>
+              <a:ext uri="{FF2B5EF4-FFF2-40B4-BE49-F238E27FC236}">
+                <a16:creationId xmlns:a16="http://schemas.microsoft.com/office/drawing/2014/main" id="{6AC7F8A7-B947-41EA-AC96-CAF843BB94B1}"/>
+              </a:ext>
+            </a:extLst>
+          </p:cNvPr>
+          <p:cNvCxnSpPr>
+            <a:cxnSpLocks/>
+            <a:stCxn id="9" idx="2"/>
+          </p:cNvCxnSpPr>
+          <p:nvPr/>
+        </p:nvCxnSpPr>
+        <p:spPr>
+          <a:xfrm flipH="1" flipV="1">
+            <a:off x="2718034" y="2833381"/>
+            <a:ext cx="2172748" cy="2098"/>
+          </a:xfrm>
+          <a:prstGeom prst="line">
+            <a:avLst/>
+          </a:prstGeom>
+          <a:noFill/>
+          <a:ln>
+            <a:solidFill>
+              <a:schemeClr val="tx1"/>
+            </a:solidFill>
+          </a:ln>
+        </p:spPr>
+        <p:style>
+          <a:lnRef idx="2">
+            <a:schemeClr val="accent1">
+              <a:shade val="50000"/>
+            </a:schemeClr>
+          </a:lnRef>
+          <a:fillRef idx="1">
+            <a:schemeClr val="accent1"/>
+          </a:fillRef>
+          <a:effectRef idx="0">
+            <a:schemeClr val="accent1"/>
+          </a:effectRef>
+          <a:fontRef idx="minor">
+            <a:schemeClr val="lt1"/>
+          </a:fontRef>
+        </p:style>
+      </p:cxnSp>
+      <p:sp>
+        <p:nvSpPr>
+          <p:cNvPr id="15" name="타원 14">
+            <a:extLst>
+              <a:ext uri="{FF2B5EF4-FFF2-40B4-BE49-F238E27FC236}">
+                <a16:creationId xmlns:a16="http://schemas.microsoft.com/office/drawing/2014/main" id="{61964FC2-E2A3-4A8E-975E-162F4FAFA73D}"/>
+              </a:ext>
+            </a:extLst>
+          </p:cNvPr>
+          <p:cNvSpPr/>
+          <p:nvPr/>
+        </p:nvSpPr>
+        <p:spPr>
+          <a:xfrm>
+            <a:off x="5091418" y="1811323"/>
+            <a:ext cx="152399" cy="152399"/>
+          </a:xfrm>
+          <a:prstGeom prst="ellipse">
+            <a:avLst/>
+          </a:prstGeom>
+          <a:solidFill>
+            <a:schemeClr val="bg1"/>
+          </a:solidFill>
+          <a:ln>
+            <a:solidFill>
+              <a:schemeClr val="tx1"/>
+            </a:solidFill>
+          </a:ln>
+        </p:spPr>
+        <p:style>
+          <a:lnRef idx="2">
+            <a:schemeClr val="accent1">
+              <a:shade val="50000"/>
+            </a:schemeClr>
+          </a:lnRef>
+          <a:fillRef idx="1">
+            <a:schemeClr val="accent1"/>
+          </a:fillRef>
+          <a:effectRef idx="0">
+            <a:schemeClr val="accent1"/>
+          </a:effectRef>
+          <a:fontRef idx="minor">
+            <a:schemeClr val="lt1"/>
+          </a:fontRef>
+        </p:style>
+        <p:txBody>
+          <a:bodyPr rtlCol="0" anchor="ctr"/>
+          <a:lstStyle/>
+          <a:p>
+            <a:pPr algn="ctr"/>
+            <a:endParaRPr lang="ko-KR" altLang="en-US"/>
+          </a:p>
+        </p:txBody>
+      </p:sp>
+      <mc:AlternateContent xmlns:mc="http://schemas.openxmlformats.org/markup-compatibility/2006">
+        <mc:Choice xmlns:a14="http://schemas.microsoft.com/office/drawing/2010/main" Requires="a14">
+          <p:sp>
+            <p:nvSpPr>
+              <p:cNvPr id="19" name="TextBox 18">
+                <a:extLst>
+                  <a:ext uri="{FF2B5EF4-FFF2-40B4-BE49-F238E27FC236}">
+                    <a16:creationId xmlns:a16="http://schemas.microsoft.com/office/drawing/2014/main" id="{83182649-46B1-4C5D-8E68-4E8E93939211}"/>
+                  </a:ext>
+                </a:extLst>
+              </p:cNvPr>
+              <p:cNvSpPr txBox="1"/>
+              <p:nvPr/>
+            </p:nvSpPr>
+            <p:spPr>
+              <a:xfrm>
+                <a:off x="5651801" y="1627322"/>
+                <a:ext cx="1062727" cy="520399"/>
+              </a:xfrm>
+              <a:prstGeom prst="rect">
+                <a:avLst/>
+              </a:prstGeom>
+              <a:noFill/>
+            </p:spPr>
+            <p:txBody>
+              <a:bodyPr wrap="none" lIns="0" tIns="0" rIns="0" bIns="0" rtlCol="0">
+                <a:spAutoFit/>
+              </a:bodyPr>
+              <a:lstStyle/>
+              <a:p>
+                <a14:m>
+                  <m:oMathPara xmlns:m="http://schemas.openxmlformats.org/officeDocument/2006/math">
+                    <m:oMathParaPr>
+                      <m:jc m:val="centerGroup"/>
+                    </m:oMathParaPr>
+                    <m:oMath xmlns:m="http://schemas.openxmlformats.org/officeDocument/2006/math">
+                      <m:r>
+                        <m:rPr>
+                          <m:sty m:val="p"/>
+                        </m:rPr>
+                        <a:rPr lang="en-US" altLang="ko-KR" b="0" i="0" smtClean="0">
+                          <a:latin typeface="Cambria Math" panose="02040503050406030204" pitchFamily="18" charset="0"/>
+                        </a:rPr>
+                        <m:t>I</m:t>
+                      </m:r>
+                      <m:r>
+                        <a:rPr lang="en-US" altLang="ko-KR" b="0" i="0" smtClean="0">
+                          <a:latin typeface="Cambria Math" panose="02040503050406030204" pitchFamily="18" charset="0"/>
+                        </a:rPr>
+                        <m:t>=</m:t>
+                      </m:r>
+                      <m:f>
+                        <m:fPr>
+                          <m:ctrlPr>
+                            <a:rPr lang="en-US" altLang="ko-KR" b="0" smtClean="0">
+                              <a:latin typeface="Cambria Math" panose="02040503050406030204" pitchFamily="18" charset="0"/>
+                            </a:rPr>
+                          </m:ctrlPr>
+                        </m:fPr>
+                        <m:num>
+                          <m:r>
+                            <a:rPr lang="en-US" altLang="ko-KR" b="0" i="0" smtClean="0">
+                              <a:latin typeface="Cambria Math" panose="02040503050406030204" pitchFamily="18" charset="0"/>
+                            </a:rPr>
+                            <m:t>1</m:t>
+                          </m:r>
+                        </m:num>
+                        <m:den>
+                          <m:r>
+                            <a:rPr lang="en-US" altLang="ko-KR" b="0" i="0" smtClean="0">
+                              <a:latin typeface="Cambria Math" panose="02040503050406030204" pitchFamily="18" charset="0"/>
+                            </a:rPr>
+                            <m:t>3</m:t>
+                          </m:r>
+                        </m:den>
+                      </m:f>
+                      <m:r>
+                        <m:rPr>
+                          <m:sty m:val="p"/>
+                        </m:rPr>
+                        <a:rPr lang="en-US" altLang="ko-KR" b="0" i="0" smtClean="0">
+                          <a:latin typeface="Cambria Math" panose="02040503050406030204" pitchFamily="18" charset="0"/>
+                        </a:rPr>
+                        <m:t>M</m:t>
+                      </m:r>
+                      <m:sSup>
+                        <m:sSupPr>
+                          <m:ctrlPr>
+                            <a:rPr lang="en-US" altLang="ko-KR" b="0" smtClean="0">
+                              <a:latin typeface="Cambria Math" panose="02040503050406030204" pitchFamily="18" charset="0"/>
+                            </a:rPr>
+                          </m:ctrlPr>
+                        </m:sSupPr>
+                        <m:e>
+                          <m:r>
+                            <m:rPr>
+                              <m:sty m:val="p"/>
+                            </m:rPr>
+                            <a:rPr lang="en-US" altLang="ko-KR" b="0" i="0" smtClean="0">
+                              <a:latin typeface="Cambria Math" panose="02040503050406030204" pitchFamily="18" charset="0"/>
+                            </a:rPr>
+                            <m:t>R</m:t>
+                          </m:r>
+                        </m:e>
+                        <m:sup>
+                          <m:r>
+                            <a:rPr lang="en-US" altLang="ko-KR" b="0" i="0" smtClean="0">
+                              <a:latin typeface="Cambria Math" panose="02040503050406030204" pitchFamily="18" charset="0"/>
+                            </a:rPr>
+                            <m:t>2</m:t>
+                          </m:r>
+                        </m:sup>
+                      </m:sSup>
+                    </m:oMath>
+                  </m:oMathPara>
+                </a14:m>
+                <a:endParaRPr lang="ko-KR" altLang="en-US" dirty="0"/>
+              </a:p>
+            </p:txBody>
+          </p:sp>
+        </mc:Choice>
+        <mc:Fallback>
+          <p:sp>
+            <p:nvSpPr>
+              <p:cNvPr id="19" name="TextBox 18">
+                <a:extLst>
+                  <a:ext uri="{FF2B5EF4-FFF2-40B4-BE49-F238E27FC236}">
+                    <a16:creationId xmlns:a16="http://schemas.microsoft.com/office/drawing/2014/main" id="{83182649-46B1-4C5D-8E68-4E8E93939211}"/>
+                  </a:ext>
+                </a:extLst>
+              </p:cNvPr>
+              <p:cNvSpPr txBox="1">
+                <a:spLocks noRot="1" noChangeAspect="1" noMove="1" noResize="1" noEditPoints="1" noAdjustHandles="1" noChangeArrowheads="1" noChangeShapeType="1" noTextEdit="1"/>
+              </p:cNvSpPr>
+              <p:nvPr/>
+            </p:nvSpPr>
+            <p:spPr>
+              <a:xfrm>
+                <a:off x="5651801" y="1627322"/>
+                <a:ext cx="1062727" cy="520399"/>
+              </a:xfrm>
+              <a:prstGeom prst="rect">
+                <a:avLst/>
+              </a:prstGeom>
+              <a:blipFill>
+                <a:blip r:embed="rId2"/>
+                <a:stretch>
+                  <a:fillRect/>
+                </a:stretch>
+              </a:blipFill>
+            </p:spPr>
+            <p:txBody>
+              <a:bodyPr/>
+              <a:lstStyle/>
+              <a:p>
+                <a:r>
+                  <a:rPr lang="ko-KR" altLang="en-US">
+                    <a:noFill/>
+                  </a:rPr>
+                  <a:t> </a:t>
+                </a:r>
+              </a:p>
+            </p:txBody>
+          </p:sp>
+        </mc:Fallback>
+      </mc:AlternateContent>
+      <mc:AlternateContent xmlns:mc="http://schemas.openxmlformats.org/markup-compatibility/2006">
+        <mc:Choice xmlns:a14="http://schemas.microsoft.com/office/drawing/2010/main" Requires="a14">
+          <p:sp>
+            <p:nvSpPr>
+              <p:cNvPr id="20" name="TextBox 19">
+                <a:extLst>
+                  <a:ext uri="{FF2B5EF4-FFF2-40B4-BE49-F238E27FC236}">
+                    <a16:creationId xmlns:a16="http://schemas.microsoft.com/office/drawing/2014/main" id="{9D47E831-1A7A-4D4F-A52A-E452834B771D}"/>
+                  </a:ext>
+                </a:extLst>
+              </p:cNvPr>
+              <p:cNvSpPr txBox="1"/>
+              <p:nvPr/>
+            </p:nvSpPr>
+            <p:spPr>
+              <a:xfrm>
+                <a:off x="5651801" y="2595111"/>
+                <a:ext cx="896015" cy="276999"/>
+              </a:xfrm>
+              <a:prstGeom prst="rect">
+                <a:avLst/>
+              </a:prstGeom>
+              <a:noFill/>
+            </p:spPr>
+            <p:txBody>
+              <a:bodyPr wrap="none" lIns="0" tIns="0" rIns="0" bIns="0" rtlCol="0">
+                <a:spAutoFit/>
+              </a:bodyPr>
+              <a:lstStyle/>
+              <a:p>
+                <a14:m>
+                  <m:oMathPara xmlns:m="http://schemas.openxmlformats.org/officeDocument/2006/math">
+                    <m:oMathParaPr>
+                      <m:jc m:val="centerGroup"/>
+                    </m:oMathParaPr>
+                    <m:oMath xmlns:m="http://schemas.openxmlformats.org/officeDocument/2006/math">
+                      <m:r>
+                        <m:rPr>
+                          <m:sty m:val="p"/>
+                        </m:rPr>
+                        <a:rPr lang="en-US" altLang="ko-KR" b="0" i="0" smtClean="0">
+                          <a:latin typeface="Cambria Math" panose="02040503050406030204" pitchFamily="18" charset="0"/>
+                        </a:rPr>
+                        <m:t>I</m:t>
+                      </m:r>
+                      <m:r>
+                        <a:rPr lang="en-US" altLang="ko-KR" b="0" i="0" smtClean="0">
+                          <a:latin typeface="Cambria Math" panose="02040503050406030204" pitchFamily="18" charset="0"/>
+                        </a:rPr>
+                        <m:t>=</m:t>
+                      </m:r>
+                      <m:r>
+                        <m:rPr>
+                          <m:sty m:val="p"/>
+                        </m:rPr>
+                        <a:rPr lang="en-US" altLang="ko-KR" b="0" i="0" smtClean="0">
+                          <a:latin typeface="Cambria Math" panose="02040503050406030204" pitchFamily="18" charset="0"/>
+                        </a:rPr>
+                        <m:t>M</m:t>
+                      </m:r>
+                      <m:sSup>
+                        <m:sSupPr>
+                          <m:ctrlPr>
+                            <a:rPr lang="en-US" altLang="ko-KR" b="0" smtClean="0">
+                              <a:latin typeface="Cambria Math" panose="02040503050406030204" pitchFamily="18" charset="0"/>
+                            </a:rPr>
+                          </m:ctrlPr>
+                        </m:sSupPr>
+                        <m:e>
+                          <m:r>
+                            <m:rPr>
+                              <m:sty m:val="p"/>
+                            </m:rPr>
+                            <a:rPr lang="en-US" altLang="ko-KR" b="0" i="0" smtClean="0">
+                              <a:latin typeface="Cambria Math" panose="02040503050406030204" pitchFamily="18" charset="0"/>
+                            </a:rPr>
+                            <m:t>R</m:t>
+                          </m:r>
+                        </m:e>
+                        <m:sup>
+                          <m:r>
+                            <a:rPr lang="en-US" altLang="ko-KR" b="0" i="0" smtClean="0">
+                              <a:latin typeface="Cambria Math" panose="02040503050406030204" pitchFamily="18" charset="0"/>
+                            </a:rPr>
+                            <m:t>2</m:t>
+                          </m:r>
+                        </m:sup>
+                      </m:sSup>
+                    </m:oMath>
+                  </m:oMathPara>
+                </a14:m>
+                <a:endParaRPr lang="ko-KR" altLang="en-US" dirty="0"/>
+              </a:p>
+            </p:txBody>
+          </p:sp>
+        </mc:Choice>
+        <mc:Fallback>
+          <p:sp>
+            <p:nvSpPr>
+              <p:cNvPr id="20" name="TextBox 19">
+                <a:extLst>
+                  <a:ext uri="{FF2B5EF4-FFF2-40B4-BE49-F238E27FC236}">
+                    <a16:creationId xmlns:a16="http://schemas.microsoft.com/office/drawing/2014/main" id="{9D47E831-1A7A-4D4F-A52A-E452834B771D}"/>
+                  </a:ext>
+                </a:extLst>
+              </p:cNvPr>
+              <p:cNvSpPr txBox="1">
+                <a:spLocks noRot="1" noChangeAspect="1" noMove="1" noResize="1" noEditPoints="1" noAdjustHandles="1" noChangeArrowheads="1" noChangeShapeType="1" noTextEdit="1"/>
+              </p:cNvSpPr>
+              <p:nvPr/>
+            </p:nvSpPr>
+            <p:spPr>
+              <a:xfrm>
+                <a:off x="5651801" y="2595111"/>
+                <a:ext cx="896015" cy="276999"/>
+              </a:xfrm>
+              <a:prstGeom prst="rect">
+                <a:avLst/>
+              </a:prstGeom>
+              <a:blipFill>
+                <a:blip r:embed="rId3"/>
+                <a:stretch>
+                  <a:fillRect l="-4082" r="-1361" b="-11111"/>
+                </a:stretch>
+              </a:blipFill>
+            </p:spPr>
+            <p:txBody>
+              <a:bodyPr/>
+              <a:lstStyle/>
+              <a:p>
+                <a:r>
+                  <a:rPr lang="ko-KR" altLang="en-US">
+                    <a:noFill/>
+                  </a:rPr>
+                  <a:t> </a:t>
+                </a:r>
+              </a:p>
+            </p:txBody>
+          </p:sp>
+        </mc:Fallback>
+      </mc:AlternateContent>
+      <p:sp>
+        <p:nvSpPr>
+          <p:cNvPr id="21" name="타원 20">
+            <a:extLst>
+              <a:ext uri="{FF2B5EF4-FFF2-40B4-BE49-F238E27FC236}">
+                <a16:creationId xmlns:a16="http://schemas.microsoft.com/office/drawing/2014/main" id="{50B71AB7-1A85-499A-A2CD-B09DC45C9355}"/>
+              </a:ext>
+            </a:extLst>
+          </p:cNvPr>
+          <p:cNvSpPr/>
+          <p:nvPr/>
+        </p:nvSpPr>
+        <p:spPr>
+          <a:xfrm>
+            <a:off x="199239" y="3807483"/>
+            <a:ext cx="5024689" cy="272803"/>
+          </a:xfrm>
+          <a:prstGeom prst="ellipse">
+            <a:avLst/>
+          </a:prstGeom>
+          <a:noFill/>
+          <a:ln>
+            <a:solidFill>
+              <a:schemeClr val="tx1"/>
+            </a:solidFill>
+          </a:ln>
+        </p:spPr>
+        <p:style>
+          <a:lnRef idx="2">
+            <a:schemeClr val="accent1">
+              <a:shade val="50000"/>
+            </a:schemeClr>
+          </a:lnRef>
+          <a:fillRef idx="1">
+            <a:schemeClr val="accent1"/>
+          </a:fillRef>
+          <a:effectRef idx="0">
+            <a:schemeClr val="accent1"/>
+          </a:effectRef>
+          <a:fontRef idx="minor">
+            <a:schemeClr val="lt1"/>
+          </a:fontRef>
+        </p:style>
+        <p:txBody>
+          <a:bodyPr rtlCol="0" anchor="ctr"/>
+          <a:lstStyle/>
+          <a:p>
+            <a:pPr algn="ctr"/>
+            <a:endParaRPr lang="ko-KR" altLang="en-US"/>
+          </a:p>
+        </p:txBody>
+      </p:sp>
+      <p:cxnSp>
+        <p:nvCxnSpPr>
+          <p:cNvPr id="24" name="직선 연결선 23">
+            <a:extLst>
+              <a:ext uri="{FF2B5EF4-FFF2-40B4-BE49-F238E27FC236}">
+                <a16:creationId xmlns:a16="http://schemas.microsoft.com/office/drawing/2014/main" id="{87DE6F38-9125-4F9A-9735-57CBD64DDD99}"/>
+              </a:ext>
+            </a:extLst>
+          </p:cNvPr>
+          <p:cNvCxnSpPr/>
+          <p:nvPr/>
+        </p:nvCxnSpPr>
+        <p:spPr>
+          <a:xfrm>
+            <a:off x="199239" y="3942825"/>
+            <a:ext cx="0" cy="377505"/>
+          </a:xfrm>
+          <a:prstGeom prst="line">
+            <a:avLst/>
+          </a:prstGeom>
+          <a:noFill/>
+          <a:ln>
+            <a:solidFill>
+              <a:schemeClr val="tx1"/>
+            </a:solidFill>
+          </a:ln>
+        </p:spPr>
+        <p:style>
+          <a:lnRef idx="2">
+            <a:schemeClr val="accent1">
+              <a:shade val="50000"/>
+            </a:schemeClr>
+          </a:lnRef>
+          <a:fillRef idx="1">
+            <a:schemeClr val="accent1"/>
+          </a:fillRef>
+          <a:effectRef idx="0">
+            <a:schemeClr val="accent1"/>
+          </a:effectRef>
+          <a:fontRef idx="minor">
+            <a:schemeClr val="lt1"/>
+          </a:fontRef>
+        </p:style>
+      </p:cxnSp>
+      <p:cxnSp>
+        <p:nvCxnSpPr>
+          <p:cNvPr id="25" name="직선 연결선 24">
+            <a:extLst>
+              <a:ext uri="{FF2B5EF4-FFF2-40B4-BE49-F238E27FC236}">
+                <a16:creationId xmlns:a16="http://schemas.microsoft.com/office/drawing/2014/main" id="{11351698-A99F-40CC-A7D1-C09AEB5F95CE}"/>
+              </a:ext>
+            </a:extLst>
+          </p:cNvPr>
+          <p:cNvCxnSpPr/>
+          <p:nvPr/>
+        </p:nvCxnSpPr>
+        <p:spPr>
+          <a:xfrm>
+            <a:off x="5225642" y="3944223"/>
+            <a:ext cx="0" cy="377505"/>
+          </a:xfrm>
+          <a:prstGeom prst="line">
+            <a:avLst/>
+          </a:prstGeom>
+          <a:noFill/>
+          <a:ln>
+            <a:solidFill>
+              <a:schemeClr val="tx1"/>
+            </a:solidFill>
+          </a:ln>
+        </p:spPr>
+        <p:style>
+          <a:lnRef idx="2">
+            <a:schemeClr val="accent1">
+              <a:shade val="50000"/>
+            </a:schemeClr>
+          </a:lnRef>
+          <a:fillRef idx="1">
+            <a:schemeClr val="accent1"/>
+          </a:fillRef>
+          <a:effectRef idx="0">
+            <a:schemeClr val="accent1"/>
+          </a:effectRef>
+          <a:fontRef idx="minor">
+            <a:schemeClr val="lt1"/>
+          </a:fontRef>
+        </p:style>
+      </p:cxnSp>
+      <p:sp>
+        <p:nvSpPr>
+          <p:cNvPr id="26" name="타원 25">
+            <a:extLst>
+              <a:ext uri="{FF2B5EF4-FFF2-40B4-BE49-F238E27FC236}">
+                <a16:creationId xmlns:a16="http://schemas.microsoft.com/office/drawing/2014/main" id="{A59B1596-9F7F-4ED7-990F-B62179C5575E}"/>
+              </a:ext>
+            </a:extLst>
+          </p:cNvPr>
+          <p:cNvSpPr/>
+          <p:nvPr/>
+        </p:nvSpPr>
+        <p:spPr>
+          <a:xfrm>
+            <a:off x="197525" y="4183928"/>
+            <a:ext cx="5024689" cy="272803"/>
+          </a:xfrm>
+          <a:prstGeom prst="ellipse">
+            <a:avLst/>
+          </a:prstGeom>
+          <a:noFill/>
+          <a:ln>
+            <a:solidFill>
+              <a:schemeClr val="tx1"/>
+            </a:solidFill>
+          </a:ln>
+        </p:spPr>
+        <p:style>
+          <a:lnRef idx="2">
+            <a:schemeClr val="accent1">
+              <a:shade val="50000"/>
+            </a:schemeClr>
+          </a:lnRef>
+          <a:fillRef idx="1">
+            <a:schemeClr val="accent1"/>
+          </a:fillRef>
+          <a:effectRef idx="0">
+            <a:schemeClr val="accent1"/>
+          </a:effectRef>
+          <a:fontRef idx="minor">
+            <a:schemeClr val="lt1"/>
+          </a:fontRef>
+        </p:style>
+        <p:txBody>
+          <a:bodyPr rtlCol="0" anchor="ctr"/>
+          <a:lstStyle/>
+          <a:p>
+            <a:pPr algn="ctr"/>
+            <a:endParaRPr lang="ko-KR" altLang="en-US"/>
+          </a:p>
+        </p:txBody>
+      </p:sp>
+      <mc:AlternateContent xmlns:mc="http://schemas.openxmlformats.org/markup-compatibility/2006">
+        <mc:Choice xmlns:a14="http://schemas.microsoft.com/office/drawing/2010/main" Requires="a14">
+          <p:sp>
+            <p:nvSpPr>
+              <p:cNvPr id="27" name="TextBox 26">
+                <a:extLst>
+                  <a:ext uri="{FF2B5EF4-FFF2-40B4-BE49-F238E27FC236}">
+                    <a16:creationId xmlns:a16="http://schemas.microsoft.com/office/drawing/2014/main" id="{3652BEAF-CB47-484F-AC0D-0A31CE21DF33}"/>
+                  </a:ext>
+                </a:extLst>
+              </p:cNvPr>
+              <p:cNvSpPr txBox="1"/>
+              <p:nvPr/>
+            </p:nvSpPr>
+            <p:spPr>
+              <a:xfrm>
+                <a:off x="5669978" y="3871635"/>
+                <a:ext cx="1062727" cy="518604"/>
+              </a:xfrm>
+              <a:prstGeom prst="rect">
+                <a:avLst/>
+              </a:prstGeom>
+              <a:noFill/>
+            </p:spPr>
+            <p:txBody>
+              <a:bodyPr wrap="none" lIns="0" tIns="0" rIns="0" bIns="0" rtlCol="0">
+                <a:spAutoFit/>
+              </a:bodyPr>
+              <a:lstStyle/>
+              <a:p>
+                <a14:m>
+                  <m:oMathPara xmlns:m="http://schemas.openxmlformats.org/officeDocument/2006/math">
+                    <m:oMathParaPr>
+                      <m:jc m:val="centerGroup"/>
+                    </m:oMathParaPr>
+                    <m:oMath xmlns:m="http://schemas.openxmlformats.org/officeDocument/2006/math">
+                      <m:r>
+                        <m:rPr>
+                          <m:sty m:val="p"/>
+                        </m:rPr>
+                        <a:rPr lang="en-US" altLang="ko-KR" b="0" i="0" smtClean="0">
+                          <a:latin typeface="Cambria Math" panose="02040503050406030204" pitchFamily="18" charset="0"/>
+                        </a:rPr>
+                        <m:t>I</m:t>
+                      </m:r>
+                      <m:r>
+                        <a:rPr lang="en-US" altLang="ko-KR" b="0" i="0" smtClean="0">
+                          <a:latin typeface="Cambria Math" panose="02040503050406030204" pitchFamily="18" charset="0"/>
+                        </a:rPr>
+                        <m:t>=</m:t>
+                      </m:r>
+                      <m:f>
+                        <m:fPr>
+                          <m:ctrlPr>
+                            <a:rPr lang="en-US" altLang="ko-KR" b="0" i="0" smtClean="0">
+                              <a:latin typeface="Cambria Math" panose="02040503050406030204" pitchFamily="18" charset="0"/>
+                            </a:rPr>
+                          </m:ctrlPr>
+                        </m:fPr>
+                        <m:num>
+                          <m:r>
+                            <a:rPr lang="en-US" altLang="ko-KR" b="0" i="0" smtClean="0">
+                              <a:latin typeface="Cambria Math" panose="02040503050406030204" pitchFamily="18" charset="0"/>
+                            </a:rPr>
+                            <m:t>1</m:t>
+                          </m:r>
+                        </m:num>
+                        <m:den>
+                          <m:r>
+                            <a:rPr lang="en-US" altLang="ko-KR" b="0" i="0" smtClean="0">
+                              <a:latin typeface="Cambria Math" panose="02040503050406030204" pitchFamily="18" charset="0"/>
+                            </a:rPr>
+                            <m:t>2</m:t>
+                          </m:r>
+                        </m:den>
+                      </m:f>
+                      <m:r>
+                        <m:rPr>
+                          <m:sty m:val="p"/>
+                        </m:rPr>
+                        <a:rPr lang="en-US" altLang="ko-KR" b="0" i="0" smtClean="0">
+                          <a:latin typeface="Cambria Math" panose="02040503050406030204" pitchFamily="18" charset="0"/>
+                        </a:rPr>
+                        <m:t>M</m:t>
+                      </m:r>
+                      <m:sSup>
+                        <m:sSupPr>
+                          <m:ctrlPr>
+                            <a:rPr lang="en-US" altLang="ko-KR" b="0" smtClean="0">
+                              <a:latin typeface="Cambria Math" panose="02040503050406030204" pitchFamily="18" charset="0"/>
+                            </a:rPr>
+                          </m:ctrlPr>
+                        </m:sSupPr>
+                        <m:e>
+                          <m:r>
+                            <m:rPr>
+                              <m:sty m:val="p"/>
+                            </m:rPr>
+                            <a:rPr lang="en-US" altLang="ko-KR" b="0" i="0" smtClean="0">
+                              <a:latin typeface="Cambria Math" panose="02040503050406030204" pitchFamily="18" charset="0"/>
+                            </a:rPr>
+                            <m:t>R</m:t>
+                          </m:r>
+                        </m:e>
+                        <m:sup>
+                          <m:r>
+                            <a:rPr lang="en-US" altLang="ko-KR" b="0" i="0" smtClean="0">
+                              <a:latin typeface="Cambria Math" panose="02040503050406030204" pitchFamily="18" charset="0"/>
+                            </a:rPr>
+                            <m:t>2</m:t>
+                          </m:r>
+                        </m:sup>
+                      </m:sSup>
+                    </m:oMath>
+                  </m:oMathPara>
+                </a14:m>
+                <a:endParaRPr lang="ko-KR" altLang="en-US" dirty="0"/>
+              </a:p>
+            </p:txBody>
+          </p:sp>
+        </mc:Choice>
+        <mc:Fallback>
+          <p:sp>
+            <p:nvSpPr>
+              <p:cNvPr id="27" name="TextBox 26">
+                <a:extLst>
+                  <a:ext uri="{FF2B5EF4-FFF2-40B4-BE49-F238E27FC236}">
+                    <a16:creationId xmlns:a16="http://schemas.microsoft.com/office/drawing/2014/main" id="{3652BEAF-CB47-484F-AC0D-0A31CE21DF33}"/>
+                  </a:ext>
+                </a:extLst>
+              </p:cNvPr>
+              <p:cNvSpPr txBox="1">
+                <a:spLocks noRot="1" noChangeAspect="1" noMove="1" noResize="1" noEditPoints="1" noAdjustHandles="1" noChangeArrowheads="1" noChangeShapeType="1" noTextEdit="1"/>
+              </p:cNvSpPr>
+              <p:nvPr/>
+            </p:nvSpPr>
+            <p:spPr>
+              <a:xfrm>
+                <a:off x="5669978" y="3871635"/>
+                <a:ext cx="1062727" cy="518604"/>
+              </a:xfrm>
+              <a:prstGeom prst="rect">
+                <a:avLst/>
+              </a:prstGeom>
+              <a:blipFill>
+                <a:blip r:embed="rId4"/>
+                <a:stretch>
+                  <a:fillRect/>
+                </a:stretch>
+              </a:blipFill>
+            </p:spPr>
+            <p:txBody>
+              <a:bodyPr/>
+              <a:lstStyle/>
+              <a:p>
+                <a:r>
+                  <a:rPr lang="ko-KR" altLang="en-US">
+                    <a:noFill/>
+                  </a:rPr>
+                  <a:t> </a:t>
+                </a:r>
+              </a:p>
+            </p:txBody>
+          </p:sp>
+        </mc:Fallback>
+      </mc:AlternateContent>
+    </p:spTree>
+    <p:extLst>
+      <p:ext uri="{BB962C8B-B14F-4D97-AF65-F5344CB8AC3E}">
+        <p14:creationId xmlns:p14="http://schemas.microsoft.com/office/powerpoint/2010/main" val="3045957843"/>
+      </p:ext>
+    </p:extLst>
+  </p:cSld>
+  <p:clrMapOvr>
+    <a:masterClrMapping/>
+  </p:clrMapOvr>
+</p:sld>
+</file>
+
+<file path=ppt/slides/slide5.xml><?xml version="1.0" encoding="utf-8"?>
+<p:sld xmlns:a="http://schemas.openxmlformats.org/drawingml/2006/main" xmlns:r="http://schemas.openxmlformats.org/officeDocument/2006/relationships" xmlns:p="http://schemas.openxmlformats.org/presentationml/2006/main">
+  <p:cSld>
+    <p:spTree>
+      <p:nvGrpSpPr>
+        <p:cNvPr id="1" name=""/>
+        <p:cNvGrpSpPr/>
+        <p:nvPr/>
+      </p:nvGrpSpPr>
+      <p:grpSpPr>
+        <a:xfrm>
+          <a:off x="0" y="0"/>
+          <a:ext cx="0" cy="0"/>
+          <a:chOff x="0" y="0"/>
+          <a:chExt cx="0" cy="0"/>
+        </a:xfrm>
+      </p:grpSpPr>
+      <p:sp>
+        <p:nvSpPr>
+          <p:cNvPr id="4" name="직각 삼각형 3">
+            <a:extLst>
+              <a:ext uri="{FF2B5EF4-FFF2-40B4-BE49-F238E27FC236}">
+                <a16:creationId xmlns:a16="http://schemas.microsoft.com/office/drawing/2014/main" id="{16C286B1-BB90-4C96-AC07-A0D64FFD6A3D}"/>
+              </a:ext>
+            </a:extLst>
+          </p:cNvPr>
+          <p:cNvSpPr/>
+          <p:nvPr/>
+        </p:nvSpPr>
+        <p:spPr>
+          <a:xfrm flipH="1">
+            <a:off x="1669408" y="2108982"/>
+            <a:ext cx="3579247" cy="583883"/>
+          </a:xfrm>
+          <a:prstGeom prst="rtTriangle">
+            <a:avLst/>
+          </a:prstGeom>
+          <a:noFill/>
+          <a:ln>
+            <a:solidFill>
+              <a:schemeClr val="tx1"/>
+            </a:solidFill>
+          </a:ln>
+        </p:spPr>
+        <p:style>
+          <a:lnRef idx="2">
+            <a:schemeClr val="accent1">
+              <a:shade val="50000"/>
+            </a:schemeClr>
+          </a:lnRef>
+          <a:fillRef idx="1">
+            <a:schemeClr val="accent1"/>
+          </a:fillRef>
+          <a:effectRef idx="0">
+            <a:schemeClr val="accent1"/>
+          </a:effectRef>
+          <a:fontRef idx="minor">
+            <a:schemeClr val="lt1"/>
+          </a:fontRef>
+        </p:style>
+        <p:txBody>
+          <a:bodyPr rtlCol="0" anchor="ctr"/>
+          <a:lstStyle/>
+          <a:p>
+            <a:pPr algn="ctr"/>
+            <a:endParaRPr lang="ko-KR" altLang="en-US"/>
+          </a:p>
+        </p:txBody>
+      </p:sp>
+      <p:sp>
+        <p:nvSpPr>
+          <p:cNvPr id="5" name="원호 4">
+            <a:extLst>
+              <a:ext uri="{FF2B5EF4-FFF2-40B4-BE49-F238E27FC236}">
+                <a16:creationId xmlns:a16="http://schemas.microsoft.com/office/drawing/2014/main" id="{996B8BEA-9E3E-4B21-9F55-F1D723652E6D}"/>
+              </a:ext>
+            </a:extLst>
+          </p:cNvPr>
+          <p:cNvSpPr/>
+          <p:nvPr/>
+        </p:nvSpPr>
+        <p:spPr>
+          <a:xfrm>
+            <a:off x="1069848" y="1833329"/>
+            <a:ext cx="1719072" cy="1719072"/>
+          </a:xfrm>
+          <a:prstGeom prst="arc">
+            <a:avLst>
+              <a:gd name="adj1" fmla="val 20899874"/>
+              <a:gd name="adj2" fmla="val 21563209"/>
+            </a:avLst>
+          </a:prstGeom>
+          <a:noFill/>
+          <a:ln>
+            <a:solidFill>
+              <a:schemeClr val="tx1"/>
+            </a:solidFill>
+          </a:ln>
+        </p:spPr>
+        <p:style>
+          <a:lnRef idx="2">
+            <a:schemeClr val="accent1">
+              <a:shade val="50000"/>
+            </a:schemeClr>
+          </a:lnRef>
+          <a:fillRef idx="1">
+            <a:schemeClr val="accent1"/>
+          </a:fillRef>
+          <a:effectRef idx="0">
+            <a:schemeClr val="accent1"/>
+          </a:effectRef>
+          <a:fontRef idx="minor">
+            <a:schemeClr val="lt1"/>
+          </a:fontRef>
+        </p:style>
+        <p:txBody>
+          <a:bodyPr rtlCol="0" anchor="ctr"/>
+          <a:lstStyle/>
+          <a:p>
+            <a:pPr algn="ctr"/>
+            <a:endParaRPr lang="ko-KR" altLang="en-US">
+              <a:solidFill>
+                <a:schemeClr val="lt1"/>
+              </a:solidFill>
+            </a:endParaRPr>
+          </a:p>
+        </p:txBody>
+      </p:sp>
+      <mc:AlternateContent xmlns:mc="http://schemas.openxmlformats.org/markup-compatibility/2006">
+        <mc:Choice xmlns:a14="http://schemas.microsoft.com/office/drawing/2010/main" Requires="a14">
+          <p:sp>
+            <p:nvSpPr>
+              <p:cNvPr id="6" name="TextBox 5">
+                <a:extLst>
+                  <a:ext uri="{FF2B5EF4-FFF2-40B4-BE49-F238E27FC236}">
+                    <a16:creationId xmlns:a16="http://schemas.microsoft.com/office/drawing/2014/main" id="{2F582537-8C56-4285-B1C6-7B1741FA68E1}"/>
+                  </a:ext>
+                </a:extLst>
+              </p:cNvPr>
+              <p:cNvSpPr txBox="1"/>
+              <p:nvPr/>
+            </p:nvSpPr>
+            <p:spPr>
+              <a:xfrm>
+                <a:off x="3040380" y="2441448"/>
+                <a:ext cx="208390" cy="276999"/>
+              </a:xfrm>
+              <a:prstGeom prst="rect">
+                <a:avLst/>
+              </a:prstGeom>
+              <a:noFill/>
+            </p:spPr>
+            <p:txBody>
+              <a:bodyPr wrap="none" lIns="0" tIns="0" rIns="0" bIns="0" rtlCol="0">
+                <a:spAutoFit/>
+              </a:bodyPr>
+              <a:lstStyle/>
+              <a:p>
+                <a14:m>
+                  <m:oMathPara xmlns:m="http://schemas.openxmlformats.org/officeDocument/2006/math">
+                    <m:oMathParaPr>
+                      <m:jc m:val="centerGroup"/>
+                    </m:oMathParaPr>
+                    <m:oMath xmlns:m="http://schemas.openxmlformats.org/officeDocument/2006/math">
+                      <m:r>
+                        <m:rPr>
+                          <m:sty m:val="p"/>
+                        </m:rPr>
+                        <a:rPr lang="en-US" altLang="ko-KR" b="0" i="0" smtClean="0">
+                          <a:latin typeface="Cambria Math" panose="02040503050406030204" pitchFamily="18" charset="0"/>
+                        </a:rPr>
+                        <m:t>θ</m:t>
+                      </m:r>
+                    </m:oMath>
+                  </m:oMathPara>
+                </a14:m>
+                <a:endParaRPr lang="ko-KR" altLang="en-US" dirty="0"/>
+              </a:p>
+            </p:txBody>
+          </p:sp>
+        </mc:Choice>
+        <mc:Fallback>
+          <p:sp>
+            <p:nvSpPr>
+              <p:cNvPr id="6" name="TextBox 5">
+                <a:extLst>
+                  <a:ext uri="{FF2B5EF4-FFF2-40B4-BE49-F238E27FC236}">
+                    <a16:creationId xmlns:a16="http://schemas.microsoft.com/office/drawing/2014/main" id="{2F582537-8C56-4285-B1C6-7B1741FA68E1}"/>
+                  </a:ext>
+                </a:extLst>
+              </p:cNvPr>
+              <p:cNvSpPr txBox="1">
+                <a:spLocks noRot="1" noChangeAspect="1" noMove="1" noResize="1" noEditPoints="1" noAdjustHandles="1" noChangeArrowheads="1" noChangeShapeType="1" noTextEdit="1"/>
+              </p:cNvSpPr>
+              <p:nvPr/>
+            </p:nvSpPr>
+            <p:spPr>
+              <a:xfrm>
+                <a:off x="3040380" y="2441448"/>
+                <a:ext cx="208390" cy="276999"/>
+              </a:xfrm>
+              <a:prstGeom prst="rect">
+                <a:avLst/>
+              </a:prstGeom>
+              <a:blipFill>
+                <a:blip r:embed="rId2"/>
+                <a:stretch>
+                  <a:fillRect l="-20588" r="-23529" b="-11111"/>
+                </a:stretch>
+              </a:blipFill>
+            </p:spPr>
+            <p:txBody>
+              <a:bodyPr/>
+              <a:lstStyle/>
+              <a:p>
+                <a:r>
+                  <a:rPr lang="ko-KR" altLang="en-US">
+                    <a:noFill/>
+                  </a:rPr>
+                  <a:t> </a:t>
+                </a:r>
+              </a:p>
+            </p:txBody>
+          </p:sp>
+        </mc:Fallback>
+      </mc:AlternateContent>
+      <mc:AlternateContent xmlns:mc="http://schemas.openxmlformats.org/markup-compatibility/2006">
+        <mc:Choice xmlns:a14="http://schemas.microsoft.com/office/drawing/2010/main" Requires="a14">
+          <p:sp>
+            <p:nvSpPr>
+              <p:cNvPr id="7" name="TextBox 6">
+                <a:extLst>
+                  <a:ext uri="{FF2B5EF4-FFF2-40B4-BE49-F238E27FC236}">
+                    <a16:creationId xmlns:a16="http://schemas.microsoft.com/office/drawing/2014/main" id="{37D0A104-F140-4F9B-9D00-51D61153FF10}"/>
+                  </a:ext>
+                </a:extLst>
+              </p:cNvPr>
+              <p:cNvSpPr txBox="1"/>
+              <p:nvPr/>
+            </p:nvSpPr>
+            <p:spPr>
+              <a:xfrm>
+                <a:off x="3466579" y="2717693"/>
+                <a:ext cx="464807" cy="301686"/>
+              </a:xfrm>
+              <a:prstGeom prst="rect">
+                <a:avLst/>
+              </a:prstGeom>
+              <a:noFill/>
+            </p:spPr>
+            <p:txBody>
+              <a:bodyPr wrap="none" lIns="0" tIns="0" rIns="0" bIns="0" rtlCol="0">
+                <a:spAutoFit/>
+              </a:bodyPr>
+              <a:lstStyle/>
+              <a:p>
+                <a14:m>
+                  <m:oMathPara xmlns:m="http://schemas.openxmlformats.org/officeDocument/2006/math">
+                    <m:oMathParaPr>
+                      <m:jc m:val="centerGroup"/>
+                    </m:oMathParaPr>
+                    <m:oMath xmlns:m="http://schemas.openxmlformats.org/officeDocument/2006/math">
+                      <m:r>
+                        <m:rPr>
+                          <m:sty m:val="p"/>
+                        </m:rPr>
+                        <a:rPr lang="en-US" altLang="ko-KR" b="0" i="0" smtClean="0">
+                          <a:latin typeface="Cambria Math" panose="02040503050406030204" pitchFamily="18" charset="0"/>
+                        </a:rPr>
+                        <m:t>π</m:t>
+                      </m:r>
+                      <m:sSub>
+                        <m:sSubPr>
+                          <m:ctrlPr>
+                            <a:rPr lang="en-US" altLang="ko-KR" b="0" i="0" smtClean="0">
+                              <a:latin typeface="Cambria Math" panose="02040503050406030204" pitchFamily="18" charset="0"/>
+                            </a:rPr>
+                          </m:ctrlPr>
+                        </m:sSubPr>
+                        <m:e>
+                          <m:r>
+                            <m:rPr>
+                              <m:sty m:val="p"/>
+                            </m:rPr>
+                            <a:rPr lang="en-US" altLang="ko-KR" b="0" i="0" smtClean="0">
+                              <a:latin typeface="Cambria Math" panose="02040503050406030204" pitchFamily="18" charset="0"/>
+                            </a:rPr>
+                            <m:t>d</m:t>
+                          </m:r>
+                        </m:e>
+                        <m:sub>
+                          <m:r>
+                            <m:rPr>
+                              <m:sty m:val="p"/>
+                            </m:rPr>
+                            <a:rPr lang="en-US" altLang="ko-KR" b="0" i="0" smtClean="0">
+                              <a:latin typeface="Cambria Math" panose="02040503050406030204" pitchFamily="18" charset="0"/>
+                            </a:rPr>
+                            <m:t>p</m:t>
+                          </m:r>
+                        </m:sub>
+                      </m:sSub>
+                    </m:oMath>
+                  </m:oMathPara>
+                </a14:m>
+                <a:endParaRPr lang="ko-KR" altLang="en-US" dirty="0"/>
+              </a:p>
+            </p:txBody>
+          </p:sp>
+        </mc:Choice>
+        <mc:Fallback>
+          <p:sp>
+            <p:nvSpPr>
+              <p:cNvPr id="7" name="TextBox 6">
+                <a:extLst>
+                  <a:ext uri="{FF2B5EF4-FFF2-40B4-BE49-F238E27FC236}">
+                    <a16:creationId xmlns:a16="http://schemas.microsoft.com/office/drawing/2014/main" id="{37D0A104-F140-4F9B-9D00-51D61153FF10}"/>
+                  </a:ext>
+                </a:extLst>
+              </p:cNvPr>
+              <p:cNvSpPr txBox="1">
+                <a:spLocks noRot="1" noChangeAspect="1" noMove="1" noResize="1" noEditPoints="1" noAdjustHandles="1" noChangeArrowheads="1" noChangeShapeType="1" noTextEdit="1"/>
+              </p:cNvSpPr>
+              <p:nvPr/>
+            </p:nvSpPr>
+            <p:spPr>
+              <a:xfrm>
+                <a:off x="3466579" y="2717693"/>
+                <a:ext cx="464807" cy="301686"/>
+              </a:xfrm>
+              <a:prstGeom prst="rect">
+                <a:avLst/>
+              </a:prstGeom>
+              <a:blipFill>
+                <a:blip r:embed="rId3"/>
+                <a:stretch>
+                  <a:fillRect l="-3947" r="-3947" b="-22449"/>
+                </a:stretch>
+              </a:blipFill>
+            </p:spPr>
+            <p:txBody>
+              <a:bodyPr/>
+              <a:lstStyle/>
+              <a:p>
+                <a:r>
+                  <a:rPr lang="ko-KR" altLang="en-US">
+                    <a:noFill/>
+                  </a:rPr>
+                  <a:t> </a:t>
+                </a:r>
+              </a:p>
+            </p:txBody>
+          </p:sp>
+        </mc:Fallback>
+      </mc:AlternateContent>
+      <mc:AlternateContent xmlns:mc="http://schemas.openxmlformats.org/markup-compatibility/2006">
+        <mc:Choice xmlns:a14="http://schemas.microsoft.com/office/drawing/2010/main" Requires="a14">
+          <p:sp>
+            <p:nvSpPr>
+              <p:cNvPr id="8" name="TextBox 7">
+                <a:extLst>
+                  <a:ext uri="{FF2B5EF4-FFF2-40B4-BE49-F238E27FC236}">
+                    <a16:creationId xmlns:a16="http://schemas.microsoft.com/office/drawing/2014/main" id="{D526ABB1-045B-49E6-B52C-5579413B418B}"/>
+                  </a:ext>
+                </a:extLst>
+              </p:cNvPr>
+              <p:cNvSpPr txBox="1"/>
+              <p:nvPr/>
+            </p:nvSpPr>
+            <p:spPr>
+              <a:xfrm>
+                <a:off x="5276855" y="2222648"/>
+                <a:ext cx="1045543" cy="276999"/>
+              </a:xfrm>
+              <a:prstGeom prst="rect">
+                <a:avLst/>
+              </a:prstGeom>
+              <a:noFill/>
+            </p:spPr>
+            <p:txBody>
+              <a:bodyPr wrap="none" lIns="0" tIns="0" rIns="0" bIns="0" rtlCol="0">
+                <a:spAutoFit/>
+              </a:bodyPr>
+              <a:lstStyle/>
+              <a:p>
+                <a14:m>
+                  <m:oMathPara xmlns:m="http://schemas.openxmlformats.org/officeDocument/2006/math">
+                    <m:oMathParaPr>
+                      <m:jc m:val="centerGroup"/>
+                    </m:oMathParaPr>
+                    <m:oMath xmlns:m="http://schemas.openxmlformats.org/officeDocument/2006/math">
+                      <m:r>
+                        <m:rPr>
+                          <m:sty m:val="p"/>
+                        </m:rPr>
+                        <a:rPr lang="en-US" altLang="ko-KR" b="0" i="0" smtClean="0">
+                          <a:latin typeface="Cambria Math" panose="02040503050406030204" pitchFamily="18" charset="0"/>
+                        </a:rPr>
+                        <m:t>p</m:t>
+                      </m:r>
+                      <m:r>
+                        <a:rPr lang="en-US" altLang="ko-KR" b="0" i="0" smtClean="0">
+                          <a:latin typeface="Cambria Math" panose="02040503050406030204" pitchFamily="18" charset="0"/>
+                        </a:rPr>
+                        <m:t>=</m:t>
+                      </m:r>
+                      <m:r>
+                        <m:rPr>
+                          <m:sty m:val="p"/>
+                        </m:rPr>
+                        <a:rPr lang="en-US" altLang="ko-KR" b="0" i="0" smtClean="0">
+                          <a:latin typeface="Cambria Math" panose="02040503050406030204" pitchFamily="18" charset="0"/>
+                        </a:rPr>
+                        <m:t>pitch</m:t>
+                      </m:r>
+                    </m:oMath>
+                  </m:oMathPara>
+                </a14:m>
+                <a:endParaRPr lang="ko-KR" altLang="en-US" dirty="0"/>
+              </a:p>
+            </p:txBody>
+          </p:sp>
+        </mc:Choice>
+        <mc:Fallback>
+          <p:sp>
+            <p:nvSpPr>
+              <p:cNvPr id="8" name="TextBox 7">
+                <a:extLst>
+                  <a:ext uri="{FF2B5EF4-FFF2-40B4-BE49-F238E27FC236}">
+                    <a16:creationId xmlns:a16="http://schemas.microsoft.com/office/drawing/2014/main" id="{D526ABB1-045B-49E6-B52C-5579413B418B}"/>
+                  </a:ext>
+                </a:extLst>
+              </p:cNvPr>
+              <p:cNvSpPr txBox="1">
+                <a:spLocks noRot="1" noChangeAspect="1" noMove="1" noResize="1" noEditPoints="1" noAdjustHandles="1" noChangeArrowheads="1" noChangeShapeType="1" noTextEdit="1"/>
+              </p:cNvSpPr>
+              <p:nvPr/>
+            </p:nvSpPr>
+            <p:spPr>
+              <a:xfrm>
+                <a:off x="5276855" y="2222648"/>
+                <a:ext cx="1045543" cy="276999"/>
+              </a:xfrm>
+              <a:prstGeom prst="rect">
+                <a:avLst/>
+              </a:prstGeom>
+              <a:blipFill>
+                <a:blip r:embed="rId4"/>
+                <a:stretch>
+                  <a:fillRect l="-2339" r="-5263" b="-40000"/>
+                </a:stretch>
+              </a:blipFill>
+            </p:spPr>
+            <p:txBody>
+              <a:bodyPr/>
+              <a:lstStyle/>
+              <a:p>
+                <a:r>
+                  <a:rPr lang="ko-KR" altLang="en-US">
+                    <a:noFill/>
+                  </a:rPr>
+                  <a:t> </a:t>
+                </a:r>
+              </a:p>
+            </p:txBody>
+          </p:sp>
+        </mc:Fallback>
+      </mc:AlternateContent>
+      <mc:AlternateContent xmlns:mc="http://schemas.openxmlformats.org/markup-compatibility/2006">
+        <mc:Choice xmlns:a14="http://schemas.microsoft.com/office/drawing/2010/main" Requires="a14">
+          <p:sp>
+            <p:nvSpPr>
+              <p:cNvPr id="9" name="TextBox 8">
+                <a:extLst>
+                  <a:ext uri="{FF2B5EF4-FFF2-40B4-BE49-F238E27FC236}">
+                    <a16:creationId xmlns:a16="http://schemas.microsoft.com/office/drawing/2014/main" id="{34F40628-C8C5-4342-809F-FFDE3D146B95}"/>
+                  </a:ext>
+                </a:extLst>
+              </p:cNvPr>
+              <p:cNvSpPr txBox="1"/>
+              <p:nvPr/>
+            </p:nvSpPr>
+            <p:spPr>
+              <a:xfrm>
+                <a:off x="1965367" y="3141526"/>
+                <a:ext cx="450060" cy="276999"/>
+              </a:xfrm>
+              <a:prstGeom prst="rect">
+                <a:avLst/>
+              </a:prstGeom>
+              <a:noFill/>
+            </p:spPr>
+            <p:txBody>
+              <a:bodyPr wrap="none" lIns="0" tIns="0" rIns="0" bIns="0" rtlCol="0">
+                <a:spAutoFit/>
+              </a:bodyPr>
+              <a:lstStyle/>
+              <a:p>
+                <a14:m>
+                  <m:oMathPara xmlns:m="http://schemas.openxmlformats.org/officeDocument/2006/math">
+                    <m:oMathParaPr>
+                      <m:jc m:val="centerGroup"/>
+                    </m:oMathParaPr>
+                    <m:oMath xmlns:m="http://schemas.openxmlformats.org/officeDocument/2006/math">
+                      <m:r>
+                        <a:rPr lang="en-US" altLang="ko-KR" b="0" i="1" smtClean="0">
+                          <a:latin typeface="Cambria Math" panose="02040503050406030204" pitchFamily="18" charset="0"/>
+                        </a:rPr>
+                        <m:t>𝑝</m:t>
+                      </m:r>
+                      <m:r>
+                        <a:rPr lang="en-US" altLang="ko-KR" b="0" i="1" smtClean="0">
+                          <a:latin typeface="Cambria Math" panose="02040503050406030204" pitchFamily="18" charset="0"/>
+                        </a:rPr>
+                        <m:t>=</m:t>
+                      </m:r>
+                    </m:oMath>
+                  </m:oMathPara>
+                </a14:m>
+                <a:endParaRPr lang="ko-KR" altLang="en-US" dirty="0"/>
+              </a:p>
+            </p:txBody>
+          </p:sp>
+        </mc:Choice>
+        <mc:Fallback>
+          <p:sp>
+            <p:nvSpPr>
+              <p:cNvPr id="9" name="TextBox 8">
+                <a:extLst>
+                  <a:ext uri="{FF2B5EF4-FFF2-40B4-BE49-F238E27FC236}">
+                    <a16:creationId xmlns:a16="http://schemas.microsoft.com/office/drawing/2014/main" id="{34F40628-C8C5-4342-809F-FFDE3D146B95}"/>
+                  </a:ext>
+                </a:extLst>
+              </p:cNvPr>
+              <p:cNvSpPr txBox="1">
+                <a:spLocks noRot="1" noChangeAspect="1" noMove="1" noResize="1" noEditPoints="1" noAdjustHandles="1" noChangeArrowheads="1" noChangeShapeType="1" noTextEdit="1"/>
+              </p:cNvSpPr>
+              <p:nvPr/>
+            </p:nvSpPr>
+            <p:spPr>
+              <a:xfrm>
+                <a:off x="1965367" y="3141526"/>
+                <a:ext cx="450060" cy="276999"/>
+              </a:xfrm>
+              <a:prstGeom prst="rect">
+                <a:avLst/>
+              </a:prstGeom>
+              <a:blipFill>
+                <a:blip r:embed="rId5"/>
+                <a:stretch>
+                  <a:fillRect l="-9459" r="-2703" b="-28261"/>
+                </a:stretch>
+              </a:blipFill>
+            </p:spPr>
+            <p:txBody>
+              <a:bodyPr/>
+              <a:lstStyle/>
+              <a:p>
+                <a:r>
+                  <a:rPr lang="ko-KR" altLang="en-US">
+                    <a:noFill/>
+                  </a:rPr>
+                  <a:t> </a:t>
+                </a:r>
+              </a:p>
+            </p:txBody>
+          </p:sp>
+        </mc:Fallback>
+      </mc:AlternateContent>
+    </p:spTree>
+    <p:extLst>
+      <p:ext uri="{BB962C8B-B14F-4D97-AF65-F5344CB8AC3E}">
+        <p14:creationId xmlns:p14="http://schemas.microsoft.com/office/powerpoint/2010/main" val="484177135"/>
+      </p:ext>
+    </p:extLst>
+  </p:cSld>
+  <p:clrMapOvr>
+    <a:masterClrMapping/>
+  </p:clrMapOvr>
+</p:sld>
+</file>
+
+<file path=ppt/slides/slide6.xml><?xml version="1.0" encoding="utf-8"?>
+<p:sld xmlns:a="http://schemas.openxmlformats.org/drawingml/2006/main" xmlns:r="http://schemas.openxmlformats.org/officeDocument/2006/relationships" xmlns:p="http://schemas.openxmlformats.org/presentationml/2006/main">
+  <p:cSld>
+    <p:spTree>
+      <p:nvGrpSpPr>
+        <p:cNvPr id="1" name=""/>
+        <p:cNvGrpSpPr/>
+        <p:nvPr/>
+      </p:nvGrpSpPr>
+      <p:grpSpPr>
+        <a:xfrm>
+          <a:off x="0" y="0"/>
+          <a:ext cx="0" cy="0"/>
+          <a:chOff x="0" y="0"/>
+          <a:chExt cx="0" cy="0"/>
+        </a:xfrm>
+      </p:grpSpPr>
+      <p:pic>
+        <p:nvPicPr>
+          <p:cNvPr id="5" name="그림 4">
+            <a:extLst>
+              <a:ext uri="{FF2B5EF4-FFF2-40B4-BE49-F238E27FC236}">
+                <a16:creationId xmlns:a16="http://schemas.microsoft.com/office/drawing/2014/main" id="{D435C3E8-C613-452B-A7F7-28B7ECA99AC8}"/>
+              </a:ext>
+            </a:extLst>
+          </p:cNvPr>
+          <p:cNvPicPr>
+            <a:picLocks noChangeAspect="1"/>
+          </p:cNvPicPr>
+          <p:nvPr/>
+        </p:nvPicPr>
+        <p:blipFill>
+          <a:blip r:embed="rId2"/>
+          <a:stretch>
+            <a:fillRect/>
+          </a:stretch>
+        </p:blipFill>
+        <p:spPr>
+          <a:xfrm>
+            <a:off x="484060" y="443674"/>
+            <a:ext cx="7877175" cy="5476875"/>
+          </a:xfrm>
+          <a:prstGeom prst="rect">
+            <a:avLst/>
+          </a:prstGeom>
+        </p:spPr>
+      </p:pic>
+      <p:cxnSp>
+        <p:nvCxnSpPr>
+          <p:cNvPr id="7" name="직선 화살표 연결선 6">
+            <a:extLst>
+              <a:ext uri="{FF2B5EF4-FFF2-40B4-BE49-F238E27FC236}">
+                <a16:creationId xmlns:a16="http://schemas.microsoft.com/office/drawing/2014/main" id="{44FC71F6-189F-42CB-91B5-2F459037E11F}"/>
+              </a:ext>
+            </a:extLst>
+          </p:cNvPr>
+          <p:cNvCxnSpPr>
+            <a:cxnSpLocks/>
+          </p:cNvCxnSpPr>
+          <p:nvPr/>
+        </p:nvCxnSpPr>
+        <p:spPr>
+          <a:xfrm>
+            <a:off x="2907792" y="2423160"/>
+            <a:ext cx="0" cy="905256"/>
+          </a:xfrm>
+          <a:prstGeom prst="straightConnector1">
+            <a:avLst/>
+          </a:prstGeom>
+          <a:ln>
+            <a:solidFill>
+              <a:srgbClr val="FF0000"/>
+            </a:solidFill>
+            <a:headEnd type="triangle"/>
+            <a:tailEnd type="triangle"/>
+          </a:ln>
+        </p:spPr>
+        <p:style>
+          <a:lnRef idx="1">
+            <a:schemeClr val="accent1"/>
+          </a:lnRef>
+          <a:fillRef idx="0">
+            <a:schemeClr val="accent1"/>
+          </a:fillRef>
+          <a:effectRef idx="0">
+            <a:schemeClr val="accent1"/>
+          </a:effectRef>
+          <a:fontRef idx="minor">
+            <a:schemeClr val="tx1"/>
+          </a:fontRef>
+        </p:style>
+      </p:cxnSp>
+      <mc:AlternateContent xmlns:mc="http://schemas.openxmlformats.org/markup-compatibility/2006">
+        <mc:Choice xmlns:a14="http://schemas.microsoft.com/office/drawing/2010/main" Requires="a14">
+          <p:sp>
+            <p:nvSpPr>
+              <p:cNvPr id="9" name="TextBox 8">
+                <a:extLst>
+                  <a:ext uri="{FF2B5EF4-FFF2-40B4-BE49-F238E27FC236}">
+                    <a16:creationId xmlns:a16="http://schemas.microsoft.com/office/drawing/2014/main" id="{1392D32E-75A3-42D2-B5BB-438DB162EC00}"/>
+                  </a:ext>
+                </a:extLst>
+              </p:cNvPr>
+              <p:cNvSpPr txBox="1"/>
+              <p:nvPr/>
+            </p:nvSpPr>
+            <p:spPr>
+              <a:xfrm>
+                <a:off x="2628900" y="2633472"/>
+                <a:ext cx="290143" cy="276999"/>
+              </a:xfrm>
+              <a:prstGeom prst="rect">
+                <a:avLst/>
+              </a:prstGeom>
+              <a:noFill/>
+            </p:spPr>
+            <p:txBody>
+              <a:bodyPr wrap="none" lIns="0" tIns="0" rIns="0" bIns="0" rtlCol="0">
+                <a:spAutoFit/>
+              </a:bodyPr>
+              <a:lstStyle/>
+              <a:p>
+                <a14:m>
+                  <m:oMathPara xmlns:m="http://schemas.openxmlformats.org/officeDocument/2006/math">
+                    <m:oMathParaPr>
+                      <m:jc m:val="centerGroup"/>
+                    </m:oMathParaPr>
+                    <m:oMath xmlns:m="http://schemas.openxmlformats.org/officeDocument/2006/math">
+                      <m:r>
+                        <a:rPr lang="en-US" altLang="ko-KR" b="1" i="0" smtClean="0">
+                          <a:solidFill>
+                            <a:srgbClr val="FF0000"/>
+                          </a:solidFill>
+                          <a:latin typeface="Cambria Math" panose="02040503050406030204" pitchFamily="18" charset="0"/>
+                        </a:rPr>
+                        <m:t>𝐦</m:t>
+                      </m:r>
+                    </m:oMath>
+                  </m:oMathPara>
+                </a14:m>
+                <a:endParaRPr lang="ko-KR" altLang="en-US" b="1" dirty="0">
+                  <a:solidFill>
+                    <a:srgbClr val="FF0000"/>
+                  </a:solidFill>
+                </a:endParaRPr>
+              </a:p>
+            </p:txBody>
+          </p:sp>
+        </mc:Choice>
+        <mc:Fallback>
+          <p:sp>
+            <p:nvSpPr>
+              <p:cNvPr id="9" name="TextBox 8">
+                <a:extLst>
+                  <a:ext uri="{FF2B5EF4-FFF2-40B4-BE49-F238E27FC236}">
+                    <a16:creationId xmlns:a16="http://schemas.microsoft.com/office/drawing/2014/main" id="{1392D32E-75A3-42D2-B5BB-438DB162EC00}"/>
+                  </a:ext>
+                </a:extLst>
+              </p:cNvPr>
+              <p:cNvSpPr txBox="1">
+                <a:spLocks noRot="1" noChangeAspect="1" noMove="1" noResize="1" noEditPoints="1" noAdjustHandles="1" noChangeArrowheads="1" noChangeShapeType="1" noTextEdit="1"/>
+              </p:cNvSpPr>
+              <p:nvPr/>
+            </p:nvSpPr>
+            <p:spPr>
+              <a:xfrm>
+                <a:off x="2628900" y="2633472"/>
+                <a:ext cx="290143" cy="276999"/>
+              </a:xfrm>
+              <a:prstGeom prst="rect">
+                <a:avLst/>
+              </a:prstGeom>
+              <a:blipFill>
+                <a:blip r:embed="rId3"/>
+                <a:stretch>
+                  <a:fillRect l="-6250" r="-8333" b="-4444"/>
+                </a:stretch>
+              </a:blipFill>
+            </p:spPr>
+            <p:txBody>
+              <a:bodyPr/>
+              <a:lstStyle/>
+              <a:p>
+                <a:r>
+                  <a:rPr lang="ko-KR" altLang="en-US">
+                    <a:noFill/>
+                  </a:rPr>
+                  <a:t> </a:t>
+                </a:r>
+              </a:p>
+            </p:txBody>
+          </p:sp>
+        </mc:Fallback>
+      </mc:AlternateContent>
+      <p:cxnSp>
+        <p:nvCxnSpPr>
+          <p:cNvPr id="10" name="직선 화살표 연결선 9">
+            <a:extLst>
+              <a:ext uri="{FF2B5EF4-FFF2-40B4-BE49-F238E27FC236}">
+                <a16:creationId xmlns:a16="http://schemas.microsoft.com/office/drawing/2014/main" id="{CAF6A52F-C656-4031-9EF0-FBD8C61E34A8}"/>
+              </a:ext>
+            </a:extLst>
+          </p:cNvPr>
+          <p:cNvCxnSpPr>
+            <a:cxnSpLocks/>
+          </p:cNvCxnSpPr>
+          <p:nvPr/>
+        </p:nvCxnSpPr>
+        <p:spPr>
+          <a:xfrm>
+            <a:off x="2913888" y="3316224"/>
+            <a:ext cx="0" cy="905256"/>
+          </a:xfrm>
+          <a:prstGeom prst="straightConnector1">
+            <a:avLst/>
+          </a:prstGeom>
+          <a:ln>
+            <a:solidFill>
+              <a:srgbClr val="FF0000"/>
+            </a:solidFill>
+            <a:headEnd type="triangle"/>
+            <a:tailEnd type="triangle"/>
+          </a:ln>
+        </p:spPr>
+        <p:style>
+          <a:lnRef idx="1">
+            <a:schemeClr val="accent1"/>
+          </a:lnRef>
+          <a:fillRef idx="0">
+            <a:schemeClr val="accent1"/>
+          </a:fillRef>
+          <a:effectRef idx="0">
+            <a:schemeClr val="accent1"/>
+          </a:effectRef>
+          <a:fontRef idx="minor">
+            <a:schemeClr val="tx1"/>
+          </a:fontRef>
+        </p:style>
+      </p:cxnSp>
+      <mc:AlternateContent xmlns:mc="http://schemas.openxmlformats.org/markup-compatibility/2006">
+        <mc:Choice xmlns:a14="http://schemas.microsoft.com/office/drawing/2010/main" Requires="a14">
+          <p:sp>
+            <p:nvSpPr>
+              <p:cNvPr id="11" name="TextBox 10">
+                <a:extLst>
+                  <a:ext uri="{FF2B5EF4-FFF2-40B4-BE49-F238E27FC236}">
+                    <a16:creationId xmlns:a16="http://schemas.microsoft.com/office/drawing/2014/main" id="{E6DAA456-4BF4-47EE-BA11-860015183473}"/>
+                  </a:ext>
+                </a:extLst>
+              </p:cNvPr>
+              <p:cNvSpPr txBox="1"/>
+              <p:nvPr/>
+            </p:nvSpPr>
+            <p:spPr>
+              <a:xfrm>
+                <a:off x="2212048" y="3794944"/>
+                <a:ext cx="702115" cy="276999"/>
+              </a:xfrm>
+              <a:prstGeom prst="rect">
+                <a:avLst/>
+              </a:prstGeom>
+              <a:noFill/>
+            </p:spPr>
+            <p:txBody>
+              <a:bodyPr wrap="none" lIns="0" tIns="0" rIns="0" bIns="0" rtlCol="0">
+                <a:spAutoFit/>
+              </a:bodyPr>
+              <a:lstStyle/>
+              <a:p>
+                <a14:m>
+                  <m:oMathPara xmlns:m="http://schemas.openxmlformats.org/officeDocument/2006/math">
+                    <m:oMathParaPr>
+                      <m:jc m:val="centerGroup"/>
+                    </m:oMathParaPr>
+                    <m:oMath xmlns:m="http://schemas.openxmlformats.org/officeDocument/2006/math">
+                      <m:r>
+                        <a:rPr lang="en-US" altLang="ko-KR" b="1" i="0" smtClean="0">
+                          <a:solidFill>
+                            <a:srgbClr val="FF0000"/>
+                          </a:solidFill>
+                          <a:latin typeface="Cambria Math" panose="02040503050406030204" pitchFamily="18" charset="0"/>
+                        </a:rPr>
+                        <m:t>𝐦</m:t>
+                      </m:r>
+                      <m:r>
+                        <a:rPr lang="en-US" altLang="ko-KR" b="1" i="0" smtClean="0">
+                          <a:solidFill>
+                            <a:srgbClr val="FF0000"/>
+                          </a:solidFill>
+                          <a:latin typeface="Cambria Math" panose="02040503050406030204" pitchFamily="18" charset="0"/>
+                        </a:rPr>
+                        <m:t>+</m:t>
+                      </m:r>
+                      <m:r>
+                        <a:rPr lang="en-US" altLang="ko-KR" b="1" i="0" smtClean="0">
+                          <a:solidFill>
+                            <a:srgbClr val="FF0000"/>
+                          </a:solidFill>
+                          <a:latin typeface="Cambria Math" panose="02040503050406030204" pitchFamily="18" charset="0"/>
+                        </a:rPr>
+                        <m:t>𝐂</m:t>
+                      </m:r>
+                    </m:oMath>
+                  </m:oMathPara>
+                </a14:m>
+                <a:endParaRPr lang="ko-KR" altLang="en-US" b="1" dirty="0">
+                  <a:solidFill>
+                    <a:srgbClr val="FF0000"/>
+                  </a:solidFill>
+                </a:endParaRPr>
+              </a:p>
+            </p:txBody>
+          </p:sp>
+        </mc:Choice>
+        <mc:Fallback>
+          <p:sp>
+            <p:nvSpPr>
+              <p:cNvPr id="11" name="TextBox 10">
+                <a:extLst>
+                  <a:ext uri="{FF2B5EF4-FFF2-40B4-BE49-F238E27FC236}">
+                    <a16:creationId xmlns:a16="http://schemas.microsoft.com/office/drawing/2014/main" id="{E6DAA456-4BF4-47EE-BA11-860015183473}"/>
+                  </a:ext>
+                </a:extLst>
+              </p:cNvPr>
+              <p:cNvSpPr txBox="1">
+                <a:spLocks noRot="1" noChangeAspect="1" noMove="1" noResize="1" noEditPoints="1" noAdjustHandles="1" noChangeArrowheads="1" noChangeShapeType="1" noTextEdit="1"/>
+              </p:cNvSpPr>
+              <p:nvPr/>
+            </p:nvSpPr>
+            <p:spPr>
+              <a:xfrm>
+                <a:off x="2212048" y="3794944"/>
+                <a:ext cx="702115" cy="276999"/>
+              </a:xfrm>
+              <a:prstGeom prst="rect">
+                <a:avLst/>
+              </a:prstGeom>
+              <a:blipFill>
+                <a:blip r:embed="rId4"/>
+                <a:stretch>
+                  <a:fillRect l="-3478" r="-5217" b="-11111"/>
+                </a:stretch>
+              </a:blipFill>
+            </p:spPr>
+            <p:txBody>
+              <a:bodyPr/>
+              <a:lstStyle/>
+              <a:p>
+                <a:r>
+                  <a:rPr lang="ko-KR" altLang="en-US">
+                    <a:noFill/>
+                  </a:rPr>
+                  <a:t> </a:t>
+                </a:r>
+              </a:p>
+            </p:txBody>
+          </p:sp>
+        </mc:Fallback>
+      </mc:AlternateContent>
+      <mc:AlternateContent xmlns:mc="http://schemas.openxmlformats.org/markup-compatibility/2006">
+        <mc:Choice xmlns:a14="http://schemas.microsoft.com/office/drawing/2010/main" Requires="a14">
+          <p:sp>
+            <p:nvSpPr>
+              <p:cNvPr id="12" name="TextBox 11">
+                <a:extLst>
+                  <a:ext uri="{FF2B5EF4-FFF2-40B4-BE49-F238E27FC236}">
+                    <a16:creationId xmlns:a16="http://schemas.microsoft.com/office/drawing/2014/main" id="{6F778C4E-D283-474A-AC45-EFC706330C58}"/>
+                  </a:ext>
+                </a:extLst>
+              </p:cNvPr>
+              <p:cNvSpPr txBox="1"/>
+              <p:nvPr/>
+            </p:nvSpPr>
+            <p:spPr>
+              <a:xfrm>
+                <a:off x="1605496" y="4752016"/>
+                <a:ext cx="302968" cy="276999"/>
+              </a:xfrm>
+              <a:prstGeom prst="rect">
+                <a:avLst/>
+              </a:prstGeom>
+              <a:noFill/>
+            </p:spPr>
+            <p:txBody>
+              <a:bodyPr wrap="none" lIns="0" tIns="0" rIns="0" bIns="0" rtlCol="0">
+                <a:spAutoFit/>
+              </a:bodyPr>
+              <a:lstStyle/>
+              <a:p>
+                <a:r>
+                  <a:rPr lang="en-US" altLang="ko-KR" b="1" dirty="0">
+                    <a:solidFill>
+                      <a:srgbClr val="FF0000"/>
+                    </a:solidFill>
+                  </a:rPr>
+                  <a:t>=</a:t>
+                </a:r>
+                <a14:m>
+                  <m:oMath xmlns:m="http://schemas.openxmlformats.org/officeDocument/2006/math">
+                    <m:r>
+                      <a:rPr lang="en-US" altLang="ko-KR" b="1" i="0" smtClean="0">
+                        <a:solidFill>
+                          <a:srgbClr val="FF0000"/>
+                        </a:solidFill>
+                        <a:latin typeface="Cambria Math" panose="02040503050406030204" pitchFamily="18" charset="0"/>
+                      </a:rPr>
+                      <m:t>𝐂</m:t>
+                    </m:r>
+                  </m:oMath>
+                </a14:m>
+                <a:endParaRPr lang="ko-KR" altLang="en-US" b="1" dirty="0">
+                  <a:solidFill>
+                    <a:srgbClr val="FF0000"/>
+                  </a:solidFill>
+                </a:endParaRPr>
+              </a:p>
+            </p:txBody>
+          </p:sp>
+        </mc:Choice>
+        <mc:Fallback>
+          <p:sp>
+            <p:nvSpPr>
+              <p:cNvPr id="12" name="TextBox 11">
+                <a:extLst>
+                  <a:ext uri="{FF2B5EF4-FFF2-40B4-BE49-F238E27FC236}">
+                    <a16:creationId xmlns:a16="http://schemas.microsoft.com/office/drawing/2014/main" id="{6F778C4E-D283-474A-AC45-EFC706330C58}"/>
+                  </a:ext>
+                </a:extLst>
+              </p:cNvPr>
+              <p:cNvSpPr txBox="1">
+                <a:spLocks noRot="1" noChangeAspect="1" noMove="1" noResize="1" noEditPoints="1" noAdjustHandles="1" noChangeArrowheads="1" noChangeShapeType="1" noTextEdit="1"/>
+              </p:cNvSpPr>
+              <p:nvPr/>
+            </p:nvSpPr>
+            <p:spPr>
+              <a:xfrm>
+                <a:off x="1605496" y="4752016"/>
+                <a:ext cx="302968" cy="276999"/>
+              </a:xfrm>
+              <a:prstGeom prst="rect">
+                <a:avLst/>
+              </a:prstGeom>
+              <a:blipFill>
+                <a:blip r:embed="rId5"/>
+                <a:stretch>
+                  <a:fillRect l="-46000" t="-28889" r="-26000" b="-51111"/>
+                </a:stretch>
+              </a:blipFill>
+            </p:spPr>
+            <p:txBody>
+              <a:bodyPr/>
+              <a:lstStyle/>
+              <a:p>
+                <a:r>
+                  <a:rPr lang="ko-KR" altLang="en-US">
+                    <a:noFill/>
+                  </a:rPr>
+                  <a:t> </a:t>
+                </a:r>
+              </a:p>
+            </p:txBody>
+          </p:sp>
+        </mc:Fallback>
+      </mc:AlternateContent>
+      <p:sp>
+        <p:nvSpPr>
+          <p:cNvPr id="13" name="TextBox 12">
+            <a:extLst>
+              <a:ext uri="{FF2B5EF4-FFF2-40B4-BE49-F238E27FC236}">
+                <a16:creationId xmlns:a16="http://schemas.microsoft.com/office/drawing/2014/main" id="{AC653E5B-FE7E-40CC-A86E-C2D6FBDED277}"/>
+              </a:ext>
+            </a:extLst>
+          </p:cNvPr>
+          <p:cNvSpPr txBox="1"/>
+          <p:nvPr/>
+        </p:nvSpPr>
+        <p:spPr>
+          <a:xfrm>
+            <a:off x="3431248" y="3423088"/>
+            <a:ext cx="302968" cy="276999"/>
+          </a:xfrm>
+          <a:prstGeom prst="rect">
+            <a:avLst/>
+          </a:prstGeom>
+          <a:noFill/>
+        </p:spPr>
+        <p:txBody>
+          <a:bodyPr wrap="square" lIns="0" tIns="0" rIns="0" bIns="0" rtlCol="0">
+            <a:spAutoFit/>
+          </a:bodyPr>
+          <a:lstStyle/>
+          <a:p>
+            <a:r>
+              <a:rPr lang="en-US" altLang="ko-KR" b="1" dirty="0">
+                <a:solidFill>
+                  <a:srgbClr val="FF0000"/>
+                </a:solidFill>
+              </a:rPr>
+              <a:t>=t</a:t>
+            </a:r>
+            <a:endParaRPr lang="ko-KR" altLang="en-US" b="1" dirty="0">
+              <a:solidFill>
+                <a:srgbClr val="FF0000"/>
+              </a:solidFill>
+            </a:endParaRPr>
+          </a:p>
+        </p:txBody>
+      </p:sp>
+      <mc:AlternateContent xmlns:mc="http://schemas.openxmlformats.org/markup-compatibility/2006">
+        <mc:Choice xmlns:a14="http://schemas.microsoft.com/office/drawing/2010/main" Requires="a14">
+          <p:sp>
+            <p:nvSpPr>
+              <p:cNvPr id="14" name="TextBox 13">
+                <a:extLst>
+                  <a:ext uri="{FF2B5EF4-FFF2-40B4-BE49-F238E27FC236}">
+                    <a16:creationId xmlns:a16="http://schemas.microsoft.com/office/drawing/2014/main" id="{AC03AD82-4437-48E0-9C56-E2EF49B5AE70}"/>
+                  </a:ext>
+                </a:extLst>
+              </p:cNvPr>
+              <p:cNvSpPr txBox="1"/>
+              <p:nvPr/>
+            </p:nvSpPr>
+            <p:spPr>
+              <a:xfrm>
+                <a:off x="8361235" y="2310384"/>
+                <a:ext cx="1901098" cy="567078"/>
+              </a:xfrm>
+              <a:prstGeom prst="rect">
+                <a:avLst/>
+              </a:prstGeom>
+              <a:noFill/>
+            </p:spPr>
+            <p:txBody>
+              <a:bodyPr wrap="none" lIns="0" tIns="0" rIns="0" bIns="0" rtlCol="0">
+                <a:spAutoFit/>
+              </a:bodyPr>
+              <a:lstStyle/>
+              <a:p>
+                <a14:m>
+                  <m:oMathPara xmlns:m="http://schemas.openxmlformats.org/officeDocument/2006/math">
+                    <m:oMathParaPr>
+                      <m:jc m:val="centerGroup"/>
+                    </m:oMathParaPr>
+                    <m:oMath xmlns:m="http://schemas.openxmlformats.org/officeDocument/2006/math">
+                      <m:r>
+                        <a:rPr lang="en-US" altLang="ko-KR" b="1" i="0" smtClean="0">
+                          <a:solidFill>
+                            <a:srgbClr val="FF0000"/>
+                          </a:solidFill>
+                          <a:latin typeface="Cambria Math" panose="02040503050406030204" pitchFamily="18" charset="0"/>
+                        </a:rPr>
+                        <m:t>𝐦</m:t>
+                      </m:r>
+                      <m:r>
+                        <a:rPr lang="en-US" altLang="ko-KR" b="1" i="0" smtClean="0">
+                          <a:solidFill>
+                            <a:srgbClr val="FF0000"/>
+                          </a:solidFill>
+                          <a:latin typeface="Cambria Math" panose="02040503050406030204" pitchFamily="18" charset="0"/>
+                        </a:rPr>
+                        <m:t>=</m:t>
+                      </m:r>
+                      <m:f>
+                        <m:fPr>
+                          <m:ctrlPr>
+                            <a:rPr lang="en-US" altLang="ko-KR" b="1" smtClean="0">
+                              <a:solidFill>
+                                <a:srgbClr val="FF0000"/>
+                              </a:solidFill>
+                              <a:latin typeface="Cambria Math" panose="02040503050406030204" pitchFamily="18" charset="0"/>
+                            </a:rPr>
+                          </m:ctrlPr>
+                        </m:fPr>
+                        <m:num>
+                          <m:r>
+                            <a:rPr lang="en-US" altLang="ko-KR" b="1" i="0" smtClean="0">
+                              <a:solidFill>
+                                <a:srgbClr val="FF0000"/>
+                              </a:solidFill>
+                              <a:latin typeface="Cambria Math" panose="02040503050406030204" pitchFamily="18" charset="0"/>
+                            </a:rPr>
+                            <m:t>𝟏</m:t>
+                          </m:r>
+                        </m:num>
+                        <m:den>
+                          <m:sSub>
+                            <m:sSubPr>
+                              <m:ctrlPr>
+                                <a:rPr lang="en-US" altLang="ko-KR" b="1" smtClean="0">
+                                  <a:solidFill>
+                                    <a:srgbClr val="FF0000"/>
+                                  </a:solidFill>
+                                  <a:latin typeface="Cambria Math" panose="02040503050406030204" pitchFamily="18" charset="0"/>
+                                </a:rPr>
+                              </m:ctrlPr>
+                            </m:sSubPr>
+                            <m:e>
+                              <m:r>
+                                <a:rPr lang="en-US" altLang="ko-KR" b="1" i="0" smtClean="0">
+                                  <a:solidFill>
+                                    <a:srgbClr val="FF0000"/>
+                                  </a:solidFill>
+                                  <a:latin typeface="Cambria Math" panose="02040503050406030204" pitchFamily="18" charset="0"/>
+                                </a:rPr>
+                                <m:t>𝐩</m:t>
+                              </m:r>
+                            </m:e>
+                            <m:sub>
+                              <m:r>
+                                <a:rPr lang="en-US" altLang="ko-KR" b="1" i="0" smtClean="0">
+                                  <a:solidFill>
+                                    <a:srgbClr val="FF0000"/>
+                                  </a:solidFill>
+                                  <a:latin typeface="Cambria Math" panose="02040503050406030204" pitchFamily="18" charset="0"/>
+                                </a:rPr>
+                                <m:t>𝐝</m:t>
+                              </m:r>
+                            </m:sub>
+                          </m:sSub>
+                        </m:den>
+                      </m:f>
+                      <m:r>
+                        <a:rPr lang="en-US" altLang="ko-KR" b="1" i="0" smtClean="0">
+                          <a:solidFill>
+                            <a:srgbClr val="FF0000"/>
+                          </a:solidFill>
+                          <a:latin typeface="Cambria Math" panose="02040503050406030204" pitchFamily="18" charset="0"/>
+                        </a:rPr>
+                        <m:t> :</m:t>
+                      </m:r>
+                      <m:r>
+                        <a:rPr lang="en-US" altLang="ko-KR" b="1" i="0" smtClean="0">
+                          <a:solidFill>
+                            <a:srgbClr val="FF0000"/>
+                          </a:solidFill>
+                          <a:latin typeface="Cambria Math" panose="02040503050406030204" pitchFamily="18" charset="0"/>
+                        </a:rPr>
+                        <m:t>𝐦𝐨𝐝𝐮𝐥𝐞</m:t>
+                      </m:r>
+                    </m:oMath>
+                  </m:oMathPara>
+                </a14:m>
+                <a:endParaRPr lang="ko-KR" altLang="en-US" b="1" dirty="0">
+                  <a:solidFill>
+                    <a:srgbClr val="FF0000"/>
+                  </a:solidFill>
+                </a:endParaRPr>
+              </a:p>
+            </p:txBody>
+          </p:sp>
+        </mc:Choice>
+        <mc:Fallback>
+          <p:sp>
+            <p:nvSpPr>
+              <p:cNvPr id="14" name="TextBox 13">
+                <a:extLst>
+                  <a:ext uri="{FF2B5EF4-FFF2-40B4-BE49-F238E27FC236}">
+                    <a16:creationId xmlns:a16="http://schemas.microsoft.com/office/drawing/2014/main" id="{AC03AD82-4437-48E0-9C56-E2EF49B5AE70}"/>
+                  </a:ext>
+                </a:extLst>
+              </p:cNvPr>
+              <p:cNvSpPr txBox="1">
+                <a:spLocks noRot="1" noChangeAspect="1" noMove="1" noResize="1" noEditPoints="1" noAdjustHandles="1" noChangeArrowheads="1" noChangeShapeType="1" noTextEdit="1"/>
+              </p:cNvSpPr>
+              <p:nvPr/>
+            </p:nvSpPr>
+            <p:spPr>
+              <a:xfrm>
+                <a:off x="8361235" y="2310384"/>
+                <a:ext cx="1901098" cy="567078"/>
+              </a:xfrm>
+              <a:prstGeom prst="rect">
+                <a:avLst/>
+              </a:prstGeom>
+              <a:blipFill>
+                <a:blip r:embed="rId6"/>
+                <a:stretch>
+                  <a:fillRect/>
+                </a:stretch>
+              </a:blipFill>
+            </p:spPr>
+            <p:txBody>
+              <a:bodyPr/>
+              <a:lstStyle/>
+              <a:p>
+                <a:r>
+                  <a:rPr lang="ko-KR" altLang="en-US">
+                    <a:noFill/>
+                  </a:rPr>
+                  <a:t> </a:t>
+                </a:r>
+              </a:p>
+            </p:txBody>
+          </p:sp>
+        </mc:Fallback>
+      </mc:AlternateContent>
+      <mc:AlternateContent xmlns:mc="http://schemas.openxmlformats.org/markup-compatibility/2006">
+        <mc:Choice xmlns:a14="http://schemas.microsoft.com/office/drawing/2010/main" Requires="a14">
+          <p:sp>
+            <p:nvSpPr>
+              <p:cNvPr id="16" name="TextBox 15">
+                <a:extLst>
+                  <a:ext uri="{FF2B5EF4-FFF2-40B4-BE49-F238E27FC236}">
+                    <a16:creationId xmlns:a16="http://schemas.microsoft.com/office/drawing/2014/main" id="{0A99297B-DA53-46FF-ABA0-0F9FA40BCBB4}"/>
+                  </a:ext>
+                </a:extLst>
+              </p:cNvPr>
+              <p:cNvSpPr txBox="1"/>
+              <p:nvPr/>
+            </p:nvSpPr>
+            <p:spPr>
+              <a:xfrm>
+                <a:off x="8260457" y="1016759"/>
+                <a:ext cx="2821874" cy="610873"/>
+              </a:xfrm>
+              <a:prstGeom prst="rect">
+                <a:avLst/>
+              </a:prstGeom>
+              <a:noFill/>
+            </p:spPr>
+            <p:txBody>
+              <a:bodyPr wrap="square">
+                <a:spAutoFit/>
+              </a:bodyPr>
+              <a:lstStyle/>
+              <a:p>
+                <a:pPr/>
+                <a14:m>
+                  <m:oMathPara xmlns:m="http://schemas.openxmlformats.org/officeDocument/2006/math">
+                    <m:oMathParaPr>
+                      <m:jc m:val="centerGroup"/>
+                    </m:oMathParaPr>
+                    <m:oMath xmlns:m="http://schemas.openxmlformats.org/officeDocument/2006/math">
+                      <m:sSub>
+                        <m:sSubPr>
+                          <m:ctrlPr>
+                            <a:rPr lang="en-US" altLang="ko-KR" b="1" smtClean="0">
+                              <a:solidFill>
+                                <a:srgbClr val="FF0000"/>
+                              </a:solidFill>
+                              <a:latin typeface="Cambria Math" panose="02040503050406030204" pitchFamily="18" charset="0"/>
+                            </a:rPr>
+                          </m:ctrlPr>
+                        </m:sSubPr>
+                        <m:e>
+                          <m:r>
+                            <a:rPr lang="en-US" altLang="ko-KR" b="1" i="0" smtClean="0">
+                              <a:solidFill>
+                                <a:srgbClr val="FF0000"/>
+                              </a:solidFill>
+                              <a:latin typeface="Cambria Math" panose="02040503050406030204" pitchFamily="18" charset="0"/>
+                            </a:rPr>
+                            <m:t>𝐩</m:t>
+                          </m:r>
+                        </m:e>
+                        <m:sub>
+                          <m:r>
+                            <a:rPr lang="en-US" altLang="ko-KR" b="1" i="0" smtClean="0">
+                              <a:solidFill>
+                                <a:srgbClr val="FF0000"/>
+                              </a:solidFill>
+                              <a:latin typeface="Cambria Math" panose="02040503050406030204" pitchFamily="18" charset="0"/>
+                            </a:rPr>
+                            <m:t>𝐝</m:t>
+                          </m:r>
+                        </m:sub>
+                      </m:sSub>
+                      <m:r>
+                        <a:rPr lang="en-US" altLang="ko-KR" b="1" i="0" smtClean="0">
+                          <a:solidFill>
+                            <a:srgbClr val="FF0000"/>
+                          </a:solidFill>
+                          <a:latin typeface="Cambria Math" panose="02040503050406030204" pitchFamily="18" charset="0"/>
+                        </a:rPr>
+                        <m:t>=</m:t>
+                      </m:r>
+                      <m:f>
+                        <m:fPr>
+                          <m:ctrlPr>
+                            <a:rPr lang="en-US" altLang="ko-KR" b="1" smtClean="0">
+                              <a:solidFill>
+                                <a:srgbClr val="FF0000"/>
+                              </a:solidFill>
+                              <a:latin typeface="Cambria Math" panose="02040503050406030204" pitchFamily="18" charset="0"/>
+                            </a:rPr>
+                          </m:ctrlPr>
+                        </m:fPr>
+                        <m:num>
+                          <m:r>
+                            <a:rPr lang="en-US" altLang="ko-KR" b="1" i="0" smtClean="0">
+                              <a:solidFill>
+                                <a:srgbClr val="FF0000"/>
+                              </a:solidFill>
+                              <a:latin typeface="Cambria Math" panose="02040503050406030204" pitchFamily="18" charset="0"/>
+                            </a:rPr>
+                            <m:t>𝐍</m:t>
+                          </m:r>
+                        </m:num>
+                        <m:den>
+                          <m:r>
+                            <a:rPr lang="en-US" altLang="ko-KR" b="1" i="0" smtClean="0">
+                              <a:solidFill>
+                                <a:srgbClr val="FF0000"/>
+                              </a:solidFill>
+                              <a:latin typeface="Cambria Math" panose="02040503050406030204" pitchFamily="18" charset="0"/>
+                            </a:rPr>
+                            <m:t>𝐝</m:t>
+                          </m:r>
+                        </m:den>
+                      </m:f>
+                      <m:r>
+                        <a:rPr lang="en-US" altLang="ko-KR" b="1" i="0" smtClean="0">
+                          <a:solidFill>
+                            <a:srgbClr val="FF0000"/>
+                          </a:solidFill>
+                          <a:latin typeface="Cambria Math" panose="02040503050406030204" pitchFamily="18" charset="0"/>
+                        </a:rPr>
+                        <m:t> :</m:t>
+                      </m:r>
+                      <m:r>
+                        <a:rPr lang="en-US" altLang="ko-KR" b="1" i="0" smtClean="0">
+                          <a:solidFill>
+                            <a:srgbClr val="FF0000"/>
+                          </a:solidFill>
+                          <a:latin typeface="Cambria Math" panose="02040503050406030204" pitchFamily="18" charset="0"/>
+                        </a:rPr>
+                        <m:t>𝐝𝐢𝐚𝐦𝐞𝐭𝐫𝐚𝐥</m:t>
+                      </m:r>
+                      <m:r>
+                        <a:rPr lang="en-US" altLang="ko-KR" b="1" i="0" smtClean="0">
+                          <a:solidFill>
+                            <a:srgbClr val="FF0000"/>
+                          </a:solidFill>
+                          <a:latin typeface="Cambria Math" panose="02040503050406030204" pitchFamily="18" charset="0"/>
+                        </a:rPr>
+                        <m:t> </m:t>
+                      </m:r>
+                      <m:r>
+                        <a:rPr lang="en-US" altLang="ko-KR" b="1" i="0" smtClean="0">
+                          <a:solidFill>
+                            <a:srgbClr val="FF0000"/>
+                          </a:solidFill>
+                          <a:latin typeface="Cambria Math" panose="02040503050406030204" pitchFamily="18" charset="0"/>
+                        </a:rPr>
+                        <m:t>𝐩𝐢𝐭𝐜𝐡</m:t>
+                      </m:r>
+                    </m:oMath>
+                  </m:oMathPara>
+                </a14:m>
+                <a:endParaRPr lang="ko-KR" altLang="en-US" b="1" dirty="0"/>
+              </a:p>
+            </p:txBody>
+          </p:sp>
+        </mc:Choice>
+        <mc:Fallback>
+          <p:sp>
+            <p:nvSpPr>
+              <p:cNvPr id="16" name="TextBox 15">
+                <a:extLst>
+                  <a:ext uri="{FF2B5EF4-FFF2-40B4-BE49-F238E27FC236}">
+                    <a16:creationId xmlns:a16="http://schemas.microsoft.com/office/drawing/2014/main" id="{0A99297B-DA53-46FF-ABA0-0F9FA40BCBB4}"/>
+                  </a:ext>
+                </a:extLst>
+              </p:cNvPr>
+              <p:cNvSpPr txBox="1">
+                <a:spLocks noRot="1" noChangeAspect="1" noMove="1" noResize="1" noEditPoints="1" noAdjustHandles="1" noChangeArrowheads="1" noChangeShapeType="1" noTextEdit="1"/>
+              </p:cNvSpPr>
+              <p:nvPr/>
+            </p:nvSpPr>
+            <p:spPr>
+              <a:xfrm>
+                <a:off x="8260457" y="1016759"/>
+                <a:ext cx="2821874" cy="610873"/>
+              </a:xfrm>
+              <a:prstGeom prst="rect">
+                <a:avLst/>
+              </a:prstGeom>
+              <a:blipFill>
+                <a:blip r:embed="rId7"/>
+                <a:stretch>
+                  <a:fillRect/>
+                </a:stretch>
+              </a:blipFill>
+            </p:spPr>
+            <p:txBody>
+              <a:bodyPr/>
+              <a:lstStyle/>
+              <a:p>
+                <a:r>
+                  <a:rPr lang="ko-KR" altLang="en-US">
+                    <a:noFill/>
+                  </a:rPr>
+                  <a:t> </a:t>
+                </a:r>
+              </a:p>
+            </p:txBody>
+          </p:sp>
+        </mc:Fallback>
+      </mc:AlternateContent>
+      <mc:AlternateContent xmlns:mc="http://schemas.openxmlformats.org/markup-compatibility/2006">
+        <mc:Choice xmlns:a14="http://schemas.microsoft.com/office/drawing/2010/main" Requires="a14">
+          <p:sp>
+            <p:nvSpPr>
+              <p:cNvPr id="17" name="TextBox 16">
+                <a:extLst>
+                  <a:ext uri="{FF2B5EF4-FFF2-40B4-BE49-F238E27FC236}">
+                    <a16:creationId xmlns:a16="http://schemas.microsoft.com/office/drawing/2014/main" id="{4F9F6558-66CB-4676-AD5F-AD0BB776B083}"/>
+                  </a:ext>
+                </a:extLst>
+              </p:cNvPr>
+              <p:cNvSpPr txBox="1"/>
+              <p:nvPr/>
+            </p:nvSpPr>
+            <p:spPr>
+              <a:xfrm>
+                <a:off x="8257409" y="1635503"/>
+                <a:ext cx="2821874" cy="616644"/>
+              </a:xfrm>
+              <a:prstGeom prst="rect">
+                <a:avLst/>
+              </a:prstGeom>
+              <a:noFill/>
+            </p:spPr>
+            <p:txBody>
+              <a:bodyPr wrap="square">
+                <a:spAutoFit/>
+              </a:bodyPr>
+              <a:lstStyle/>
+              <a:p>
+                <a:pPr/>
+                <a14:m>
+                  <m:oMathPara xmlns:m="http://schemas.openxmlformats.org/officeDocument/2006/math">
+                    <m:oMathParaPr>
+                      <m:jc m:val="centerGroup"/>
+                    </m:oMathParaPr>
+                    <m:oMath xmlns:m="http://schemas.openxmlformats.org/officeDocument/2006/math">
+                      <m:sSub>
+                        <m:sSubPr>
+                          <m:ctrlPr>
+                            <a:rPr lang="en-US" altLang="ko-KR" b="1" smtClean="0">
+                              <a:solidFill>
+                                <a:srgbClr val="FF0000"/>
+                              </a:solidFill>
+                              <a:latin typeface="Cambria Math" panose="02040503050406030204" pitchFamily="18" charset="0"/>
+                            </a:rPr>
+                          </m:ctrlPr>
+                        </m:sSubPr>
+                        <m:e>
+                          <m:r>
+                            <a:rPr lang="en-US" altLang="ko-KR" b="1" i="0" smtClean="0">
+                              <a:solidFill>
+                                <a:srgbClr val="FF0000"/>
+                              </a:solidFill>
+                              <a:latin typeface="Cambria Math" panose="02040503050406030204" pitchFamily="18" charset="0"/>
+                            </a:rPr>
+                            <m:t>𝐩</m:t>
+                          </m:r>
+                        </m:e>
+                        <m:sub>
+                          <m:r>
+                            <a:rPr lang="en-US" altLang="ko-KR" b="1" i="0" smtClean="0">
+                              <a:solidFill>
+                                <a:srgbClr val="FF0000"/>
+                              </a:solidFill>
+                              <a:latin typeface="Cambria Math" panose="02040503050406030204" pitchFamily="18" charset="0"/>
+                            </a:rPr>
+                            <m:t>𝐜</m:t>
+                          </m:r>
+                        </m:sub>
+                      </m:sSub>
+                      <m:r>
+                        <a:rPr lang="en-US" altLang="ko-KR" b="1" i="0" smtClean="0">
+                          <a:solidFill>
+                            <a:srgbClr val="FF0000"/>
+                          </a:solidFill>
+                          <a:latin typeface="Cambria Math" panose="02040503050406030204" pitchFamily="18" charset="0"/>
+                        </a:rPr>
+                        <m:t>=</m:t>
+                      </m:r>
+                      <m:f>
+                        <m:fPr>
+                          <m:ctrlPr>
+                            <a:rPr lang="en-US" altLang="ko-KR" b="1" smtClean="0">
+                              <a:solidFill>
+                                <a:srgbClr val="FF0000"/>
+                              </a:solidFill>
+                              <a:latin typeface="Cambria Math" panose="02040503050406030204" pitchFamily="18" charset="0"/>
+                            </a:rPr>
+                          </m:ctrlPr>
+                        </m:fPr>
+                        <m:num>
+                          <m:r>
+                            <a:rPr lang="en-US" altLang="ko-KR" b="1" i="0" smtClean="0">
+                              <a:solidFill>
+                                <a:srgbClr val="FF0000"/>
+                              </a:solidFill>
+                              <a:latin typeface="Cambria Math" panose="02040503050406030204" pitchFamily="18" charset="0"/>
+                            </a:rPr>
+                            <m:t>𝛑</m:t>
+                          </m:r>
+                          <m:r>
+                            <a:rPr lang="en-US" altLang="ko-KR" b="1" i="0" smtClean="0">
+                              <a:solidFill>
+                                <a:srgbClr val="FF0000"/>
+                              </a:solidFill>
+                              <a:latin typeface="Cambria Math" panose="02040503050406030204" pitchFamily="18" charset="0"/>
+                            </a:rPr>
+                            <m:t>𝐝</m:t>
+                          </m:r>
+                        </m:num>
+                        <m:den>
+                          <m:r>
+                            <a:rPr lang="en-US" altLang="ko-KR" b="1" i="0" smtClean="0">
+                              <a:solidFill>
+                                <a:srgbClr val="FF0000"/>
+                              </a:solidFill>
+                              <a:latin typeface="Cambria Math" panose="02040503050406030204" pitchFamily="18" charset="0"/>
+                            </a:rPr>
+                            <m:t>𝐍</m:t>
+                          </m:r>
+                        </m:den>
+                      </m:f>
+                      <m:r>
+                        <a:rPr lang="en-US" altLang="ko-KR" b="1" i="0" smtClean="0">
+                          <a:solidFill>
+                            <a:srgbClr val="FF0000"/>
+                          </a:solidFill>
+                          <a:latin typeface="Cambria Math" panose="02040503050406030204" pitchFamily="18" charset="0"/>
+                        </a:rPr>
+                        <m:t> :</m:t>
+                      </m:r>
+                      <m:r>
+                        <a:rPr lang="en-US" altLang="ko-KR" b="1" i="0" smtClean="0">
+                          <a:solidFill>
+                            <a:srgbClr val="FF0000"/>
+                          </a:solidFill>
+                          <a:latin typeface="Cambria Math" panose="02040503050406030204" pitchFamily="18" charset="0"/>
+                        </a:rPr>
+                        <m:t>𝐜𝐢𝐫𝐜𝐮𝐥𝐚𝐫</m:t>
+                      </m:r>
+                      <m:r>
+                        <a:rPr lang="en-US" altLang="ko-KR" b="1" i="0" smtClean="0">
+                          <a:solidFill>
+                            <a:srgbClr val="FF0000"/>
+                          </a:solidFill>
+                          <a:latin typeface="Cambria Math" panose="02040503050406030204" pitchFamily="18" charset="0"/>
+                        </a:rPr>
+                        <m:t> </m:t>
+                      </m:r>
+                      <m:r>
+                        <a:rPr lang="en-US" altLang="ko-KR" b="1" i="0" smtClean="0">
+                          <a:solidFill>
+                            <a:srgbClr val="FF0000"/>
+                          </a:solidFill>
+                          <a:latin typeface="Cambria Math" panose="02040503050406030204" pitchFamily="18" charset="0"/>
+                        </a:rPr>
+                        <m:t>𝐩𝐢𝐭𝐜𝐡</m:t>
+                      </m:r>
+                    </m:oMath>
+                  </m:oMathPara>
+                </a14:m>
+                <a:endParaRPr lang="ko-KR" altLang="en-US" b="1" dirty="0"/>
+              </a:p>
+            </p:txBody>
+          </p:sp>
+        </mc:Choice>
+        <mc:Fallback>
+          <p:sp>
+            <p:nvSpPr>
+              <p:cNvPr id="17" name="TextBox 16">
+                <a:extLst>
+                  <a:ext uri="{FF2B5EF4-FFF2-40B4-BE49-F238E27FC236}">
+                    <a16:creationId xmlns:a16="http://schemas.microsoft.com/office/drawing/2014/main" id="{4F9F6558-66CB-4676-AD5F-AD0BB776B083}"/>
+                  </a:ext>
+                </a:extLst>
+              </p:cNvPr>
+              <p:cNvSpPr txBox="1">
+                <a:spLocks noRot="1" noChangeAspect="1" noMove="1" noResize="1" noEditPoints="1" noAdjustHandles="1" noChangeArrowheads="1" noChangeShapeType="1" noTextEdit="1"/>
+              </p:cNvSpPr>
+              <p:nvPr/>
+            </p:nvSpPr>
+            <p:spPr>
+              <a:xfrm>
+                <a:off x="8257409" y="1635503"/>
+                <a:ext cx="2821874" cy="616644"/>
+              </a:xfrm>
+              <a:prstGeom prst="rect">
+                <a:avLst/>
+              </a:prstGeom>
+              <a:blipFill>
+                <a:blip r:embed="rId8"/>
+                <a:stretch>
+                  <a:fillRect/>
+                </a:stretch>
+              </a:blipFill>
+            </p:spPr>
+            <p:txBody>
+              <a:bodyPr/>
+              <a:lstStyle/>
+              <a:p>
+                <a:r>
+                  <a:rPr lang="ko-KR" altLang="en-US">
+                    <a:noFill/>
+                  </a:rPr>
+                  <a:t> </a:t>
+                </a:r>
+              </a:p>
+            </p:txBody>
+          </p:sp>
+        </mc:Fallback>
+      </mc:AlternateContent>
+      <mc:AlternateContent xmlns:mc="http://schemas.openxmlformats.org/markup-compatibility/2006">
+        <mc:Choice xmlns:a14="http://schemas.microsoft.com/office/drawing/2010/main" Requires="a14">
+          <p:sp>
+            <p:nvSpPr>
+              <p:cNvPr id="19" name="TextBox 18">
+                <a:extLst>
+                  <a:ext uri="{FF2B5EF4-FFF2-40B4-BE49-F238E27FC236}">
+                    <a16:creationId xmlns:a16="http://schemas.microsoft.com/office/drawing/2014/main" id="{E4E226E8-C78A-4C62-9A7B-A750823715AA}"/>
+                  </a:ext>
+                </a:extLst>
+              </p:cNvPr>
+              <p:cNvSpPr txBox="1"/>
+              <p:nvPr/>
+            </p:nvSpPr>
+            <p:spPr>
+              <a:xfrm>
+                <a:off x="4367783" y="2805406"/>
+                <a:ext cx="551368" cy="276999"/>
+              </a:xfrm>
+              <a:prstGeom prst="rect">
+                <a:avLst/>
+              </a:prstGeom>
+              <a:noFill/>
+            </p:spPr>
+            <p:txBody>
+              <a:bodyPr wrap="none" lIns="0" tIns="0" rIns="0" bIns="0" rtlCol="0">
+                <a:spAutoFit/>
+              </a:bodyPr>
+              <a:lstStyle/>
+              <a:p>
+                <a14:m>
+                  <m:oMathPara xmlns:m="http://schemas.openxmlformats.org/officeDocument/2006/math">
+                    <m:oMathParaPr>
+                      <m:jc m:val="centerGroup"/>
+                    </m:oMathParaPr>
+                    <m:oMath xmlns:m="http://schemas.openxmlformats.org/officeDocument/2006/math">
+                      <m:r>
+                        <a:rPr lang="en-US" altLang="ko-KR" b="1" i="0" smtClean="0">
+                          <a:solidFill>
+                            <a:srgbClr val="FF0000"/>
+                          </a:solidFill>
+                          <a:latin typeface="Cambria Math" panose="02040503050406030204" pitchFamily="18" charset="0"/>
+                        </a:rPr>
+                        <m:t>=</m:t>
+                      </m:r>
+                      <m:sSub>
+                        <m:sSubPr>
+                          <m:ctrlPr>
+                            <a:rPr lang="en-US" altLang="ko-KR" b="1" i="0" smtClean="0">
+                              <a:solidFill>
+                                <a:srgbClr val="FF0000"/>
+                              </a:solidFill>
+                              <a:latin typeface="Cambria Math" panose="02040503050406030204" pitchFamily="18" charset="0"/>
+                            </a:rPr>
+                          </m:ctrlPr>
+                        </m:sSubPr>
+                        <m:e>
+                          <m:r>
+                            <a:rPr lang="en-US" altLang="ko-KR" b="1" i="0" smtClean="0">
+                              <a:solidFill>
+                                <a:srgbClr val="FF0000"/>
+                              </a:solidFill>
+                              <a:latin typeface="Cambria Math" panose="02040503050406030204" pitchFamily="18" charset="0"/>
+                            </a:rPr>
+                            <m:t>𝐩</m:t>
+                          </m:r>
+                        </m:e>
+                        <m:sub>
+                          <m:r>
+                            <a:rPr lang="en-US" altLang="ko-KR" b="1" i="0" smtClean="0">
+                              <a:solidFill>
+                                <a:srgbClr val="FF0000"/>
+                              </a:solidFill>
+                              <a:latin typeface="Cambria Math" panose="02040503050406030204" pitchFamily="18" charset="0"/>
+                            </a:rPr>
+                            <m:t>𝐜</m:t>
+                          </m:r>
+                        </m:sub>
+                      </m:sSub>
+                    </m:oMath>
+                  </m:oMathPara>
+                </a14:m>
+                <a:endParaRPr lang="ko-KR" altLang="en-US" b="1" dirty="0">
+                  <a:solidFill>
+                    <a:srgbClr val="FF0000"/>
+                  </a:solidFill>
+                </a:endParaRPr>
+              </a:p>
+            </p:txBody>
+          </p:sp>
+        </mc:Choice>
+        <mc:Fallback>
+          <p:sp>
+            <p:nvSpPr>
+              <p:cNvPr id="19" name="TextBox 18">
+                <a:extLst>
+                  <a:ext uri="{FF2B5EF4-FFF2-40B4-BE49-F238E27FC236}">
+                    <a16:creationId xmlns:a16="http://schemas.microsoft.com/office/drawing/2014/main" id="{E4E226E8-C78A-4C62-9A7B-A750823715AA}"/>
+                  </a:ext>
+                </a:extLst>
+              </p:cNvPr>
+              <p:cNvSpPr txBox="1">
+                <a:spLocks noRot="1" noChangeAspect="1" noMove="1" noResize="1" noEditPoints="1" noAdjustHandles="1" noChangeArrowheads="1" noChangeShapeType="1" noTextEdit="1"/>
+              </p:cNvSpPr>
+              <p:nvPr/>
+            </p:nvSpPr>
+            <p:spPr>
+              <a:xfrm>
+                <a:off x="4367783" y="2805406"/>
+                <a:ext cx="551368" cy="276999"/>
+              </a:xfrm>
+              <a:prstGeom prst="rect">
+                <a:avLst/>
+              </a:prstGeom>
+              <a:blipFill>
+                <a:blip r:embed="rId9"/>
+                <a:stretch>
+                  <a:fillRect l="-1099" b="-30435"/>
+                </a:stretch>
+              </a:blipFill>
+            </p:spPr>
+            <p:txBody>
+              <a:bodyPr/>
+              <a:lstStyle/>
+              <a:p>
+                <a:r>
+                  <a:rPr lang="ko-KR" altLang="en-US">
+                    <a:noFill/>
+                  </a:rPr>
+                  <a:t> </a:t>
+                </a:r>
+              </a:p>
+            </p:txBody>
+          </p:sp>
+        </mc:Fallback>
+      </mc:AlternateContent>
+      <mc:AlternateContent xmlns:mc="http://schemas.openxmlformats.org/markup-compatibility/2006">
+        <mc:Choice xmlns:a14="http://schemas.microsoft.com/office/drawing/2010/main" Requires="a14">
+          <p:sp>
+            <p:nvSpPr>
+              <p:cNvPr id="20" name="TextBox 19">
+                <a:extLst>
+                  <a:ext uri="{FF2B5EF4-FFF2-40B4-BE49-F238E27FC236}">
+                    <a16:creationId xmlns:a16="http://schemas.microsoft.com/office/drawing/2014/main" id="{5B622541-5CAC-4821-A3A8-EC43F0E1C573}"/>
+                  </a:ext>
+                </a:extLst>
+              </p:cNvPr>
+              <p:cNvSpPr txBox="1"/>
+              <p:nvPr/>
+            </p:nvSpPr>
+            <p:spPr>
+              <a:xfrm>
+                <a:off x="8300081" y="3708143"/>
+                <a:ext cx="2821874" cy="610873"/>
+              </a:xfrm>
+              <a:prstGeom prst="rect">
+                <a:avLst/>
+              </a:prstGeom>
+              <a:noFill/>
+            </p:spPr>
+            <p:txBody>
+              <a:bodyPr wrap="square">
+                <a:spAutoFit/>
+              </a:bodyPr>
+              <a:lstStyle/>
+              <a:p>
+                <a:pPr/>
+                <a14:m>
+                  <m:oMathPara xmlns:m="http://schemas.openxmlformats.org/officeDocument/2006/math">
+                    <m:oMathParaPr>
+                      <m:jc m:val="left"/>
+                    </m:oMathParaPr>
+                    <m:oMath xmlns:m="http://schemas.openxmlformats.org/officeDocument/2006/math">
+                      <m:r>
+                        <a:rPr lang="en-US" altLang="ko-KR" b="1" i="0" smtClean="0">
+                          <a:solidFill>
+                            <a:srgbClr val="FF0000"/>
+                          </a:solidFill>
+                          <a:latin typeface="Cambria Math" panose="02040503050406030204" pitchFamily="18" charset="0"/>
+                        </a:rPr>
+                        <m:t>𝐂</m:t>
+                      </m:r>
+                      <m:r>
+                        <a:rPr lang="en-US" altLang="ko-KR" b="1" i="0" smtClean="0">
+                          <a:solidFill>
+                            <a:srgbClr val="FF0000"/>
+                          </a:solidFill>
+                          <a:latin typeface="Cambria Math" panose="02040503050406030204" pitchFamily="18" charset="0"/>
+                        </a:rPr>
+                        <m:t>=</m:t>
+                      </m:r>
+                      <m:f>
+                        <m:fPr>
+                          <m:ctrlPr>
+                            <a:rPr lang="en-US" altLang="ko-KR" b="1" smtClean="0">
+                              <a:solidFill>
+                                <a:srgbClr val="FF0000"/>
+                              </a:solidFill>
+                              <a:latin typeface="Cambria Math" panose="02040503050406030204" pitchFamily="18" charset="0"/>
+                            </a:rPr>
+                          </m:ctrlPr>
+                        </m:fPr>
+                        <m:num>
+                          <m:sSub>
+                            <m:sSubPr>
+                              <m:ctrlPr>
+                                <a:rPr lang="en-US" altLang="ko-KR" b="1" smtClean="0">
+                                  <a:solidFill>
+                                    <a:srgbClr val="FF0000"/>
+                                  </a:solidFill>
+                                  <a:latin typeface="Cambria Math" panose="02040503050406030204" pitchFamily="18" charset="0"/>
+                                </a:rPr>
+                              </m:ctrlPr>
+                            </m:sSubPr>
+                            <m:e>
+                              <m:r>
+                                <a:rPr lang="en-US" altLang="ko-KR" b="1" i="0" smtClean="0">
+                                  <a:solidFill>
+                                    <a:srgbClr val="FF0000"/>
+                                  </a:solidFill>
+                                  <a:latin typeface="Cambria Math" panose="02040503050406030204" pitchFamily="18" charset="0"/>
+                                </a:rPr>
+                                <m:t>𝐏</m:t>
+                              </m:r>
+                            </m:e>
+                            <m:sub>
+                              <m:r>
+                                <a:rPr lang="en-US" altLang="ko-KR" b="1" i="0" smtClean="0">
+                                  <a:solidFill>
+                                    <a:srgbClr val="FF0000"/>
+                                  </a:solidFill>
+                                  <a:latin typeface="Cambria Math" panose="02040503050406030204" pitchFamily="18" charset="0"/>
+                                </a:rPr>
+                                <m:t>𝐜</m:t>
+                              </m:r>
+                            </m:sub>
+                          </m:sSub>
+                        </m:num>
+                        <m:den>
+                          <m:r>
+                            <a:rPr lang="en-US" altLang="ko-KR" b="1" i="0" smtClean="0">
+                              <a:solidFill>
+                                <a:srgbClr val="FF0000"/>
+                              </a:solidFill>
+                              <a:latin typeface="Cambria Math" panose="02040503050406030204" pitchFamily="18" charset="0"/>
+                            </a:rPr>
+                            <m:t>𝟐𝟎</m:t>
+                          </m:r>
+                        </m:den>
+                      </m:f>
+                      <m:r>
+                        <a:rPr lang="en-US" altLang="ko-KR" b="1" i="0" smtClean="0">
+                          <a:solidFill>
+                            <a:srgbClr val="FF0000"/>
+                          </a:solidFill>
+                          <a:latin typeface="Cambria Math" panose="02040503050406030204" pitchFamily="18" charset="0"/>
+                        </a:rPr>
+                        <m:t> :</m:t>
+                      </m:r>
+                      <m:r>
+                        <a:rPr lang="en-US" altLang="ko-KR" b="1" i="0" smtClean="0">
+                          <a:solidFill>
+                            <a:srgbClr val="FF0000"/>
+                          </a:solidFill>
+                          <a:latin typeface="Cambria Math" panose="02040503050406030204" pitchFamily="18" charset="0"/>
+                        </a:rPr>
+                        <m:t>𝐂𝐥𝐞𝐚𝐫𝐚𝐧𝐜𝐞</m:t>
+                      </m:r>
+                    </m:oMath>
+                  </m:oMathPara>
+                </a14:m>
+                <a:endParaRPr lang="ko-KR" altLang="en-US" b="1" dirty="0"/>
+              </a:p>
+            </p:txBody>
+          </p:sp>
+        </mc:Choice>
+        <mc:Fallback>
+          <p:sp>
+            <p:nvSpPr>
+              <p:cNvPr id="20" name="TextBox 19">
+                <a:extLst>
+                  <a:ext uri="{FF2B5EF4-FFF2-40B4-BE49-F238E27FC236}">
+                    <a16:creationId xmlns:a16="http://schemas.microsoft.com/office/drawing/2014/main" id="{5B622541-5CAC-4821-A3A8-EC43F0E1C573}"/>
+                  </a:ext>
+                </a:extLst>
+              </p:cNvPr>
+              <p:cNvSpPr txBox="1">
+                <a:spLocks noRot="1" noChangeAspect="1" noMove="1" noResize="1" noEditPoints="1" noAdjustHandles="1" noChangeArrowheads="1" noChangeShapeType="1" noTextEdit="1"/>
+              </p:cNvSpPr>
+              <p:nvPr/>
+            </p:nvSpPr>
+            <p:spPr>
+              <a:xfrm>
+                <a:off x="8300081" y="3708143"/>
+                <a:ext cx="2821874" cy="610873"/>
+              </a:xfrm>
+              <a:prstGeom prst="rect">
+                <a:avLst/>
+              </a:prstGeom>
+              <a:blipFill>
+                <a:blip r:embed="rId10"/>
+                <a:stretch>
+                  <a:fillRect/>
+                </a:stretch>
+              </a:blipFill>
+            </p:spPr>
+            <p:txBody>
+              <a:bodyPr/>
+              <a:lstStyle/>
+              <a:p>
+                <a:r>
+                  <a:rPr lang="ko-KR" altLang="en-US">
+                    <a:noFill/>
+                  </a:rPr>
+                  <a:t> </a:t>
+                </a:r>
+              </a:p>
+            </p:txBody>
+          </p:sp>
+        </mc:Fallback>
+      </mc:AlternateContent>
+      <mc:AlternateContent xmlns:mc="http://schemas.openxmlformats.org/markup-compatibility/2006">
+        <mc:Choice xmlns:a14="http://schemas.microsoft.com/office/drawing/2010/main" Requires="a14">
+          <p:sp>
+            <p:nvSpPr>
+              <p:cNvPr id="21" name="TextBox 20">
+                <a:extLst>
+                  <a:ext uri="{FF2B5EF4-FFF2-40B4-BE49-F238E27FC236}">
+                    <a16:creationId xmlns:a16="http://schemas.microsoft.com/office/drawing/2014/main" id="{B97AA5A2-4344-4B08-BC2E-386D2B960E60}"/>
+                  </a:ext>
+                </a:extLst>
+              </p:cNvPr>
+              <p:cNvSpPr txBox="1"/>
+              <p:nvPr/>
+            </p:nvSpPr>
+            <p:spPr>
+              <a:xfrm>
+                <a:off x="8361235" y="2991713"/>
+                <a:ext cx="2821874" cy="610873"/>
+              </a:xfrm>
+              <a:prstGeom prst="rect">
+                <a:avLst/>
+              </a:prstGeom>
+              <a:noFill/>
+            </p:spPr>
+            <p:txBody>
+              <a:bodyPr wrap="square">
+                <a:spAutoFit/>
+              </a:bodyPr>
+              <a:lstStyle/>
+              <a:p>
+                <a:pPr/>
+                <a14:m>
+                  <m:oMathPara xmlns:m="http://schemas.openxmlformats.org/officeDocument/2006/math">
+                    <m:oMathParaPr>
+                      <m:jc m:val="left"/>
+                    </m:oMathParaPr>
+                    <m:oMath xmlns:m="http://schemas.openxmlformats.org/officeDocument/2006/math">
+                      <m:r>
+                        <a:rPr lang="en-US" altLang="ko-KR" b="1" i="0" smtClean="0">
+                          <a:solidFill>
+                            <a:srgbClr val="FF0000"/>
+                          </a:solidFill>
+                          <a:latin typeface="Cambria Math" panose="02040503050406030204" pitchFamily="18" charset="0"/>
+                        </a:rPr>
+                        <m:t>𝐭</m:t>
+                      </m:r>
+                      <m:r>
+                        <a:rPr lang="en-US" altLang="ko-KR" b="1" i="0" smtClean="0">
+                          <a:solidFill>
+                            <a:srgbClr val="FF0000"/>
+                          </a:solidFill>
+                          <a:latin typeface="Cambria Math" panose="02040503050406030204" pitchFamily="18" charset="0"/>
+                        </a:rPr>
+                        <m:t>=</m:t>
+                      </m:r>
+                      <m:f>
+                        <m:fPr>
+                          <m:ctrlPr>
+                            <a:rPr lang="en-US" altLang="ko-KR" b="1" smtClean="0">
+                              <a:solidFill>
+                                <a:srgbClr val="FF0000"/>
+                              </a:solidFill>
+                              <a:latin typeface="Cambria Math" panose="02040503050406030204" pitchFamily="18" charset="0"/>
+                            </a:rPr>
+                          </m:ctrlPr>
+                        </m:fPr>
+                        <m:num>
+                          <m:sSub>
+                            <m:sSubPr>
+                              <m:ctrlPr>
+                                <a:rPr lang="en-US" altLang="ko-KR" b="1" smtClean="0">
+                                  <a:solidFill>
+                                    <a:srgbClr val="FF0000"/>
+                                  </a:solidFill>
+                                  <a:latin typeface="Cambria Math" panose="02040503050406030204" pitchFamily="18" charset="0"/>
+                                </a:rPr>
+                              </m:ctrlPr>
+                            </m:sSubPr>
+                            <m:e>
+                              <m:r>
+                                <a:rPr lang="en-US" altLang="ko-KR" b="1" i="0" smtClean="0">
+                                  <a:solidFill>
+                                    <a:srgbClr val="FF0000"/>
+                                  </a:solidFill>
+                                  <a:latin typeface="Cambria Math" panose="02040503050406030204" pitchFamily="18" charset="0"/>
+                                </a:rPr>
+                                <m:t>𝐏</m:t>
+                              </m:r>
+                            </m:e>
+                            <m:sub>
+                              <m:r>
+                                <a:rPr lang="en-US" altLang="ko-KR" b="1" i="0" smtClean="0">
+                                  <a:solidFill>
+                                    <a:srgbClr val="FF0000"/>
+                                  </a:solidFill>
+                                  <a:latin typeface="Cambria Math" panose="02040503050406030204" pitchFamily="18" charset="0"/>
+                                </a:rPr>
+                                <m:t>𝐜</m:t>
+                              </m:r>
+                            </m:sub>
+                          </m:sSub>
+                        </m:num>
+                        <m:den>
+                          <m:r>
+                            <a:rPr lang="en-US" altLang="ko-KR" b="1" i="0" smtClean="0">
+                              <a:solidFill>
+                                <a:srgbClr val="FF0000"/>
+                              </a:solidFill>
+                              <a:latin typeface="Cambria Math" panose="02040503050406030204" pitchFamily="18" charset="0"/>
+                            </a:rPr>
+                            <m:t>𝟐</m:t>
+                          </m:r>
+                        </m:den>
+                      </m:f>
+                      <m:r>
+                        <a:rPr lang="en-US" altLang="ko-KR" b="1" i="0" smtClean="0">
+                          <a:solidFill>
+                            <a:srgbClr val="FF0000"/>
+                          </a:solidFill>
+                          <a:latin typeface="Cambria Math" panose="02040503050406030204" pitchFamily="18" charset="0"/>
+                        </a:rPr>
+                        <m:t> :</m:t>
+                      </m:r>
+                      <m:r>
+                        <a:rPr lang="en-US" altLang="ko-KR" b="1" i="0" smtClean="0">
+                          <a:solidFill>
+                            <a:srgbClr val="FF0000"/>
+                          </a:solidFill>
+                          <a:latin typeface="Cambria Math" panose="02040503050406030204" pitchFamily="18" charset="0"/>
+                        </a:rPr>
+                        <m:t>𝐂𝐥𝐞𝐚𝐫𝐚𝐧𝐜𝐞</m:t>
+                      </m:r>
+                    </m:oMath>
+                  </m:oMathPara>
+                </a14:m>
+                <a:endParaRPr lang="ko-KR" altLang="en-US" b="1" dirty="0"/>
+              </a:p>
+            </p:txBody>
+          </p:sp>
+        </mc:Choice>
+        <mc:Fallback>
+          <p:sp>
+            <p:nvSpPr>
+              <p:cNvPr id="21" name="TextBox 20">
+                <a:extLst>
+                  <a:ext uri="{FF2B5EF4-FFF2-40B4-BE49-F238E27FC236}">
+                    <a16:creationId xmlns:a16="http://schemas.microsoft.com/office/drawing/2014/main" id="{B97AA5A2-4344-4B08-BC2E-386D2B960E60}"/>
+                  </a:ext>
+                </a:extLst>
+              </p:cNvPr>
+              <p:cNvSpPr txBox="1">
+                <a:spLocks noRot="1" noChangeAspect="1" noMove="1" noResize="1" noEditPoints="1" noAdjustHandles="1" noChangeArrowheads="1" noChangeShapeType="1" noTextEdit="1"/>
+              </p:cNvSpPr>
+              <p:nvPr/>
+            </p:nvSpPr>
+            <p:spPr>
+              <a:xfrm>
+                <a:off x="8361235" y="2991713"/>
+                <a:ext cx="2821874" cy="610873"/>
+              </a:xfrm>
+              <a:prstGeom prst="rect">
+                <a:avLst/>
+              </a:prstGeom>
+              <a:blipFill>
+                <a:blip r:embed="rId11"/>
+                <a:stretch>
+                  <a:fillRect/>
+                </a:stretch>
+              </a:blipFill>
+            </p:spPr>
+            <p:txBody>
+              <a:bodyPr/>
+              <a:lstStyle/>
+              <a:p>
+                <a:r>
+                  <a:rPr lang="ko-KR" altLang="en-US">
+                    <a:noFill/>
+                  </a:rPr>
+                  <a:t> </a:t>
+                </a:r>
+              </a:p>
+            </p:txBody>
+          </p:sp>
+        </mc:Fallback>
+      </mc:AlternateContent>
+      <mc:AlternateContent xmlns:mc="http://schemas.openxmlformats.org/markup-compatibility/2006">
+        <mc:Choice xmlns:a14="http://schemas.microsoft.com/office/drawing/2010/main" Requires="a14">
+          <p:sp>
+            <p:nvSpPr>
+              <p:cNvPr id="22" name="TextBox 21">
+                <a:extLst>
+                  <a:ext uri="{FF2B5EF4-FFF2-40B4-BE49-F238E27FC236}">
+                    <a16:creationId xmlns:a16="http://schemas.microsoft.com/office/drawing/2014/main" id="{85EAECC7-8F23-4BBB-B863-9BA68E9AC38A}"/>
+                  </a:ext>
+                </a:extLst>
+              </p:cNvPr>
+              <p:cNvSpPr txBox="1"/>
+              <p:nvPr/>
+            </p:nvSpPr>
+            <p:spPr>
+              <a:xfrm>
+                <a:off x="3624071" y="516358"/>
+                <a:ext cx="466473" cy="276999"/>
+              </a:xfrm>
+              <a:prstGeom prst="rect">
+                <a:avLst/>
+              </a:prstGeom>
+              <a:noFill/>
+            </p:spPr>
+            <p:txBody>
+              <a:bodyPr wrap="none" lIns="0" tIns="0" rIns="0" bIns="0" rtlCol="0">
+                <a:spAutoFit/>
+              </a:bodyPr>
+              <a:lstStyle/>
+              <a:p>
+                <a14:m>
+                  <m:oMathPara xmlns:m="http://schemas.openxmlformats.org/officeDocument/2006/math">
+                    <m:oMathParaPr>
+                      <m:jc m:val="centerGroup"/>
+                    </m:oMathParaPr>
+                    <m:oMath xmlns:m="http://schemas.openxmlformats.org/officeDocument/2006/math">
+                      <m:r>
+                        <a:rPr lang="en-US" altLang="ko-KR" b="1" i="0" smtClean="0">
+                          <a:solidFill>
+                            <a:srgbClr val="FF0000"/>
+                          </a:solidFill>
+                          <a:latin typeface="Cambria Math" panose="02040503050406030204" pitchFamily="18" charset="0"/>
+                        </a:rPr>
+                        <m:t>=</m:t>
+                      </m:r>
+                      <m:r>
+                        <a:rPr lang="en-US" altLang="ko-KR" b="1" i="0" smtClean="0">
+                          <a:solidFill>
+                            <a:srgbClr val="FF0000"/>
+                          </a:solidFill>
+                          <a:latin typeface="Cambria Math" panose="02040503050406030204" pitchFamily="18" charset="0"/>
+                        </a:rPr>
+                        <m:t>𝐅</m:t>
+                      </m:r>
+                    </m:oMath>
+                  </m:oMathPara>
+                </a14:m>
+                <a:endParaRPr lang="ko-KR" altLang="en-US" b="1" dirty="0">
+                  <a:solidFill>
+                    <a:srgbClr val="FF0000"/>
+                  </a:solidFill>
+                </a:endParaRPr>
+              </a:p>
+            </p:txBody>
+          </p:sp>
+        </mc:Choice>
+        <mc:Fallback>
+          <p:sp>
+            <p:nvSpPr>
+              <p:cNvPr id="22" name="TextBox 21">
+                <a:extLst>
+                  <a:ext uri="{FF2B5EF4-FFF2-40B4-BE49-F238E27FC236}">
+                    <a16:creationId xmlns:a16="http://schemas.microsoft.com/office/drawing/2014/main" id="{85EAECC7-8F23-4BBB-B863-9BA68E9AC38A}"/>
+                  </a:ext>
+                </a:extLst>
+              </p:cNvPr>
+              <p:cNvSpPr txBox="1">
+                <a:spLocks noRot="1" noChangeAspect="1" noMove="1" noResize="1" noEditPoints="1" noAdjustHandles="1" noChangeArrowheads="1" noChangeShapeType="1" noTextEdit="1"/>
+              </p:cNvSpPr>
+              <p:nvPr/>
+            </p:nvSpPr>
+            <p:spPr>
+              <a:xfrm>
+                <a:off x="3624071" y="516358"/>
+                <a:ext cx="466473" cy="276999"/>
+              </a:xfrm>
+              <a:prstGeom prst="rect">
+                <a:avLst/>
+              </a:prstGeom>
+              <a:blipFill>
+                <a:blip r:embed="rId12"/>
+                <a:stretch>
+                  <a:fillRect r="-7792" b="-11111"/>
+                </a:stretch>
+              </a:blipFill>
+            </p:spPr>
+            <p:txBody>
+              <a:bodyPr/>
+              <a:lstStyle/>
+              <a:p>
+                <a:r>
+                  <a:rPr lang="ko-KR" altLang="en-US">
+                    <a:noFill/>
+                  </a:rPr>
+                  <a:t> </a:t>
+                </a:r>
+              </a:p>
+            </p:txBody>
+          </p:sp>
+        </mc:Fallback>
+      </mc:AlternateContent>
+    </p:spTree>
+    <p:extLst>
+      <p:ext uri="{BB962C8B-B14F-4D97-AF65-F5344CB8AC3E}">
+        <p14:creationId xmlns:p14="http://schemas.microsoft.com/office/powerpoint/2010/main" val="2597765180"/>
+      </p:ext>
+    </p:extLst>
+  </p:cSld>
+  <p:clrMapOvr>
+    <a:masterClrMapping/>
+  </p:clrMapOvr>
+</p:sld>
+</file>
+
+<file path=ppt/slides/slide7.xml><?xml version="1.0" encoding="utf-8"?>
+<p:sld xmlns:a="http://schemas.openxmlformats.org/drawingml/2006/main" xmlns:r="http://schemas.openxmlformats.org/officeDocument/2006/relationships" xmlns:p="http://schemas.openxmlformats.org/presentationml/2006/main">
+  <p:cSld>
+    <p:spTree>
+      <p:nvGrpSpPr>
+        <p:cNvPr id="1" name=""/>
+        <p:cNvGrpSpPr/>
+        <p:nvPr/>
+      </p:nvGrpSpPr>
+      <p:grpSpPr>
+        <a:xfrm>
+          <a:off x="0" y="0"/>
+          <a:ext cx="0" cy="0"/>
+          <a:chOff x="0" y="0"/>
+          <a:chExt cx="0" cy="0"/>
+        </a:xfrm>
+      </p:grpSpPr>
+      <p:pic>
+        <p:nvPicPr>
+          <p:cNvPr id="5" name="그림 4">
+            <a:extLst>
+              <a:ext uri="{FF2B5EF4-FFF2-40B4-BE49-F238E27FC236}">
+                <a16:creationId xmlns:a16="http://schemas.microsoft.com/office/drawing/2014/main" id="{AEB665E9-67CE-42FA-B802-51A01DCC08D5}"/>
+              </a:ext>
+            </a:extLst>
+          </p:cNvPr>
+          <p:cNvPicPr>
+            <a:picLocks noChangeAspect="1"/>
+          </p:cNvPicPr>
+          <p:nvPr/>
+        </p:nvPicPr>
+        <p:blipFill>
+          <a:blip r:embed="rId2"/>
+          <a:stretch>
+            <a:fillRect/>
+          </a:stretch>
+        </p:blipFill>
+        <p:spPr>
+          <a:xfrm>
+            <a:off x="1485900" y="938212"/>
+            <a:ext cx="9220200" cy="4981575"/>
+          </a:xfrm>
+          <a:prstGeom prst="rect">
+            <a:avLst/>
+          </a:prstGeom>
+        </p:spPr>
+      </p:pic>
+      <mc:AlternateContent xmlns:mc="http://schemas.openxmlformats.org/markup-compatibility/2006">
+        <mc:Choice xmlns:a14="http://schemas.microsoft.com/office/drawing/2010/main" Requires="a14">
+          <p:sp>
+            <p:nvSpPr>
+              <p:cNvPr id="7" name="TextBox 6">
+                <a:extLst>
+                  <a:ext uri="{FF2B5EF4-FFF2-40B4-BE49-F238E27FC236}">
+                    <a16:creationId xmlns:a16="http://schemas.microsoft.com/office/drawing/2014/main" id="{3B35B153-8D1F-4A06-A786-1E1FF8CDFAD7}"/>
+                  </a:ext>
+                </a:extLst>
+              </p:cNvPr>
+              <p:cNvSpPr txBox="1"/>
+              <p:nvPr/>
+            </p:nvSpPr>
+            <p:spPr>
+              <a:xfrm>
+                <a:off x="9111996" y="3272211"/>
+                <a:ext cx="125034" cy="184666"/>
+              </a:xfrm>
+              <a:prstGeom prst="rect">
+                <a:avLst/>
+              </a:prstGeom>
+              <a:noFill/>
+            </p:spPr>
+            <p:txBody>
+              <a:bodyPr wrap="none" lIns="0" tIns="0" rIns="0" bIns="0" rtlCol="0">
+                <a:spAutoFit/>
+              </a:bodyPr>
+              <a:lstStyle>
+                <a:defPPr>
+                  <a:defRPr lang="ko-KR"/>
+                </a:defPPr>
+                <a:lvl1pPr>
+                  <a:defRPr sz="1200" b="1" i="0">
+                    <a:solidFill>
+                      <a:srgbClr val="FF0000"/>
+                    </a:solidFill>
+                    <a:latin typeface="Cambria Math" panose="02040503050406030204" pitchFamily="18" charset="0"/>
+                  </a:defRPr>
+                </a:lvl1pPr>
+              </a:lstStyle>
+              <a:p>
+                <a14:m>
+                  <m:oMathPara xmlns:m="http://schemas.openxmlformats.org/officeDocument/2006/math">
+                    <m:oMathParaPr>
+                      <m:jc m:val="centerGroup"/>
+                    </m:oMathParaPr>
+                    <m:oMath xmlns:m="http://schemas.openxmlformats.org/officeDocument/2006/math">
+                      <m:r>
+                        <a:rPr lang="en-US" altLang="ko-KR"/>
+                        <m:t>𝛉</m:t>
+                      </m:r>
+                    </m:oMath>
+                  </m:oMathPara>
+                </a14:m>
+                <a:endParaRPr lang="ko-KR" altLang="en-US" dirty="0"/>
+              </a:p>
+            </p:txBody>
+          </p:sp>
+        </mc:Choice>
+        <mc:Fallback>
+          <p:sp>
+            <p:nvSpPr>
+              <p:cNvPr id="7" name="TextBox 6">
+                <a:extLst>
+                  <a:ext uri="{FF2B5EF4-FFF2-40B4-BE49-F238E27FC236}">
+                    <a16:creationId xmlns:a16="http://schemas.microsoft.com/office/drawing/2014/main" id="{3B35B153-8D1F-4A06-A786-1E1FF8CDFAD7}"/>
+                  </a:ext>
+                </a:extLst>
+              </p:cNvPr>
+              <p:cNvSpPr txBox="1">
+                <a:spLocks noRot="1" noChangeAspect="1" noMove="1" noResize="1" noEditPoints="1" noAdjustHandles="1" noChangeArrowheads="1" noChangeShapeType="1" noTextEdit="1"/>
+              </p:cNvSpPr>
+              <p:nvPr/>
+            </p:nvSpPr>
+            <p:spPr>
+              <a:xfrm>
+                <a:off x="9111996" y="3272211"/>
+                <a:ext cx="125034" cy="184666"/>
+              </a:xfrm>
+              <a:prstGeom prst="rect">
+                <a:avLst/>
+              </a:prstGeom>
+              <a:blipFill>
+                <a:blip r:embed="rId3"/>
+                <a:stretch>
+                  <a:fillRect l="-30000" r="-35000" b="-10000"/>
+                </a:stretch>
+              </a:blipFill>
+            </p:spPr>
+            <p:txBody>
+              <a:bodyPr/>
+              <a:lstStyle/>
+              <a:p>
+                <a:r>
+                  <a:rPr lang="ko-KR" altLang="en-US">
+                    <a:noFill/>
+                  </a:rPr>
+                  <a:t> </a:t>
+                </a:r>
+              </a:p>
+            </p:txBody>
+          </p:sp>
+        </mc:Fallback>
+      </mc:AlternateContent>
+      <mc:AlternateContent xmlns:mc="http://schemas.openxmlformats.org/markup-compatibility/2006">
+        <mc:Choice xmlns:a14="http://schemas.microsoft.com/office/drawing/2010/main" Requires="a14">
+          <p:sp>
+            <p:nvSpPr>
+              <p:cNvPr id="8" name="TextBox 7">
+                <a:extLst>
+                  <a:ext uri="{FF2B5EF4-FFF2-40B4-BE49-F238E27FC236}">
+                    <a16:creationId xmlns:a16="http://schemas.microsoft.com/office/drawing/2014/main" id="{5F18F3D4-52DB-4117-AB44-22CF13A2F420}"/>
+                  </a:ext>
+                </a:extLst>
+              </p:cNvPr>
+              <p:cNvSpPr txBox="1"/>
+              <p:nvPr/>
+            </p:nvSpPr>
+            <p:spPr>
+              <a:xfrm>
+                <a:off x="9374124" y="4531035"/>
+                <a:ext cx="145873" cy="184666"/>
+              </a:xfrm>
+              <a:prstGeom prst="rect">
+                <a:avLst/>
+              </a:prstGeom>
+              <a:noFill/>
+            </p:spPr>
+            <p:txBody>
+              <a:bodyPr wrap="none" lIns="0" tIns="0" rIns="0" bIns="0" rtlCol="0">
+                <a:spAutoFit/>
+              </a:bodyPr>
+              <a:lstStyle/>
+              <a:p>
+                <a14:m>
+                  <m:oMathPara xmlns:m="http://schemas.openxmlformats.org/officeDocument/2006/math">
+                    <m:oMathParaPr>
+                      <m:jc m:val="centerGroup"/>
+                    </m:oMathParaPr>
+                    <m:oMath xmlns:m="http://schemas.openxmlformats.org/officeDocument/2006/math">
+                      <m:r>
+                        <a:rPr lang="en-US" altLang="ko-KR" sz="1200" b="1" i="0" smtClean="0">
+                          <a:solidFill>
+                            <a:srgbClr val="FF0000"/>
+                          </a:solidFill>
+                          <a:latin typeface="Cambria Math" panose="02040503050406030204" pitchFamily="18" charset="0"/>
+                        </a:rPr>
+                        <m:t>𝛉</m:t>
+                      </m:r>
+                    </m:oMath>
+                  </m:oMathPara>
+                </a14:m>
+                <a:endParaRPr lang="ko-KR" altLang="en-US" sz="1200" b="1" dirty="0">
+                  <a:solidFill>
+                    <a:srgbClr val="FF0000"/>
+                  </a:solidFill>
+                </a:endParaRPr>
+              </a:p>
+            </p:txBody>
+          </p:sp>
+        </mc:Choice>
+        <mc:Fallback>
+          <p:sp>
+            <p:nvSpPr>
+              <p:cNvPr id="8" name="TextBox 7">
+                <a:extLst>
+                  <a:ext uri="{FF2B5EF4-FFF2-40B4-BE49-F238E27FC236}">
+                    <a16:creationId xmlns:a16="http://schemas.microsoft.com/office/drawing/2014/main" id="{5F18F3D4-52DB-4117-AB44-22CF13A2F420}"/>
+                  </a:ext>
+                </a:extLst>
+              </p:cNvPr>
+              <p:cNvSpPr txBox="1">
+                <a:spLocks noRot="1" noChangeAspect="1" noMove="1" noResize="1" noEditPoints="1" noAdjustHandles="1" noChangeArrowheads="1" noChangeShapeType="1" noTextEdit="1"/>
+              </p:cNvSpPr>
+              <p:nvPr/>
+            </p:nvSpPr>
+            <p:spPr>
+              <a:xfrm>
+                <a:off x="9374124" y="4531035"/>
+                <a:ext cx="145873" cy="184666"/>
+              </a:xfrm>
+              <a:prstGeom prst="rect">
+                <a:avLst/>
+              </a:prstGeom>
+              <a:blipFill>
+                <a:blip r:embed="rId3"/>
+                <a:stretch>
+                  <a:fillRect l="-20833" r="-16667" b="-6452"/>
+                </a:stretch>
+              </a:blipFill>
+            </p:spPr>
+            <p:txBody>
+              <a:bodyPr/>
+              <a:lstStyle/>
+              <a:p>
+                <a:r>
+                  <a:rPr lang="ko-KR" altLang="en-US">
+                    <a:noFill/>
+                  </a:rPr>
+                  <a:t> </a:t>
+                </a:r>
+              </a:p>
+            </p:txBody>
+          </p:sp>
+        </mc:Fallback>
+      </mc:AlternateContent>
+      <mc:AlternateContent xmlns:mc="http://schemas.openxmlformats.org/markup-compatibility/2006">
+        <mc:Choice xmlns:a14="http://schemas.microsoft.com/office/drawing/2010/main" Requires="a14">
+          <p:sp>
+            <p:nvSpPr>
+              <p:cNvPr id="9" name="TextBox 8">
+                <a:extLst>
+                  <a:ext uri="{FF2B5EF4-FFF2-40B4-BE49-F238E27FC236}">
+                    <a16:creationId xmlns:a16="http://schemas.microsoft.com/office/drawing/2014/main" id="{374D1C41-EB05-4AF5-AF44-FCDFEF779E56}"/>
+                  </a:ext>
+                </a:extLst>
+              </p:cNvPr>
+              <p:cNvSpPr txBox="1"/>
+              <p:nvPr/>
+            </p:nvSpPr>
+            <p:spPr>
+              <a:xfrm>
+                <a:off x="3506724" y="2051218"/>
+                <a:ext cx="2104359" cy="1281505"/>
+              </a:xfrm>
+              <a:prstGeom prst="rect">
+                <a:avLst/>
+              </a:prstGeom>
+              <a:noFill/>
+            </p:spPr>
+            <p:txBody>
+              <a:bodyPr wrap="none" lIns="0" tIns="0" rIns="0" bIns="0" rtlCol="0">
+                <a:spAutoFit/>
+              </a:bodyPr>
+              <a:lstStyle/>
+              <a:p>
+                <a14:m>
+                  <m:oMathPara xmlns:m="http://schemas.openxmlformats.org/officeDocument/2006/math">
+                    <m:oMathParaPr>
+                      <m:jc m:val="centerGroup"/>
+                    </m:oMathParaPr>
+                    <m:oMath xmlns:m="http://schemas.openxmlformats.org/officeDocument/2006/math">
+                      <m:func>
+                        <m:funcPr>
+                          <m:ctrlPr>
+                            <a:rPr lang="en-US" altLang="ko-KR" b="0" smtClean="0">
+                              <a:solidFill>
+                                <a:srgbClr val="FF0000"/>
+                              </a:solidFill>
+                              <a:latin typeface="Cambria Math" panose="02040503050406030204" pitchFamily="18" charset="0"/>
+                            </a:rPr>
+                          </m:ctrlPr>
+                        </m:funcPr>
+                        <m:fName>
+                          <m:r>
+                            <m:rPr>
+                              <m:sty m:val="p"/>
+                            </m:rPr>
+                            <a:rPr lang="en-US" altLang="ko-KR" b="0" i="0" smtClean="0">
+                              <a:solidFill>
+                                <a:srgbClr val="FF0000"/>
+                              </a:solidFill>
+                              <a:latin typeface="Cambria Math" panose="02040503050406030204" pitchFamily="18" charset="0"/>
+                            </a:rPr>
+                            <m:t>tan</m:t>
+                          </m:r>
+                        </m:fName>
+                        <m:e>
+                          <m:d>
+                            <m:dPr>
+                              <m:ctrlPr>
+                                <a:rPr lang="en-US" altLang="ko-KR" b="0" smtClean="0">
+                                  <a:solidFill>
+                                    <a:srgbClr val="FF0000"/>
+                                  </a:solidFill>
+                                  <a:latin typeface="Cambria Math" panose="02040503050406030204" pitchFamily="18" charset="0"/>
+                                </a:rPr>
+                              </m:ctrlPr>
+                            </m:dPr>
+                            <m:e>
+                              <m:r>
+                                <m:rPr>
+                                  <m:sty m:val="p"/>
+                                </m:rPr>
+                                <a:rPr lang="en-US" altLang="ko-KR" b="0" i="0" smtClean="0">
+                                  <a:solidFill>
+                                    <a:srgbClr val="FF0000"/>
+                                  </a:solidFill>
+                                  <a:latin typeface="Cambria Math" panose="02040503050406030204" pitchFamily="18" charset="0"/>
+                                </a:rPr>
+                                <m:t>θ</m:t>
+                              </m:r>
+                            </m:e>
+                          </m:d>
+                        </m:e>
+                      </m:func>
+                      <m:r>
+                        <a:rPr lang="en-US" altLang="ko-KR" b="0" i="0" smtClean="0">
+                          <a:solidFill>
+                            <a:srgbClr val="FF0000"/>
+                          </a:solidFill>
+                          <a:latin typeface="Cambria Math" panose="02040503050406030204" pitchFamily="18" charset="0"/>
+                        </a:rPr>
+                        <m:t>=</m:t>
+                      </m:r>
+                      <m:f>
+                        <m:fPr>
+                          <m:ctrlPr>
+                            <a:rPr lang="en-US" altLang="ko-KR" b="0" smtClean="0">
+                              <a:solidFill>
+                                <a:srgbClr val="FF0000"/>
+                              </a:solidFill>
+                              <a:latin typeface="Cambria Math" panose="02040503050406030204" pitchFamily="18" charset="0"/>
+                            </a:rPr>
+                          </m:ctrlPr>
+                        </m:fPr>
+                        <m:num>
+                          <m:r>
+                            <m:rPr>
+                              <m:sty m:val="p"/>
+                            </m:rPr>
+                            <a:rPr lang="en-US" altLang="ko-KR" b="0" i="0" smtClean="0">
+                              <a:solidFill>
+                                <a:srgbClr val="FF0000"/>
+                              </a:solidFill>
+                              <a:latin typeface="Cambria Math" panose="02040503050406030204" pitchFamily="18" charset="0"/>
+                            </a:rPr>
+                            <m:t>t</m:t>
+                          </m:r>
+                          <m:r>
+                            <a:rPr lang="en-US" altLang="ko-KR" b="0" i="0" smtClean="0">
+                              <a:solidFill>
+                                <a:srgbClr val="FF0000"/>
+                              </a:solidFill>
+                              <a:latin typeface="Cambria Math" panose="02040503050406030204" pitchFamily="18" charset="0"/>
+                            </a:rPr>
+                            <m:t>/2</m:t>
+                          </m:r>
+                        </m:num>
+                        <m:den>
+                          <m:r>
+                            <m:rPr>
+                              <m:sty m:val="p"/>
+                            </m:rPr>
+                            <a:rPr lang="en-US" altLang="ko-KR" b="0" i="0" smtClean="0">
+                              <a:solidFill>
+                                <a:srgbClr val="FF0000"/>
+                              </a:solidFill>
+                              <a:latin typeface="Cambria Math" panose="02040503050406030204" pitchFamily="18" charset="0"/>
+                            </a:rPr>
+                            <m:t>l</m:t>
+                          </m:r>
+                        </m:den>
+                      </m:f>
+                      <m:r>
+                        <a:rPr lang="en-US" altLang="ko-KR" b="0" i="0" smtClean="0">
+                          <a:solidFill>
+                            <a:srgbClr val="FF0000"/>
+                          </a:solidFill>
+                          <a:latin typeface="Cambria Math" panose="02040503050406030204" pitchFamily="18" charset="0"/>
+                        </a:rPr>
+                        <m:t>=</m:t>
+                      </m:r>
+                      <m:f>
+                        <m:fPr>
+                          <m:ctrlPr>
+                            <a:rPr lang="en-US" altLang="ko-KR" b="0" smtClean="0">
+                              <a:solidFill>
+                                <a:srgbClr val="FF0000"/>
+                              </a:solidFill>
+                              <a:latin typeface="Cambria Math" panose="02040503050406030204" pitchFamily="18" charset="0"/>
+                            </a:rPr>
+                          </m:ctrlPr>
+                        </m:fPr>
+                        <m:num>
+                          <m:r>
+                            <m:rPr>
+                              <m:sty m:val="p"/>
+                            </m:rPr>
+                            <a:rPr lang="en-US" altLang="ko-KR" b="0" i="0" smtClean="0">
+                              <a:solidFill>
+                                <a:srgbClr val="FF0000"/>
+                              </a:solidFill>
+                              <a:latin typeface="Cambria Math" panose="02040503050406030204" pitchFamily="18" charset="0"/>
+                            </a:rPr>
+                            <m:t>x</m:t>
+                          </m:r>
+                        </m:num>
+                        <m:den>
+                          <m:r>
+                            <m:rPr>
+                              <m:sty m:val="p"/>
+                            </m:rPr>
+                            <a:rPr lang="en-US" altLang="ko-KR" b="0" i="0" smtClean="0">
+                              <a:solidFill>
+                                <a:srgbClr val="FF0000"/>
+                              </a:solidFill>
+                              <a:latin typeface="Cambria Math" panose="02040503050406030204" pitchFamily="18" charset="0"/>
+                            </a:rPr>
+                            <m:t>t</m:t>
+                          </m:r>
+                          <m:r>
+                            <a:rPr lang="en-US" altLang="ko-KR" b="0" i="0" smtClean="0">
+                              <a:solidFill>
+                                <a:srgbClr val="FF0000"/>
+                              </a:solidFill>
+                              <a:latin typeface="Cambria Math" panose="02040503050406030204" pitchFamily="18" charset="0"/>
+                            </a:rPr>
+                            <m:t>/2</m:t>
+                          </m:r>
+                        </m:den>
+                      </m:f>
+                    </m:oMath>
+                  </m:oMathPara>
+                </a14:m>
+                <a:endParaRPr lang="en-US" altLang="ko-KR" dirty="0">
+                  <a:solidFill>
+                    <a:srgbClr val="FF0000"/>
+                  </a:solidFill>
+                </a:endParaRPr>
+              </a:p>
+              <a:p>
+                <a:endParaRPr lang="en-US" altLang="ko-KR" dirty="0">
+                  <a:solidFill>
+                    <a:srgbClr val="FF0000"/>
+                  </a:solidFill>
+                </a:endParaRPr>
+              </a:p>
+              <a:p>
+                <a:r>
+                  <a:rPr lang="en-US" altLang="ko-KR" dirty="0">
+                    <a:solidFill>
+                      <a:srgbClr val="FF0000"/>
+                    </a:solidFill>
+                    <a:sym typeface="Wingdings" panose="05000000000000000000" pitchFamily="2" charset="2"/>
+                  </a:rPr>
+                  <a:t> </a:t>
+                </a:r>
+                <a14:m>
+                  <m:oMath xmlns:m="http://schemas.openxmlformats.org/officeDocument/2006/math">
+                    <m:r>
+                      <m:rPr>
+                        <m:sty m:val="p"/>
+                      </m:rPr>
+                      <a:rPr lang="en-US" altLang="ko-KR" b="0" i="0" smtClean="0">
+                        <a:solidFill>
+                          <a:srgbClr val="FF0000"/>
+                        </a:solidFill>
+                        <a:latin typeface="Cambria Math" panose="02040503050406030204" pitchFamily="18" charset="0"/>
+                        <a:sym typeface="Wingdings" panose="05000000000000000000" pitchFamily="2" charset="2"/>
+                      </a:rPr>
+                      <m:t>x</m:t>
+                    </m:r>
+                    <m:r>
+                      <a:rPr lang="en-US" altLang="ko-KR" b="0" i="0" smtClean="0">
+                        <a:solidFill>
+                          <a:srgbClr val="FF0000"/>
+                        </a:solidFill>
+                        <a:latin typeface="Cambria Math" panose="02040503050406030204" pitchFamily="18" charset="0"/>
+                        <a:sym typeface="Wingdings" panose="05000000000000000000" pitchFamily="2" charset="2"/>
+                      </a:rPr>
+                      <m:t>=</m:t>
+                    </m:r>
+                    <m:f>
+                      <m:fPr>
+                        <m:ctrlPr>
+                          <a:rPr lang="en-US" altLang="ko-KR" b="0" smtClean="0">
+                            <a:solidFill>
+                              <a:srgbClr val="FF0000"/>
+                            </a:solidFill>
+                            <a:latin typeface="Cambria Math" panose="02040503050406030204" pitchFamily="18" charset="0"/>
+                            <a:sym typeface="Wingdings" panose="05000000000000000000" pitchFamily="2" charset="2"/>
+                          </a:rPr>
+                        </m:ctrlPr>
+                      </m:fPr>
+                      <m:num>
+                        <m:sSup>
+                          <m:sSupPr>
+                            <m:ctrlPr>
+                              <a:rPr lang="en-US" altLang="ko-KR" b="0" smtClean="0">
+                                <a:solidFill>
+                                  <a:srgbClr val="FF0000"/>
+                                </a:solidFill>
+                                <a:latin typeface="Cambria Math" panose="02040503050406030204" pitchFamily="18" charset="0"/>
+                                <a:sym typeface="Wingdings" panose="05000000000000000000" pitchFamily="2" charset="2"/>
+                              </a:rPr>
+                            </m:ctrlPr>
+                          </m:sSupPr>
+                          <m:e>
+                            <m:r>
+                              <m:rPr>
+                                <m:sty m:val="p"/>
+                              </m:rPr>
+                              <a:rPr lang="en-US" altLang="ko-KR" b="0" i="0" smtClean="0">
+                                <a:solidFill>
+                                  <a:srgbClr val="FF0000"/>
+                                </a:solidFill>
+                                <a:latin typeface="Cambria Math" panose="02040503050406030204" pitchFamily="18" charset="0"/>
+                                <a:sym typeface="Wingdings" panose="05000000000000000000" pitchFamily="2" charset="2"/>
+                              </a:rPr>
+                              <m:t>t</m:t>
+                            </m:r>
+                          </m:e>
+                          <m:sup>
+                            <m:r>
+                              <a:rPr lang="en-US" altLang="ko-KR" b="0" i="0" smtClean="0">
+                                <a:solidFill>
+                                  <a:srgbClr val="FF0000"/>
+                                </a:solidFill>
+                                <a:latin typeface="Cambria Math" panose="02040503050406030204" pitchFamily="18" charset="0"/>
+                                <a:sym typeface="Wingdings" panose="05000000000000000000" pitchFamily="2" charset="2"/>
+                              </a:rPr>
+                              <m:t>2</m:t>
+                            </m:r>
+                          </m:sup>
+                        </m:sSup>
+                      </m:num>
+                      <m:den>
+                        <m:r>
+                          <a:rPr lang="en-US" altLang="ko-KR" b="0" i="0" smtClean="0">
+                            <a:solidFill>
+                              <a:srgbClr val="FF0000"/>
+                            </a:solidFill>
+                            <a:latin typeface="Cambria Math" panose="02040503050406030204" pitchFamily="18" charset="0"/>
+                            <a:sym typeface="Wingdings" panose="05000000000000000000" pitchFamily="2" charset="2"/>
+                          </a:rPr>
+                          <m:t>4</m:t>
+                        </m:r>
+                        <m:r>
+                          <m:rPr>
+                            <m:sty m:val="p"/>
+                          </m:rPr>
+                          <a:rPr lang="en-US" altLang="ko-KR" b="0" i="0" smtClean="0">
+                            <a:solidFill>
+                              <a:srgbClr val="FF0000"/>
+                            </a:solidFill>
+                            <a:latin typeface="Cambria Math" panose="02040503050406030204" pitchFamily="18" charset="0"/>
+                            <a:sym typeface="Wingdings" panose="05000000000000000000" pitchFamily="2" charset="2"/>
+                          </a:rPr>
+                          <m:t>l</m:t>
+                        </m:r>
+                      </m:den>
+                    </m:f>
+                  </m:oMath>
+                </a14:m>
+                <a:endParaRPr lang="ko-KR" altLang="en-US" dirty="0">
+                  <a:solidFill>
+                    <a:srgbClr val="FF0000"/>
+                  </a:solidFill>
+                </a:endParaRPr>
+              </a:p>
+            </p:txBody>
+          </p:sp>
+        </mc:Choice>
+        <mc:Fallback>
+          <p:sp>
+            <p:nvSpPr>
+              <p:cNvPr id="9" name="TextBox 8">
+                <a:extLst>
+                  <a:ext uri="{FF2B5EF4-FFF2-40B4-BE49-F238E27FC236}">
+                    <a16:creationId xmlns:a16="http://schemas.microsoft.com/office/drawing/2014/main" id="{374D1C41-EB05-4AF5-AF44-FCDFEF779E56}"/>
+                  </a:ext>
+                </a:extLst>
+              </p:cNvPr>
+              <p:cNvSpPr txBox="1">
+                <a:spLocks noRot="1" noChangeAspect="1" noMove="1" noResize="1" noEditPoints="1" noAdjustHandles="1" noChangeArrowheads="1" noChangeShapeType="1" noTextEdit="1"/>
+              </p:cNvSpPr>
+              <p:nvPr/>
+            </p:nvSpPr>
+            <p:spPr>
+              <a:xfrm>
+                <a:off x="3506724" y="2051218"/>
+                <a:ext cx="2104359" cy="1281505"/>
+              </a:xfrm>
+              <a:prstGeom prst="rect">
+                <a:avLst/>
+              </a:prstGeom>
+              <a:blipFill>
+                <a:blip r:embed="rId4"/>
+                <a:stretch>
+                  <a:fillRect l="-6667" b="-5213"/>
+                </a:stretch>
+              </a:blipFill>
+            </p:spPr>
+            <p:txBody>
+              <a:bodyPr/>
+              <a:lstStyle/>
+              <a:p>
+                <a:r>
+                  <a:rPr lang="ko-KR" altLang="en-US">
+                    <a:noFill/>
+                  </a:rPr>
+                  <a:t> </a:t>
+                </a:r>
+              </a:p>
+            </p:txBody>
+          </p:sp>
+        </mc:Fallback>
+      </mc:AlternateContent>
+      <mc:AlternateContent xmlns:mc="http://schemas.openxmlformats.org/markup-compatibility/2006">
+        <mc:Choice xmlns:a14="http://schemas.microsoft.com/office/drawing/2010/main" Requires="a14">
+          <p:sp>
+            <p:nvSpPr>
+              <p:cNvPr id="10" name="TextBox 9">
+                <a:extLst>
+                  <a:ext uri="{FF2B5EF4-FFF2-40B4-BE49-F238E27FC236}">
+                    <a16:creationId xmlns:a16="http://schemas.microsoft.com/office/drawing/2014/main" id="{BF2A9620-7442-47B6-AB71-201A86953A26}"/>
+                  </a:ext>
+                </a:extLst>
+              </p:cNvPr>
+              <p:cNvSpPr txBox="1"/>
+              <p:nvPr/>
+            </p:nvSpPr>
+            <p:spPr>
+              <a:xfrm>
+                <a:off x="3506724" y="1499616"/>
+                <a:ext cx="1514837" cy="276999"/>
+              </a:xfrm>
+              <a:prstGeom prst="rect">
+                <a:avLst/>
+              </a:prstGeom>
+              <a:noFill/>
+            </p:spPr>
+            <p:txBody>
+              <a:bodyPr wrap="none" lIns="0" tIns="0" rIns="0" bIns="0" rtlCol="0">
+                <a:spAutoFit/>
+              </a:bodyPr>
+              <a:lstStyle/>
+              <a:p>
+                <a14:m>
+                  <m:oMathPara xmlns:m="http://schemas.openxmlformats.org/officeDocument/2006/math">
+                    <m:oMathParaPr>
+                      <m:jc m:val="centerGroup"/>
+                    </m:oMathParaPr>
+                    <m:oMath xmlns:m="http://schemas.openxmlformats.org/officeDocument/2006/math">
+                      <m:r>
+                        <m:rPr>
+                          <m:sty m:val="p"/>
+                        </m:rPr>
+                        <a:rPr lang="en-US" altLang="ko-KR" b="0" i="0" smtClean="0">
+                          <a:solidFill>
+                            <a:srgbClr val="FF0000"/>
+                          </a:solidFill>
+                          <a:latin typeface="Cambria Math" panose="02040503050406030204" pitchFamily="18" charset="0"/>
+                        </a:rPr>
+                        <m:t>F</m:t>
+                      </m:r>
+                      <m:r>
+                        <a:rPr lang="en-US" altLang="ko-KR" b="0" i="0" smtClean="0">
+                          <a:solidFill>
+                            <a:srgbClr val="FF0000"/>
+                          </a:solidFill>
+                          <a:latin typeface="Cambria Math" panose="02040503050406030204" pitchFamily="18" charset="0"/>
+                        </a:rPr>
+                        <m:t> :</m:t>
+                      </m:r>
+                      <m:r>
+                        <m:rPr>
+                          <m:sty m:val="p"/>
+                        </m:rPr>
+                        <a:rPr lang="en-US" altLang="ko-KR" b="0" i="0" smtClean="0">
+                          <a:solidFill>
+                            <a:srgbClr val="FF0000"/>
+                          </a:solidFill>
+                          <a:latin typeface="Cambria Math" panose="02040503050406030204" pitchFamily="18" charset="0"/>
+                        </a:rPr>
+                        <m:t>Face</m:t>
+                      </m:r>
+                      <m:r>
+                        <a:rPr lang="en-US" altLang="ko-KR" b="0" i="0" smtClean="0">
+                          <a:solidFill>
+                            <a:srgbClr val="FF0000"/>
+                          </a:solidFill>
+                          <a:latin typeface="Cambria Math" panose="02040503050406030204" pitchFamily="18" charset="0"/>
+                        </a:rPr>
+                        <m:t> </m:t>
+                      </m:r>
+                      <m:r>
+                        <m:rPr>
+                          <m:sty m:val="p"/>
+                        </m:rPr>
+                        <a:rPr lang="en-US" altLang="ko-KR" b="0" i="0" smtClean="0">
+                          <a:solidFill>
+                            <a:srgbClr val="FF0000"/>
+                          </a:solidFill>
+                          <a:latin typeface="Cambria Math" panose="02040503050406030204" pitchFamily="18" charset="0"/>
+                        </a:rPr>
+                        <m:t>Width</m:t>
+                      </m:r>
+                    </m:oMath>
+                  </m:oMathPara>
+                </a14:m>
+                <a:endParaRPr lang="ko-KR" altLang="en-US" dirty="0">
+                  <a:solidFill>
+                    <a:srgbClr val="FF0000"/>
+                  </a:solidFill>
+                </a:endParaRPr>
+              </a:p>
+            </p:txBody>
+          </p:sp>
+        </mc:Choice>
+        <mc:Fallback>
+          <p:sp>
+            <p:nvSpPr>
+              <p:cNvPr id="10" name="TextBox 9">
+                <a:extLst>
+                  <a:ext uri="{FF2B5EF4-FFF2-40B4-BE49-F238E27FC236}">
+                    <a16:creationId xmlns:a16="http://schemas.microsoft.com/office/drawing/2014/main" id="{BF2A9620-7442-47B6-AB71-201A86953A26}"/>
+                  </a:ext>
+                </a:extLst>
+              </p:cNvPr>
+              <p:cNvSpPr txBox="1">
+                <a:spLocks noRot="1" noChangeAspect="1" noMove="1" noResize="1" noEditPoints="1" noAdjustHandles="1" noChangeArrowheads="1" noChangeShapeType="1" noTextEdit="1"/>
+              </p:cNvSpPr>
+              <p:nvPr/>
+            </p:nvSpPr>
+            <p:spPr>
+              <a:xfrm>
+                <a:off x="3506724" y="1499616"/>
+                <a:ext cx="1514837" cy="276999"/>
+              </a:xfrm>
+              <a:prstGeom prst="rect">
+                <a:avLst/>
+              </a:prstGeom>
+              <a:blipFill>
+                <a:blip r:embed="rId5"/>
+                <a:stretch>
+                  <a:fillRect l="-2008" r="-2811" b="-13333"/>
+                </a:stretch>
+              </a:blipFill>
+            </p:spPr>
+            <p:txBody>
+              <a:bodyPr/>
+              <a:lstStyle/>
+              <a:p>
+                <a:r>
+                  <a:rPr lang="ko-KR" altLang="en-US">
+                    <a:noFill/>
+                  </a:rPr>
+                  <a:t> </a:t>
+                </a:r>
+              </a:p>
+            </p:txBody>
+          </p:sp>
+        </mc:Fallback>
+      </mc:AlternateContent>
+    </p:spTree>
+    <p:extLst>
+      <p:ext uri="{BB962C8B-B14F-4D97-AF65-F5344CB8AC3E}">
+        <p14:creationId xmlns:p14="http://schemas.microsoft.com/office/powerpoint/2010/main" val="2917062756"/>
+      </p:ext>
+    </p:extLst>
+  </p:cSld>
+  <p:clrMapOvr>
+    <a:masterClrMapping/>
+  </p:clrMapOvr>
+</p:sld>
+</file>
+
+<file path=ppt/slides/slide8.xml><?xml version="1.0" encoding="utf-8"?>
+<p:sld xmlns:a="http://schemas.openxmlformats.org/drawingml/2006/main" xmlns:r="http://schemas.openxmlformats.org/officeDocument/2006/relationships" xmlns:p="http://schemas.openxmlformats.org/presentationml/2006/main">
+  <p:cSld>
+    <p:spTree>
+      <p:nvGrpSpPr>
+        <p:cNvPr id="1" name=""/>
+        <p:cNvGrpSpPr/>
+        <p:nvPr/>
+      </p:nvGrpSpPr>
+      <p:grpSpPr>
+        <a:xfrm>
+          <a:off x="0" y="0"/>
+          <a:ext cx="0" cy="0"/>
+          <a:chOff x="0" y="0"/>
+          <a:chExt cx="0" cy="0"/>
+        </a:xfrm>
+      </p:grpSpPr>
+    </p:spTree>
+    <p:extLst>
+      <p:ext uri="{BB962C8B-B14F-4D97-AF65-F5344CB8AC3E}">
+        <p14:creationId xmlns:p14="http://schemas.microsoft.com/office/powerpoint/2010/main" val="175797452"/>
       </p:ext>
     </p:extLst>
   </p:cSld>
